--- a/施工文档/开发文档/HCA-China Pipeline Framework 魏征.pptx
+++ b/施工文档/开发文档/HCA-China Pipeline Framework 魏征.pptx
@@ -6,11 +6,21 @@
   </p:sldMasterIdLst>
   <p:sldIdLst>
     <p:sldId id="256" r:id="rId2"/>
-    <p:sldId id="257" r:id="rId3"/>
-    <p:sldId id="258" r:id="rId4"/>
-    <p:sldId id="259" r:id="rId5"/>
-    <p:sldId id="261" r:id="rId6"/>
-    <p:sldId id="260" r:id="rId7"/>
+    <p:sldId id="261" r:id="rId3"/>
+    <p:sldId id="260" r:id="rId4"/>
+    <p:sldId id="257" r:id="rId5"/>
+    <p:sldId id="258" r:id="rId6"/>
+    <p:sldId id="259" r:id="rId7"/>
+    <p:sldId id="262" r:id="rId8"/>
+    <p:sldId id="263" r:id="rId9"/>
+    <p:sldId id="264" r:id="rId10"/>
+    <p:sldId id="266" r:id="rId11"/>
+    <p:sldId id="267" r:id="rId12"/>
+    <p:sldId id="268" r:id="rId13"/>
+    <p:sldId id="269" r:id="rId14"/>
+    <p:sldId id="270" r:id="rId15"/>
+    <p:sldId id="265" r:id="rId16"/>
+    <p:sldId id="271" r:id="rId17"/>
   </p:sldIdLst>
   <p:sldSz cx="12192000" cy="6858000"/>
   <p:notesSz cx="6858000" cy="9144000"/>
@@ -248,7 +258,7 @@
           <a:p>
             <a:fld id="{7449505E-302F-4144-BF6C-BB1B7B6D24F4}" type="datetimeFigureOut">
               <a:rPr lang="zh-CN" altLang="en-US" smtClean="0"/>
-              <a:t>2018/3/12</a:t>
+              <a:t>2018/3/15</a:t>
             </a:fld>
             <a:endParaRPr lang="zh-CN" altLang="en-US"/>
           </a:p>
@@ -418,7 +428,7 @@
           <a:p>
             <a:fld id="{7449505E-302F-4144-BF6C-BB1B7B6D24F4}" type="datetimeFigureOut">
               <a:rPr lang="zh-CN" altLang="en-US" smtClean="0"/>
-              <a:t>2018/3/12</a:t>
+              <a:t>2018/3/15</a:t>
             </a:fld>
             <a:endParaRPr lang="zh-CN" altLang="en-US"/>
           </a:p>
@@ -598,7 +608,7 @@
           <a:p>
             <a:fld id="{7449505E-302F-4144-BF6C-BB1B7B6D24F4}" type="datetimeFigureOut">
               <a:rPr lang="zh-CN" altLang="en-US" smtClean="0"/>
-              <a:t>2018/3/12</a:t>
+              <a:t>2018/3/15</a:t>
             </a:fld>
             <a:endParaRPr lang="zh-CN" altLang="en-US"/>
           </a:p>
@@ -768,7 +778,7 @@
           <a:p>
             <a:fld id="{7449505E-302F-4144-BF6C-BB1B7B6D24F4}" type="datetimeFigureOut">
               <a:rPr lang="zh-CN" altLang="en-US" smtClean="0"/>
-              <a:t>2018/3/12</a:t>
+              <a:t>2018/3/15</a:t>
             </a:fld>
             <a:endParaRPr lang="zh-CN" altLang="en-US"/>
           </a:p>
@@ -1014,7 +1024,7 @@
           <a:p>
             <a:fld id="{7449505E-302F-4144-BF6C-BB1B7B6D24F4}" type="datetimeFigureOut">
               <a:rPr lang="zh-CN" altLang="en-US" smtClean="0"/>
-              <a:t>2018/3/12</a:t>
+              <a:t>2018/3/15</a:t>
             </a:fld>
             <a:endParaRPr lang="zh-CN" altLang="en-US"/>
           </a:p>
@@ -1246,7 +1256,7 @@
           <a:p>
             <a:fld id="{7449505E-302F-4144-BF6C-BB1B7B6D24F4}" type="datetimeFigureOut">
               <a:rPr lang="zh-CN" altLang="en-US" smtClean="0"/>
-              <a:t>2018/3/12</a:t>
+              <a:t>2018/3/15</a:t>
             </a:fld>
             <a:endParaRPr lang="zh-CN" altLang="en-US"/>
           </a:p>
@@ -1613,7 +1623,7 @@
           <a:p>
             <a:fld id="{7449505E-302F-4144-BF6C-BB1B7B6D24F4}" type="datetimeFigureOut">
               <a:rPr lang="zh-CN" altLang="en-US" smtClean="0"/>
-              <a:t>2018/3/12</a:t>
+              <a:t>2018/3/15</a:t>
             </a:fld>
             <a:endParaRPr lang="zh-CN" altLang="en-US"/>
           </a:p>
@@ -1731,7 +1741,7 @@
           <a:p>
             <a:fld id="{7449505E-302F-4144-BF6C-BB1B7B6D24F4}" type="datetimeFigureOut">
               <a:rPr lang="zh-CN" altLang="en-US" smtClean="0"/>
-              <a:t>2018/3/12</a:t>
+              <a:t>2018/3/15</a:t>
             </a:fld>
             <a:endParaRPr lang="zh-CN" altLang="en-US"/>
           </a:p>
@@ -1826,7 +1836,7 @@
           <a:p>
             <a:fld id="{7449505E-302F-4144-BF6C-BB1B7B6D24F4}" type="datetimeFigureOut">
               <a:rPr lang="zh-CN" altLang="en-US" smtClean="0"/>
-              <a:t>2018/3/12</a:t>
+              <a:t>2018/3/15</a:t>
             </a:fld>
             <a:endParaRPr lang="zh-CN" altLang="en-US"/>
           </a:p>
@@ -2103,7 +2113,7 @@
           <a:p>
             <a:fld id="{7449505E-302F-4144-BF6C-BB1B7B6D24F4}" type="datetimeFigureOut">
               <a:rPr lang="zh-CN" altLang="en-US" smtClean="0"/>
-              <a:t>2018/3/12</a:t>
+              <a:t>2018/3/15</a:t>
             </a:fld>
             <a:endParaRPr lang="zh-CN" altLang="en-US"/>
           </a:p>
@@ -2356,7 +2366,7 @@
           <a:p>
             <a:fld id="{7449505E-302F-4144-BF6C-BB1B7B6D24F4}" type="datetimeFigureOut">
               <a:rPr lang="zh-CN" altLang="en-US" smtClean="0"/>
-              <a:t>2018/3/12</a:t>
+              <a:t>2018/3/15</a:t>
             </a:fld>
             <a:endParaRPr lang="zh-CN" altLang="en-US"/>
           </a:p>
@@ -2569,7 +2579,7 @@
           <a:p>
             <a:fld id="{7449505E-302F-4144-BF6C-BB1B7B6D24F4}" type="datetimeFigureOut">
               <a:rPr lang="zh-CN" altLang="en-US" smtClean="0"/>
-              <a:t>2018/3/12</a:t>
+              <a:t>2018/3/15</a:t>
             </a:fld>
             <a:endParaRPr lang="zh-CN" altLang="en-US"/>
           </a:p>
@@ -3040,6 +3050,1854 @@
 </p:sld>
 </file>
 
+<file path=ppt/slides/slide10.xml><?xml version="1.0" encoding="utf-8"?>
+<p:sld xmlns:a="http://schemas.openxmlformats.org/drawingml/2006/main" xmlns:r="http://schemas.openxmlformats.org/officeDocument/2006/relationships" xmlns:p="http://schemas.openxmlformats.org/presentationml/2006/main">
+  <p:cSld>
+    <p:spTree>
+      <p:nvGrpSpPr>
+        <p:cNvPr id="1" name=""/>
+        <p:cNvGrpSpPr/>
+        <p:nvPr/>
+      </p:nvGrpSpPr>
+      <p:grpSpPr>
+        <a:xfrm>
+          <a:off x="0" y="0"/>
+          <a:ext cx="0" cy="0"/>
+          <a:chOff x="0" y="0"/>
+          <a:chExt cx="0" cy="0"/>
+        </a:xfrm>
+      </p:grpSpPr>
+      <p:sp>
+        <p:nvSpPr>
+          <p:cNvPr id="2" name="标题 1"/>
+          <p:cNvSpPr>
+            <a:spLocks noGrp="1"/>
+          </p:cNvSpPr>
+          <p:nvPr>
+            <p:ph type="title"/>
+          </p:nvPr>
+        </p:nvSpPr>
+        <p:spPr/>
+        <p:txBody>
+          <a:bodyPr/>
+          <a:lstStyle/>
+          <a:p>
+            <a:r>
+              <a:rPr lang="zh-CN" altLang="en-US" dirty="0"/>
+              <a:t>开发</a:t>
+            </a:r>
+            <a:r>
+              <a:rPr lang="zh-CN" altLang="en-US" dirty="0" smtClean="0"/>
+              <a:t>流程</a:t>
+            </a:r>
+            <a:r>
+              <a:rPr lang="en-US" altLang="zh-CN" dirty="0" smtClean="0"/>
+              <a:t>3</a:t>
+            </a:r>
+            <a:r>
+              <a:rPr lang="zh-CN" altLang="en-US" dirty="0" smtClean="0"/>
+              <a:t>：实现输入输出初始化</a:t>
+            </a:r>
+            <a:r>
+              <a:rPr lang="en-US" altLang="zh-CN" dirty="0" err="1"/>
+              <a:t>impInitIO</a:t>
+            </a:r>
+            <a:endParaRPr lang="zh-CN" altLang="en-US" dirty="0"/>
+          </a:p>
+        </p:txBody>
+      </p:sp>
+      <p:sp>
+        <p:nvSpPr>
+          <p:cNvPr id="3" name="内容占位符 2"/>
+          <p:cNvSpPr>
+            <a:spLocks noGrp="1"/>
+          </p:cNvSpPr>
+          <p:nvPr>
+            <p:ph idx="1"/>
+          </p:nvPr>
+        </p:nvSpPr>
+        <p:spPr/>
+        <p:txBody>
+          <a:bodyPr>
+            <a:normAutofit/>
+          </a:bodyPr>
+          <a:lstStyle/>
+          <a:p>
+            <a:r>
+              <a:rPr lang="zh-CN" altLang="en-US" dirty="0"/>
+              <a:t>读出</a:t>
+            </a:r>
+            <a:r>
+              <a:rPr lang="zh-CN" altLang="en-US" dirty="0" smtClean="0"/>
+              <a:t>调用输入输出参数</a:t>
+            </a:r>
+            <a:r>
+              <a:rPr lang="zh-CN" altLang="en-US" dirty="0"/>
+              <a:t>（必做）</a:t>
+            </a:r>
+            <a:endParaRPr lang="en-US" altLang="zh-CN" dirty="0" smtClean="0"/>
+          </a:p>
+          <a:p>
+            <a:endParaRPr lang="en-US" altLang="zh-CN" dirty="0"/>
+          </a:p>
+          <a:p>
+            <a:r>
+              <a:rPr lang="zh-CN" altLang="en-US" dirty="0" smtClean="0"/>
+              <a:t>填充</a:t>
+            </a:r>
+            <a:r>
+              <a:rPr lang="en-US" altLang="zh-CN" dirty="0" smtClean="0"/>
+              <a:t>inputs</a:t>
+            </a:r>
+            <a:r>
+              <a:rPr lang="zh-CN" altLang="en-US" dirty="0"/>
+              <a:t> （必做）</a:t>
+            </a:r>
+            <a:endParaRPr lang="en-US" altLang="zh-CN" dirty="0" smtClean="0"/>
+          </a:p>
+          <a:p>
+            <a:endParaRPr lang="en-US" altLang="zh-CN" dirty="0" smtClean="0"/>
+          </a:p>
+          <a:p>
+            <a:endParaRPr lang="en-US" altLang="zh-CN" dirty="0"/>
+          </a:p>
+          <a:p>
+            <a:r>
+              <a:rPr lang="zh-CN" altLang="en-US" dirty="0" smtClean="0"/>
+              <a:t>填充</a:t>
+            </a:r>
+            <a:r>
+              <a:rPr lang="en-US" altLang="zh-CN" dirty="0" smtClean="0"/>
+              <a:t>outputs</a:t>
+            </a:r>
+            <a:r>
+              <a:rPr lang="zh-CN" altLang="en-US" dirty="0"/>
+              <a:t> （必做）</a:t>
+            </a:r>
+            <a:endParaRPr lang="en-US" altLang="zh-CN" dirty="0" smtClean="0"/>
+          </a:p>
+          <a:p>
+            <a:endParaRPr lang="en-US" altLang="zh-CN" dirty="0"/>
+          </a:p>
+        </p:txBody>
+      </p:sp>
+      <p:sp>
+        <p:nvSpPr>
+          <p:cNvPr id="15" name="文本框 14"/>
+          <p:cNvSpPr txBox="1"/>
+          <p:nvPr/>
+        </p:nvSpPr>
+        <p:spPr>
+          <a:xfrm>
+            <a:off x="5839327" y="2386545"/>
+            <a:ext cx="5149516" cy="369332"/>
+          </a:xfrm>
+          <a:prstGeom prst="rect">
+            <a:avLst/>
+          </a:prstGeom>
+          <a:noFill/>
+        </p:spPr>
+        <p:txBody>
+          <a:bodyPr wrap="square" rtlCol="0">
+            <a:spAutoFit/>
+          </a:bodyPr>
+          <a:lstStyle/>
+          <a:p>
+            <a:r>
+              <a:rPr lang="en-US" altLang="zh-CN" dirty="0" err="1" smtClean="0"/>
+              <a:t>self.getParamIO</a:t>
+            </a:r>
+            <a:r>
+              <a:rPr lang="en-US" altLang="zh-CN" dirty="0" smtClean="0"/>
+              <a:t>(‘</a:t>
+            </a:r>
+            <a:r>
+              <a:rPr lang="zh-CN" altLang="en-US" dirty="0" smtClean="0"/>
+              <a:t>输入或输出名</a:t>
+            </a:r>
+            <a:r>
+              <a:rPr lang="en-US" altLang="zh-CN" dirty="0" smtClean="0"/>
+              <a:t>’,</a:t>
+            </a:r>
+            <a:r>
+              <a:rPr lang="zh-CN" altLang="en-US" dirty="0" smtClean="0"/>
+              <a:t>输入或输出变量值</a:t>
+            </a:r>
+            <a:r>
+              <a:rPr lang="en-US" altLang="zh-CN" dirty="0" smtClean="0"/>
+              <a:t>)</a:t>
+            </a:r>
+            <a:endParaRPr lang="zh-CN" altLang="en-US" dirty="0"/>
+          </a:p>
+        </p:txBody>
+      </p:sp>
+      <p:pic>
+        <p:nvPicPr>
+          <p:cNvPr id="5" name="图片 4"/>
+          <p:cNvPicPr>
+            <a:picLocks noChangeAspect="1"/>
+          </p:cNvPicPr>
+          <p:nvPr/>
+        </p:nvPicPr>
+        <p:blipFill>
+          <a:blip r:embed="rId2"/>
+          <a:stretch>
+            <a:fillRect/>
+          </a:stretch>
+        </p:blipFill>
+        <p:spPr>
+          <a:xfrm>
+            <a:off x="1027430" y="2318830"/>
+            <a:ext cx="4019048" cy="504762"/>
+          </a:xfrm>
+          <a:prstGeom prst="rect">
+            <a:avLst/>
+          </a:prstGeom>
+        </p:spPr>
+      </p:pic>
+      <p:pic>
+        <p:nvPicPr>
+          <p:cNvPr id="6" name="图片 5"/>
+          <p:cNvPicPr>
+            <a:picLocks noChangeAspect="1"/>
+          </p:cNvPicPr>
+          <p:nvPr/>
+        </p:nvPicPr>
+        <p:blipFill>
+          <a:blip r:embed="rId3"/>
+          <a:stretch>
+            <a:fillRect/>
+          </a:stretch>
+        </p:blipFill>
+        <p:spPr>
+          <a:xfrm>
+            <a:off x="838199" y="3513368"/>
+            <a:ext cx="4888185" cy="451415"/>
+          </a:xfrm>
+          <a:prstGeom prst="rect">
+            <a:avLst/>
+          </a:prstGeom>
+        </p:spPr>
+      </p:pic>
+      <p:sp>
+        <p:nvSpPr>
+          <p:cNvPr id="11" name="文本框 10"/>
+          <p:cNvSpPr txBox="1"/>
+          <p:nvPr/>
+        </p:nvSpPr>
+        <p:spPr>
+          <a:xfrm>
+            <a:off x="5839327" y="3102569"/>
+            <a:ext cx="5149516" cy="369332"/>
+          </a:xfrm>
+          <a:prstGeom prst="rect">
+            <a:avLst/>
+          </a:prstGeom>
+          <a:noFill/>
+        </p:spPr>
+        <p:txBody>
+          <a:bodyPr wrap="square" rtlCol="0">
+            <a:spAutoFit/>
+          </a:bodyPr>
+          <a:lstStyle/>
+          <a:p>
+            <a:r>
+              <a:rPr lang="en-US" altLang="zh-CN" dirty="0" err="1" smtClean="0"/>
+              <a:t>self.setInput</a:t>
+            </a:r>
+            <a:r>
+              <a:rPr lang="en-US" altLang="zh-CN" dirty="0" smtClean="0"/>
+              <a:t>(‘</a:t>
+            </a:r>
+            <a:r>
+              <a:rPr lang="zh-CN" altLang="en-US" dirty="0" smtClean="0"/>
+              <a:t>输入或输出名</a:t>
+            </a:r>
+            <a:r>
+              <a:rPr lang="en-US" altLang="zh-CN" dirty="0" smtClean="0"/>
+              <a:t>’,</a:t>
+            </a:r>
+            <a:r>
+              <a:rPr lang="zh-CN" altLang="en-US" dirty="0" smtClean="0"/>
+              <a:t>输入或输出变量值</a:t>
+            </a:r>
+            <a:r>
+              <a:rPr lang="en-US" altLang="zh-CN" dirty="0" smtClean="0"/>
+              <a:t>)</a:t>
+            </a:r>
+            <a:endParaRPr lang="zh-CN" altLang="en-US" dirty="0"/>
+          </a:p>
+        </p:txBody>
+      </p:sp>
+      <p:sp>
+        <p:nvSpPr>
+          <p:cNvPr id="12" name="文本框 11"/>
+          <p:cNvSpPr txBox="1"/>
+          <p:nvPr/>
+        </p:nvSpPr>
+        <p:spPr>
+          <a:xfrm>
+            <a:off x="5839327" y="3554410"/>
+            <a:ext cx="5149516" cy="369332"/>
+          </a:xfrm>
+          <a:prstGeom prst="rect">
+            <a:avLst/>
+          </a:prstGeom>
+          <a:noFill/>
+        </p:spPr>
+        <p:txBody>
+          <a:bodyPr wrap="square" rtlCol="0">
+            <a:spAutoFit/>
+          </a:bodyPr>
+          <a:lstStyle/>
+          <a:p>
+            <a:r>
+              <a:rPr lang="en-US" altLang="zh-CN" dirty="0" err="1" smtClean="0"/>
+              <a:t>self.setInputXXX</a:t>
+            </a:r>
+            <a:r>
+              <a:rPr lang="en-US" altLang="zh-CN" dirty="0" smtClean="0"/>
+              <a:t>(</a:t>
+            </a:r>
+            <a:r>
+              <a:rPr lang="zh-CN" altLang="en-US" dirty="0" smtClean="0"/>
+              <a:t>请参见代码注释</a:t>
+            </a:r>
+            <a:r>
+              <a:rPr lang="en-US" altLang="zh-CN" dirty="0" smtClean="0"/>
+              <a:t>)</a:t>
+            </a:r>
+            <a:endParaRPr lang="zh-CN" altLang="en-US" dirty="0"/>
+          </a:p>
+        </p:txBody>
+      </p:sp>
+      <p:pic>
+        <p:nvPicPr>
+          <p:cNvPr id="7" name="图片 6"/>
+          <p:cNvPicPr>
+            <a:picLocks noChangeAspect="1"/>
+          </p:cNvPicPr>
+          <p:nvPr/>
+        </p:nvPicPr>
+        <p:blipFill>
+          <a:blip r:embed="rId4"/>
+          <a:stretch>
+            <a:fillRect/>
+          </a:stretch>
+        </p:blipFill>
+        <p:spPr>
+          <a:xfrm>
+            <a:off x="838199" y="4942951"/>
+            <a:ext cx="7950017" cy="415112"/>
+          </a:xfrm>
+          <a:prstGeom prst="rect">
+            <a:avLst/>
+          </a:prstGeom>
+        </p:spPr>
+      </p:pic>
+      <p:sp>
+        <p:nvSpPr>
+          <p:cNvPr id="17" name="文本框 16"/>
+          <p:cNvSpPr txBox="1"/>
+          <p:nvPr/>
+        </p:nvSpPr>
+        <p:spPr>
+          <a:xfrm>
+            <a:off x="5839327" y="5325202"/>
+            <a:ext cx="5149516" cy="369332"/>
+          </a:xfrm>
+          <a:prstGeom prst="rect">
+            <a:avLst/>
+          </a:prstGeom>
+          <a:noFill/>
+        </p:spPr>
+        <p:txBody>
+          <a:bodyPr wrap="square" rtlCol="0">
+            <a:spAutoFit/>
+          </a:bodyPr>
+          <a:lstStyle/>
+          <a:p>
+            <a:r>
+              <a:rPr lang="en-US" altLang="zh-CN" dirty="0" err="1" smtClean="0"/>
+              <a:t>self.setOutput</a:t>
+            </a:r>
+            <a:r>
+              <a:rPr lang="en-US" altLang="zh-CN" dirty="0" smtClean="0"/>
+              <a:t>(‘</a:t>
+            </a:r>
+            <a:r>
+              <a:rPr lang="zh-CN" altLang="en-US" dirty="0" smtClean="0"/>
+              <a:t>输出名</a:t>
+            </a:r>
+            <a:r>
+              <a:rPr lang="en-US" altLang="zh-CN" dirty="0" smtClean="0"/>
+              <a:t>’,</a:t>
+            </a:r>
+            <a:r>
+              <a:rPr lang="zh-CN" altLang="en-US" dirty="0" smtClean="0"/>
+              <a:t> 输出变量值</a:t>
+            </a:r>
+            <a:r>
+              <a:rPr lang="en-US" altLang="zh-CN" dirty="0" smtClean="0"/>
+              <a:t>)</a:t>
+            </a:r>
+            <a:endParaRPr lang="zh-CN" altLang="en-US" dirty="0"/>
+          </a:p>
+        </p:txBody>
+      </p:sp>
+      <p:sp>
+        <p:nvSpPr>
+          <p:cNvPr id="18" name="文本框 17"/>
+          <p:cNvSpPr txBox="1"/>
+          <p:nvPr/>
+        </p:nvSpPr>
+        <p:spPr>
+          <a:xfrm>
+            <a:off x="5839327" y="5729578"/>
+            <a:ext cx="5686926" cy="369332"/>
+          </a:xfrm>
+          <a:prstGeom prst="rect">
+            <a:avLst/>
+          </a:prstGeom>
+          <a:noFill/>
+        </p:spPr>
+        <p:txBody>
+          <a:bodyPr wrap="square" rtlCol="0">
+            <a:spAutoFit/>
+          </a:bodyPr>
+          <a:lstStyle/>
+          <a:p>
+            <a:r>
+              <a:rPr lang="en-US" altLang="zh-CN" dirty="0" err="1" smtClean="0"/>
+              <a:t>self.setOutputXXX</a:t>
+            </a:r>
+            <a:r>
+              <a:rPr lang="en-US" altLang="zh-CN" dirty="0" smtClean="0"/>
+              <a:t>(</a:t>
+            </a:r>
+            <a:r>
+              <a:rPr lang="zh-CN" altLang="en-US" dirty="0" smtClean="0"/>
+              <a:t>请</a:t>
+            </a:r>
+            <a:r>
+              <a:rPr lang="zh-CN" altLang="en-US" dirty="0"/>
+              <a:t>参见代码注释</a:t>
+            </a:r>
+            <a:r>
+              <a:rPr lang="en-US" altLang="zh-CN" dirty="0" smtClean="0"/>
+              <a:t>)</a:t>
+            </a:r>
+            <a:endParaRPr lang="zh-CN" altLang="en-US" dirty="0"/>
+          </a:p>
+        </p:txBody>
+      </p:sp>
+    </p:spTree>
+    <p:extLst>
+      <p:ext uri="{BB962C8B-B14F-4D97-AF65-F5344CB8AC3E}">
+        <p14:creationId xmlns:p14="http://schemas.microsoft.com/office/powerpoint/2010/main" val="917550175"/>
+      </p:ext>
+    </p:extLst>
+  </p:cSld>
+  <p:clrMapOvr>
+    <a:masterClrMapping/>
+  </p:clrMapOvr>
+</p:sld>
+</file>
+
+<file path=ppt/slides/slide11.xml><?xml version="1.0" encoding="utf-8"?>
+<p:sld xmlns:a="http://schemas.openxmlformats.org/drawingml/2006/main" xmlns:r="http://schemas.openxmlformats.org/officeDocument/2006/relationships" xmlns:p="http://schemas.openxmlformats.org/presentationml/2006/main">
+  <p:cSld>
+    <p:spTree>
+      <p:nvGrpSpPr>
+        <p:cNvPr id="1" name=""/>
+        <p:cNvGrpSpPr/>
+        <p:nvPr/>
+      </p:nvGrpSpPr>
+      <p:grpSpPr>
+        <a:xfrm>
+          <a:off x="0" y="0"/>
+          <a:ext cx="0" cy="0"/>
+          <a:chOff x="0" y="0"/>
+          <a:chExt cx="0" cy="0"/>
+        </a:xfrm>
+      </p:grpSpPr>
+      <p:sp>
+        <p:nvSpPr>
+          <p:cNvPr id="2" name="标题 1"/>
+          <p:cNvSpPr>
+            <a:spLocks noGrp="1"/>
+          </p:cNvSpPr>
+          <p:nvPr>
+            <p:ph type="title"/>
+          </p:nvPr>
+        </p:nvSpPr>
+        <p:spPr/>
+        <p:txBody>
+          <a:bodyPr/>
+          <a:lstStyle/>
+          <a:p>
+            <a:r>
+              <a:rPr lang="zh-CN" altLang="en-US" dirty="0"/>
+              <a:t>开发</a:t>
+            </a:r>
+            <a:r>
+              <a:rPr lang="zh-CN" altLang="en-US" dirty="0" smtClean="0"/>
+              <a:t>流程</a:t>
+            </a:r>
+            <a:r>
+              <a:rPr lang="en-US" altLang="zh-CN" dirty="0" smtClean="0"/>
+              <a:t>3</a:t>
+            </a:r>
+            <a:r>
+              <a:rPr lang="zh-CN" altLang="en-US" dirty="0" smtClean="0"/>
+              <a:t>：实现输入输出初始化</a:t>
+            </a:r>
+            <a:r>
+              <a:rPr lang="en-US" altLang="zh-CN" dirty="0" err="1"/>
+              <a:t>impInitIO</a:t>
+            </a:r>
+            <a:endParaRPr lang="zh-CN" altLang="en-US" dirty="0"/>
+          </a:p>
+        </p:txBody>
+      </p:sp>
+      <p:sp>
+        <p:nvSpPr>
+          <p:cNvPr id="3" name="内容占位符 2"/>
+          <p:cNvSpPr>
+            <a:spLocks noGrp="1"/>
+          </p:cNvSpPr>
+          <p:nvPr>
+            <p:ph idx="1"/>
+          </p:nvPr>
+        </p:nvSpPr>
+        <p:spPr/>
+        <p:txBody>
+          <a:bodyPr>
+            <a:normAutofit/>
+          </a:bodyPr>
+          <a:lstStyle/>
+          <a:p>
+            <a:r>
+              <a:rPr lang="zh-CN" altLang="en-US" dirty="0" smtClean="0"/>
+              <a:t>设置上游输入结点个数，默认为</a:t>
+            </a:r>
+            <a:r>
+              <a:rPr lang="en-US" altLang="zh-CN" dirty="0" smtClean="0"/>
+              <a:t>1</a:t>
+            </a:r>
+            <a:r>
+              <a:rPr lang="zh-CN" altLang="en-US" dirty="0" smtClean="0"/>
+              <a:t>（选做</a:t>
+            </a:r>
+            <a:r>
+              <a:rPr lang="zh-CN" altLang="en-US" dirty="0"/>
+              <a:t>）</a:t>
+            </a:r>
+            <a:endParaRPr lang="en-US" altLang="zh-CN" dirty="0"/>
+          </a:p>
+          <a:p>
+            <a:endParaRPr lang="en-US" altLang="zh-CN" dirty="0" smtClean="0"/>
+          </a:p>
+          <a:p>
+            <a:r>
+              <a:rPr lang="zh-CN" altLang="en-US" dirty="0" smtClean="0"/>
+              <a:t>设置是否有重复单样本操作，</a:t>
+            </a:r>
+            <a:r>
+              <a:rPr lang="zh-CN" altLang="en-US" dirty="0"/>
+              <a:t>默认</a:t>
+            </a:r>
+            <a:r>
+              <a:rPr lang="zh-CN" altLang="en-US" dirty="0" smtClean="0"/>
+              <a:t>为具有重复操作（选做）</a:t>
+            </a:r>
+            <a:endParaRPr lang="en-US" altLang="zh-CN" dirty="0" smtClean="0"/>
+          </a:p>
+          <a:p>
+            <a:endParaRPr lang="en-US" altLang="zh-CN" dirty="0" smtClean="0"/>
+          </a:p>
+          <a:p>
+            <a:endParaRPr lang="en-US" altLang="zh-CN" dirty="0"/>
+          </a:p>
+          <a:p>
+            <a:r>
+              <a:rPr lang="zh-CN" altLang="en-US" dirty="0" smtClean="0"/>
+              <a:t>设置单样本个数</a:t>
+            </a:r>
+            <a:r>
+              <a:rPr lang="en-US" altLang="zh-CN" dirty="0" smtClean="0"/>
+              <a:t>(</a:t>
+            </a:r>
+            <a:r>
+              <a:rPr lang="zh-CN" altLang="en-US" dirty="0"/>
+              <a:t>未</a:t>
+            </a:r>
+            <a:r>
+              <a:rPr lang="zh-CN" altLang="en-US" dirty="0" smtClean="0"/>
+              <a:t>设置</a:t>
+            </a:r>
+            <a:r>
+              <a:rPr lang="en-US" altLang="zh-CN" dirty="0" smtClean="0"/>
+              <a:t>_</a:t>
+            </a:r>
+            <a:r>
+              <a:rPr lang="en-US" altLang="zh-CN" dirty="0" err="1" smtClean="0"/>
+              <a:t>setMultiRun</a:t>
+            </a:r>
+            <a:r>
+              <a:rPr lang="zh-CN" altLang="en-US" dirty="0" smtClean="0"/>
+              <a:t>时需设置</a:t>
+            </a:r>
+            <a:r>
+              <a:rPr lang="en-US" altLang="zh-CN" dirty="0" smtClean="0"/>
+              <a:t>)</a:t>
+            </a:r>
+          </a:p>
+          <a:p>
+            <a:endParaRPr lang="en-US" altLang="zh-CN" dirty="0"/>
+          </a:p>
+        </p:txBody>
+      </p:sp>
+      <p:sp>
+        <p:nvSpPr>
+          <p:cNvPr id="15" name="文本框 14"/>
+          <p:cNvSpPr txBox="1"/>
+          <p:nvPr/>
+        </p:nvSpPr>
+        <p:spPr>
+          <a:xfrm>
+            <a:off x="5839327" y="2386545"/>
+            <a:ext cx="5149516" cy="369332"/>
+          </a:xfrm>
+          <a:prstGeom prst="rect">
+            <a:avLst/>
+          </a:prstGeom>
+          <a:noFill/>
+        </p:spPr>
+        <p:txBody>
+          <a:bodyPr wrap="square" rtlCol="0">
+            <a:spAutoFit/>
+          </a:bodyPr>
+          <a:lstStyle/>
+          <a:p>
+            <a:r>
+              <a:rPr lang="en-US" altLang="zh-CN" dirty="0" smtClean="0"/>
+              <a:t>self._</a:t>
+            </a:r>
+            <a:r>
+              <a:rPr lang="en-US" altLang="zh-CN" dirty="0" err="1" smtClean="0"/>
+              <a:t>setUpstreamSize</a:t>
+            </a:r>
+            <a:r>
+              <a:rPr lang="en-US" altLang="zh-CN" dirty="0" smtClean="0"/>
+              <a:t>(</a:t>
+            </a:r>
+            <a:r>
+              <a:rPr lang="zh-CN" altLang="en-US" dirty="0" smtClean="0"/>
+              <a:t>上游个数</a:t>
+            </a:r>
+            <a:r>
+              <a:rPr lang="en-US" altLang="zh-CN" dirty="0" smtClean="0"/>
+              <a:t>)</a:t>
+            </a:r>
+            <a:endParaRPr lang="zh-CN" altLang="en-US" dirty="0"/>
+          </a:p>
+        </p:txBody>
+      </p:sp>
+      <p:sp>
+        <p:nvSpPr>
+          <p:cNvPr id="11" name="文本框 10"/>
+          <p:cNvSpPr txBox="1"/>
+          <p:nvPr/>
+        </p:nvSpPr>
+        <p:spPr>
+          <a:xfrm>
+            <a:off x="5191855" y="3511252"/>
+            <a:ext cx="5149516" cy="646331"/>
+          </a:xfrm>
+          <a:prstGeom prst="rect">
+            <a:avLst/>
+          </a:prstGeom>
+          <a:noFill/>
+        </p:spPr>
+        <p:txBody>
+          <a:bodyPr wrap="square" rtlCol="0">
+            <a:spAutoFit/>
+          </a:bodyPr>
+          <a:lstStyle/>
+          <a:p>
+            <a:r>
+              <a:rPr lang="zh-CN" altLang="en-US" dirty="0" smtClean="0"/>
+              <a:t>若调用此函数，请实现</a:t>
+            </a:r>
+            <a:r>
+              <a:rPr lang="en-US" altLang="zh-CN" dirty="0" smtClean="0"/>
+              <a:t>_</a:t>
+            </a:r>
+            <a:r>
+              <a:rPr lang="en-US" altLang="zh-CN" dirty="0" err="1" smtClean="0"/>
+              <a:t>multiRun</a:t>
+            </a:r>
+            <a:r>
+              <a:rPr lang="en-US" altLang="zh-CN" dirty="0" smtClean="0"/>
+              <a:t>()</a:t>
+            </a:r>
+            <a:r>
+              <a:rPr lang="zh-CN" altLang="en-US" dirty="0" smtClean="0"/>
+              <a:t>，否则请实现</a:t>
+            </a:r>
+            <a:r>
+              <a:rPr lang="en-US" altLang="zh-CN" dirty="0" smtClean="0"/>
+              <a:t>_</a:t>
+            </a:r>
+            <a:r>
+              <a:rPr lang="en-US" altLang="zh-CN" dirty="0" err="1" smtClean="0"/>
+              <a:t>singleRun</a:t>
+            </a:r>
+            <a:r>
+              <a:rPr lang="en-US" altLang="zh-CN" dirty="0" smtClean="0"/>
+              <a:t>()</a:t>
+            </a:r>
+            <a:endParaRPr lang="zh-CN" altLang="en-US" dirty="0"/>
+          </a:p>
+        </p:txBody>
+      </p:sp>
+      <p:sp>
+        <p:nvSpPr>
+          <p:cNvPr id="17" name="文本框 16"/>
+          <p:cNvSpPr txBox="1"/>
+          <p:nvPr/>
+        </p:nvSpPr>
+        <p:spPr>
+          <a:xfrm>
+            <a:off x="5839327" y="5325202"/>
+            <a:ext cx="5149516" cy="369332"/>
+          </a:xfrm>
+          <a:prstGeom prst="rect">
+            <a:avLst/>
+          </a:prstGeom>
+          <a:noFill/>
+        </p:spPr>
+        <p:txBody>
+          <a:bodyPr wrap="square" rtlCol="0">
+            <a:spAutoFit/>
+          </a:bodyPr>
+          <a:lstStyle/>
+          <a:p>
+            <a:r>
+              <a:rPr lang="en-US" altLang="zh-CN" dirty="0" err="1" smtClean="0"/>
+              <a:t>self.setOutput</a:t>
+            </a:r>
+            <a:r>
+              <a:rPr lang="en-US" altLang="zh-CN" dirty="0" smtClean="0"/>
+              <a:t>(‘</a:t>
+            </a:r>
+            <a:r>
+              <a:rPr lang="zh-CN" altLang="en-US" dirty="0" smtClean="0"/>
+              <a:t>输出名</a:t>
+            </a:r>
+            <a:r>
+              <a:rPr lang="en-US" altLang="zh-CN" dirty="0" smtClean="0"/>
+              <a:t>’,</a:t>
+            </a:r>
+            <a:r>
+              <a:rPr lang="zh-CN" altLang="en-US" dirty="0" smtClean="0"/>
+              <a:t> 输出变量值</a:t>
+            </a:r>
+            <a:r>
+              <a:rPr lang="en-US" altLang="zh-CN" dirty="0" smtClean="0"/>
+              <a:t>)</a:t>
+            </a:r>
+            <a:endParaRPr lang="zh-CN" altLang="en-US" dirty="0"/>
+          </a:p>
+        </p:txBody>
+      </p:sp>
+      <p:pic>
+        <p:nvPicPr>
+          <p:cNvPr id="4" name="图片 3"/>
+          <p:cNvPicPr>
+            <a:picLocks noChangeAspect="1"/>
+          </p:cNvPicPr>
+          <p:nvPr/>
+        </p:nvPicPr>
+        <p:blipFill>
+          <a:blip r:embed="rId2"/>
+          <a:stretch>
+            <a:fillRect/>
+          </a:stretch>
+        </p:blipFill>
+        <p:spPr>
+          <a:xfrm>
+            <a:off x="2181726" y="2262173"/>
+            <a:ext cx="2966013" cy="522423"/>
+          </a:xfrm>
+          <a:prstGeom prst="rect">
+            <a:avLst/>
+          </a:prstGeom>
+        </p:spPr>
+      </p:pic>
+      <p:pic>
+        <p:nvPicPr>
+          <p:cNvPr id="9" name="图片 8"/>
+          <p:cNvPicPr>
+            <a:picLocks noChangeAspect="1"/>
+          </p:cNvPicPr>
+          <p:nvPr/>
+        </p:nvPicPr>
+        <p:blipFill>
+          <a:blip r:embed="rId3"/>
+          <a:stretch>
+            <a:fillRect/>
+          </a:stretch>
+        </p:blipFill>
+        <p:spPr>
+          <a:xfrm>
+            <a:off x="1683501" y="3520027"/>
+            <a:ext cx="3034457" cy="498519"/>
+          </a:xfrm>
+          <a:prstGeom prst="rect">
+            <a:avLst/>
+          </a:prstGeom>
+        </p:spPr>
+      </p:pic>
+      <p:pic>
+        <p:nvPicPr>
+          <p:cNvPr id="10" name="图片 9"/>
+          <p:cNvPicPr>
+            <a:picLocks noChangeAspect="1"/>
+          </p:cNvPicPr>
+          <p:nvPr/>
+        </p:nvPicPr>
+        <p:blipFill>
+          <a:blip r:embed="rId4"/>
+          <a:stretch>
+            <a:fillRect/>
+          </a:stretch>
+        </p:blipFill>
+        <p:spPr>
+          <a:xfrm>
+            <a:off x="1337068" y="4826277"/>
+            <a:ext cx="8268342" cy="825247"/>
+          </a:xfrm>
+          <a:prstGeom prst="rect">
+            <a:avLst/>
+          </a:prstGeom>
+        </p:spPr>
+      </p:pic>
+    </p:spTree>
+    <p:extLst>
+      <p:ext uri="{BB962C8B-B14F-4D97-AF65-F5344CB8AC3E}">
+        <p14:creationId xmlns:p14="http://schemas.microsoft.com/office/powerpoint/2010/main" val="2928433981"/>
+      </p:ext>
+    </p:extLst>
+  </p:cSld>
+  <p:clrMapOvr>
+    <a:masterClrMapping/>
+  </p:clrMapOvr>
+</p:sld>
+</file>
+
+<file path=ppt/slides/slide12.xml><?xml version="1.0" encoding="utf-8"?>
+<p:sld xmlns:a="http://schemas.openxmlformats.org/drawingml/2006/main" xmlns:r="http://schemas.openxmlformats.org/officeDocument/2006/relationships" xmlns:p="http://schemas.openxmlformats.org/presentationml/2006/main">
+  <p:cSld>
+    <p:spTree>
+      <p:nvGrpSpPr>
+        <p:cNvPr id="1" name=""/>
+        <p:cNvGrpSpPr/>
+        <p:nvPr/>
+      </p:nvGrpSpPr>
+      <p:grpSpPr>
+        <a:xfrm>
+          <a:off x="0" y="0"/>
+          <a:ext cx="0" cy="0"/>
+          <a:chOff x="0" y="0"/>
+          <a:chExt cx="0" cy="0"/>
+        </a:xfrm>
+      </p:grpSpPr>
+      <p:sp>
+        <p:nvSpPr>
+          <p:cNvPr id="2" name="标题 1"/>
+          <p:cNvSpPr>
+            <a:spLocks noGrp="1"/>
+          </p:cNvSpPr>
+          <p:nvPr>
+            <p:ph type="title"/>
+          </p:nvPr>
+        </p:nvSpPr>
+        <p:spPr/>
+        <p:txBody>
+          <a:bodyPr/>
+          <a:lstStyle/>
+          <a:p>
+            <a:r>
+              <a:rPr lang="zh-CN" altLang="en-US" dirty="0"/>
+              <a:t>开发</a:t>
+            </a:r>
+            <a:r>
+              <a:rPr lang="zh-CN" altLang="en-US" dirty="0" smtClean="0"/>
+              <a:t>流程</a:t>
+            </a:r>
+            <a:r>
+              <a:rPr lang="en-US" altLang="zh-CN" dirty="0" smtClean="0"/>
+              <a:t>4</a:t>
+            </a:r>
+            <a:r>
+              <a:rPr lang="zh-CN" altLang="en-US" dirty="0" smtClean="0"/>
+              <a:t>：实现上游传参</a:t>
+            </a:r>
+            <a:r>
+              <a:rPr lang="en-US" altLang="zh-CN" dirty="0" smtClean="0"/>
+              <a:t>call</a:t>
+            </a:r>
+            <a:endParaRPr lang="zh-CN" altLang="en-US" dirty="0"/>
+          </a:p>
+        </p:txBody>
+      </p:sp>
+      <p:sp>
+        <p:nvSpPr>
+          <p:cNvPr id="3" name="内容占位符 2"/>
+          <p:cNvSpPr>
+            <a:spLocks noGrp="1"/>
+          </p:cNvSpPr>
+          <p:nvPr>
+            <p:ph idx="1"/>
+          </p:nvPr>
+        </p:nvSpPr>
+        <p:spPr/>
+        <p:txBody>
+          <a:bodyPr>
+            <a:normAutofit/>
+          </a:bodyPr>
+          <a:lstStyle/>
+          <a:p>
+            <a:r>
+              <a:rPr lang="zh-CN" altLang="en-US" dirty="0" smtClean="0"/>
+              <a:t>根据上游的情况进行传参</a:t>
+            </a:r>
+            <a:endParaRPr lang="en-US" altLang="zh-CN" dirty="0"/>
+          </a:p>
+          <a:p>
+            <a:endParaRPr lang="en-US" altLang="zh-CN" dirty="0" smtClean="0"/>
+          </a:p>
+          <a:p>
+            <a:endParaRPr lang="en-US" altLang="zh-CN" dirty="0" smtClean="0"/>
+          </a:p>
+          <a:p>
+            <a:endParaRPr lang="en-US" altLang="zh-CN" dirty="0"/>
+          </a:p>
+          <a:p>
+            <a:endParaRPr lang="en-US" altLang="zh-CN" dirty="0" smtClean="0"/>
+          </a:p>
+          <a:p>
+            <a:endParaRPr lang="en-US" altLang="zh-CN" dirty="0"/>
+          </a:p>
+        </p:txBody>
+      </p:sp>
+      <p:pic>
+        <p:nvPicPr>
+          <p:cNvPr id="5" name="图片 4"/>
+          <p:cNvPicPr>
+            <a:picLocks noChangeAspect="1"/>
+          </p:cNvPicPr>
+          <p:nvPr/>
+        </p:nvPicPr>
+        <p:blipFill>
+          <a:blip r:embed="rId2"/>
+          <a:stretch>
+            <a:fillRect/>
+          </a:stretch>
+        </p:blipFill>
+        <p:spPr>
+          <a:xfrm>
+            <a:off x="1300280" y="2322190"/>
+            <a:ext cx="5885714" cy="1523810"/>
+          </a:xfrm>
+          <a:prstGeom prst="rect">
+            <a:avLst/>
+          </a:prstGeom>
+        </p:spPr>
+      </p:pic>
+      <p:sp>
+        <p:nvSpPr>
+          <p:cNvPr id="6" name="文本框 5"/>
+          <p:cNvSpPr txBox="1"/>
+          <p:nvPr/>
+        </p:nvSpPr>
+        <p:spPr>
+          <a:xfrm>
+            <a:off x="1804737" y="4227095"/>
+            <a:ext cx="2863516" cy="646331"/>
+          </a:xfrm>
+          <a:prstGeom prst="rect">
+            <a:avLst/>
+          </a:prstGeom>
+          <a:noFill/>
+        </p:spPr>
+        <p:txBody>
+          <a:bodyPr wrap="square" rtlCol="0">
+            <a:spAutoFit/>
+          </a:bodyPr>
+          <a:lstStyle/>
+          <a:p>
+            <a:r>
+              <a:rPr lang="en-US" altLang="zh-CN" dirty="0" err="1" smtClean="0"/>
+              <a:t>args</a:t>
+            </a:r>
+            <a:r>
+              <a:rPr lang="en-US" altLang="zh-CN" dirty="0" smtClean="0"/>
+              <a:t>[0]</a:t>
+            </a:r>
+            <a:r>
+              <a:rPr lang="zh-CN" altLang="en-US" dirty="0" smtClean="0"/>
+              <a:t>表示第</a:t>
+            </a:r>
+            <a:r>
+              <a:rPr lang="en-US" altLang="zh-CN" dirty="0" smtClean="0"/>
+              <a:t>0</a:t>
+            </a:r>
+            <a:r>
+              <a:rPr lang="zh-CN" altLang="en-US" dirty="0" smtClean="0"/>
+              <a:t>个上游节点，以此类推</a:t>
+            </a:r>
+            <a:endParaRPr lang="zh-CN" altLang="en-US" dirty="0"/>
+          </a:p>
+        </p:txBody>
+      </p:sp>
+      <p:sp>
+        <p:nvSpPr>
+          <p:cNvPr id="12" name="文本框 11"/>
+          <p:cNvSpPr txBox="1"/>
+          <p:nvPr/>
+        </p:nvSpPr>
+        <p:spPr>
+          <a:xfrm>
+            <a:off x="1860885" y="5072282"/>
+            <a:ext cx="2863516" cy="923330"/>
+          </a:xfrm>
+          <a:prstGeom prst="rect">
+            <a:avLst/>
+          </a:prstGeom>
+          <a:noFill/>
+        </p:spPr>
+        <p:txBody>
+          <a:bodyPr wrap="square" rtlCol="0">
+            <a:spAutoFit/>
+          </a:bodyPr>
+          <a:lstStyle/>
+          <a:p>
+            <a:r>
+              <a:rPr lang="zh-CN" altLang="en-US" dirty="0" smtClean="0"/>
+              <a:t>填充</a:t>
+            </a:r>
+            <a:r>
+              <a:rPr lang="en-US" altLang="zh-CN" dirty="0" err="1" smtClean="0"/>
+              <a:t>ParamIO</a:t>
+            </a:r>
+            <a:r>
+              <a:rPr lang="zh-CN" altLang="en-US" dirty="0" smtClean="0"/>
+              <a:t>必须的</a:t>
+            </a:r>
+            <a:r>
+              <a:rPr lang="en-US" altLang="zh-CN" dirty="0" smtClean="0"/>
+              <a:t>Input</a:t>
+            </a:r>
+            <a:r>
+              <a:rPr lang="zh-CN" altLang="en-US" dirty="0" smtClean="0"/>
+              <a:t>相关参数，注意是从上游的</a:t>
+            </a:r>
+            <a:r>
+              <a:rPr lang="en-US" altLang="zh-CN" dirty="0" smtClean="0"/>
+              <a:t>.</a:t>
+            </a:r>
+            <a:r>
+              <a:rPr lang="en-US" altLang="zh-CN" dirty="0" err="1" smtClean="0"/>
+              <a:t>getOutput</a:t>
+            </a:r>
+            <a:r>
+              <a:rPr lang="zh-CN" altLang="en-US" dirty="0" smtClean="0"/>
+              <a:t>中取出</a:t>
+            </a:r>
+            <a:endParaRPr lang="zh-CN" altLang="en-US" dirty="0"/>
+          </a:p>
+        </p:txBody>
+      </p:sp>
+    </p:spTree>
+    <p:extLst>
+      <p:ext uri="{BB962C8B-B14F-4D97-AF65-F5344CB8AC3E}">
+        <p14:creationId xmlns:p14="http://schemas.microsoft.com/office/powerpoint/2010/main" val="1380034518"/>
+      </p:ext>
+    </p:extLst>
+  </p:cSld>
+  <p:clrMapOvr>
+    <a:masterClrMapping/>
+  </p:clrMapOvr>
+</p:sld>
+</file>
+
+<file path=ppt/slides/slide13.xml><?xml version="1.0" encoding="utf-8"?>
+<p:sld xmlns:a="http://schemas.openxmlformats.org/drawingml/2006/main" xmlns:r="http://schemas.openxmlformats.org/officeDocument/2006/relationships" xmlns:p="http://schemas.openxmlformats.org/presentationml/2006/main">
+  <p:cSld>
+    <p:spTree>
+      <p:nvGrpSpPr>
+        <p:cNvPr id="1" name=""/>
+        <p:cNvGrpSpPr/>
+        <p:nvPr/>
+      </p:nvGrpSpPr>
+      <p:grpSpPr>
+        <a:xfrm>
+          <a:off x="0" y="0"/>
+          <a:ext cx="0" cy="0"/>
+          <a:chOff x="0" y="0"/>
+          <a:chExt cx="0" cy="0"/>
+        </a:xfrm>
+      </p:grpSpPr>
+      <p:sp>
+        <p:nvSpPr>
+          <p:cNvPr id="2" name="标题 1"/>
+          <p:cNvSpPr>
+            <a:spLocks noGrp="1"/>
+          </p:cNvSpPr>
+          <p:nvPr>
+            <p:ph type="title"/>
+          </p:nvPr>
+        </p:nvSpPr>
+        <p:spPr/>
+        <p:txBody>
+          <a:bodyPr/>
+          <a:lstStyle/>
+          <a:p>
+            <a:r>
+              <a:rPr lang="zh-CN" altLang="en-US" dirty="0"/>
+              <a:t>开发</a:t>
+            </a:r>
+            <a:r>
+              <a:rPr lang="zh-CN" altLang="en-US" dirty="0" smtClean="0"/>
+              <a:t>流程</a:t>
+            </a:r>
+            <a:r>
+              <a:rPr lang="en-US" altLang="zh-CN" dirty="0"/>
+              <a:t>5</a:t>
+            </a:r>
+            <a:r>
+              <a:rPr lang="zh-CN" altLang="en-US" dirty="0" smtClean="0"/>
+              <a:t>：调用命令行</a:t>
+            </a:r>
+            <a:r>
+              <a:rPr lang="en-US" altLang="zh-CN" dirty="0" smtClean="0"/>
+              <a:t>_</a:t>
+            </a:r>
+            <a:r>
+              <a:rPr lang="en-US" altLang="zh-CN" dirty="0" err="1" smtClean="0"/>
+              <a:t>multiRun</a:t>
+            </a:r>
+            <a:r>
+              <a:rPr lang="en-US" altLang="zh-CN" dirty="0" smtClean="0"/>
+              <a:t>/_</a:t>
+            </a:r>
+            <a:r>
+              <a:rPr lang="en-US" altLang="zh-CN" dirty="0" err="1" smtClean="0"/>
+              <a:t>singleRun</a:t>
+            </a:r>
+            <a:endParaRPr lang="zh-CN" altLang="en-US" dirty="0"/>
+          </a:p>
+        </p:txBody>
+      </p:sp>
+      <p:sp>
+        <p:nvSpPr>
+          <p:cNvPr id="3" name="内容占位符 2"/>
+          <p:cNvSpPr>
+            <a:spLocks noGrp="1"/>
+          </p:cNvSpPr>
+          <p:nvPr>
+            <p:ph idx="1"/>
+          </p:nvPr>
+        </p:nvSpPr>
+        <p:spPr/>
+        <p:txBody>
+          <a:bodyPr>
+            <a:normAutofit/>
+          </a:bodyPr>
+          <a:lstStyle/>
+          <a:p>
+            <a:r>
+              <a:rPr lang="zh-CN" altLang="en-US" dirty="0" smtClean="0"/>
+              <a:t>取出必要的输入和输出参数</a:t>
+            </a:r>
+            <a:endParaRPr lang="en-US" altLang="zh-CN" dirty="0" smtClean="0"/>
+          </a:p>
+          <a:p>
+            <a:endParaRPr lang="en-US" altLang="zh-CN" dirty="0" smtClean="0"/>
+          </a:p>
+          <a:p>
+            <a:endParaRPr lang="en-US" altLang="zh-CN" dirty="0"/>
+          </a:p>
+          <a:p>
+            <a:endParaRPr lang="en-US" altLang="zh-CN" dirty="0" smtClean="0"/>
+          </a:p>
+          <a:p>
+            <a:endParaRPr lang="en-US" altLang="zh-CN" dirty="0"/>
+          </a:p>
+        </p:txBody>
+      </p:sp>
+      <p:sp>
+        <p:nvSpPr>
+          <p:cNvPr id="12" name="文本框 11"/>
+          <p:cNvSpPr txBox="1"/>
+          <p:nvPr/>
+        </p:nvSpPr>
+        <p:spPr>
+          <a:xfrm>
+            <a:off x="1668379" y="4161568"/>
+            <a:ext cx="2863516" cy="1754326"/>
+          </a:xfrm>
+          <a:prstGeom prst="rect">
+            <a:avLst/>
+          </a:prstGeom>
+          <a:noFill/>
+        </p:spPr>
+        <p:txBody>
+          <a:bodyPr wrap="square" rtlCol="0">
+            <a:spAutoFit/>
+          </a:bodyPr>
+          <a:lstStyle/>
+          <a:p>
+            <a:r>
+              <a:rPr lang="zh-CN" altLang="en-US" dirty="0" smtClean="0"/>
+              <a:t>尽可能使用</a:t>
+            </a:r>
+            <a:r>
+              <a:rPr lang="en-US" altLang="zh-CN" dirty="0" err="1" smtClean="0"/>
+              <a:t>getInputXXX</a:t>
+            </a:r>
+            <a:r>
+              <a:rPr lang="zh-CN" altLang="en-US" dirty="0" smtClean="0"/>
+              <a:t>和</a:t>
+            </a:r>
+            <a:r>
+              <a:rPr lang="en-US" altLang="zh-CN" dirty="0" err="1" smtClean="0"/>
+              <a:t>getOutputXXX</a:t>
+            </a:r>
+            <a:r>
+              <a:rPr lang="en-US" altLang="zh-CN" dirty="0" smtClean="0"/>
+              <a:t>,</a:t>
+            </a:r>
+            <a:r>
+              <a:rPr lang="zh-CN" altLang="en-US" dirty="0" smtClean="0"/>
+              <a:t>而不是</a:t>
+            </a:r>
+            <a:r>
+              <a:rPr lang="en-US" altLang="zh-CN" dirty="0" err="1" smtClean="0"/>
+              <a:t>getParamIO</a:t>
+            </a:r>
+            <a:r>
+              <a:rPr lang="zh-CN" altLang="en-US" dirty="0" smtClean="0"/>
+              <a:t>中的参数，若必须使用</a:t>
+            </a:r>
+            <a:r>
+              <a:rPr lang="en-US" altLang="zh-CN" dirty="0" err="1" smtClean="0"/>
+              <a:t>getParamIO</a:t>
+            </a:r>
+            <a:r>
+              <a:rPr lang="zh-CN" altLang="en-US" dirty="0" smtClean="0"/>
+              <a:t>，请在</a:t>
+            </a:r>
+            <a:r>
+              <a:rPr lang="en-US" altLang="zh-CN" dirty="0" err="1" smtClean="0"/>
+              <a:t>impInitIO</a:t>
+            </a:r>
+            <a:r>
+              <a:rPr lang="zh-CN" altLang="en-US" dirty="0" smtClean="0"/>
+              <a:t>中判断为</a:t>
+            </a:r>
+            <a:r>
+              <a:rPr lang="en-US" altLang="zh-CN" dirty="0" smtClean="0"/>
+              <a:t>None</a:t>
+            </a:r>
+            <a:r>
+              <a:rPr lang="zh-CN" altLang="en-US" dirty="0" smtClean="0"/>
+              <a:t>的情况</a:t>
+            </a:r>
+            <a:endParaRPr lang="zh-CN" altLang="en-US" dirty="0"/>
+          </a:p>
+        </p:txBody>
+      </p:sp>
+      <p:pic>
+        <p:nvPicPr>
+          <p:cNvPr id="4" name="图片 3"/>
+          <p:cNvPicPr>
+            <a:picLocks noChangeAspect="1"/>
+          </p:cNvPicPr>
+          <p:nvPr/>
+        </p:nvPicPr>
+        <p:blipFill>
+          <a:blip r:embed="rId2"/>
+          <a:stretch>
+            <a:fillRect/>
+          </a:stretch>
+        </p:blipFill>
+        <p:spPr>
+          <a:xfrm>
+            <a:off x="1804737" y="2542605"/>
+            <a:ext cx="6784146" cy="1363648"/>
+          </a:xfrm>
+          <a:prstGeom prst="rect">
+            <a:avLst/>
+          </a:prstGeom>
+        </p:spPr>
+      </p:pic>
+    </p:spTree>
+    <p:extLst>
+      <p:ext uri="{BB962C8B-B14F-4D97-AF65-F5344CB8AC3E}">
+        <p14:creationId xmlns:p14="http://schemas.microsoft.com/office/powerpoint/2010/main" val="1773500366"/>
+      </p:ext>
+    </p:extLst>
+  </p:cSld>
+  <p:clrMapOvr>
+    <a:masterClrMapping/>
+  </p:clrMapOvr>
+</p:sld>
+</file>
+
+<file path=ppt/slides/slide14.xml><?xml version="1.0" encoding="utf-8"?>
+<p:sld xmlns:a="http://schemas.openxmlformats.org/drawingml/2006/main" xmlns:r="http://schemas.openxmlformats.org/officeDocument/2006/relationships" xmlns:p="http://schemas.openxmlformats.org/presentationml/2006/main">
+  <p:cSld>
+    <p:spTree>
+      <p:nvGrpSpPr>
+        <p:cNvPr id="1" name=""/>
+        <p:cNvGrpSpPr/>
+        <p:nvPr/>
+      </p:nvGrpSpPr>
+      <p:grpSpPr>
+        <a:xfrm>
+          <a:off x="0" y="0"/>
+          <a:ext cx="0" cy="0"/>
+          <a:chOff x="0" y="0"/>
+          <a:chExt cx="0" cy="0"/>
+        </a:xfrm>
+      </p:grpSpPr>
+      <p:sp>
+        <p:nvSpPr>
+          <p:cNvPr id="2" name="标题 1"/>
+          <p:cNvSpPr>
+            <a:spLocks noGrp="1"/>
+          </p:cNvSpPr>
+          <p:nvPr>
+            <p:ph type="title"/>
+          </p:nvPr>
+        </p:nvSpPr>
+        <p:spPr/>
+        <p:txBody>
+          <a:bodyPr/>
+          <a:lstStyle/>
+          <a:p>
+            <a:r>
+              <a:rPr lang="zh-CN" altLang="en-US" dirty="0"/>
+              <a:t>开发</a:t>
+            </a:r>
+            <a:r>
+              <a:rPr lang="zh-CN" altLang="en-US" dirty="0" smtClean="0"/>
+              <a:t>流程</a:t>
+            </a:r>
+            <a:r>
+              <a:rPr lang="en-US" altLang="zh-CN" dirty="0"/>
+              <a:t>5</a:t>
+            </a:r>
+            <a:r>
+              <a:rPr lang="zh-CN" altLang="en-US" dirty="0" smtClean="0"/>
+              <a:t>：调用命令行</a:t>
+            </a:r>
+            <a:r>
+              <a:rPr lang="en-US" altLang="zh-CN" dirty="0" smtClean="0"/>
+              <a:t>_</a:t>
+            </a:r>
+            <a:r>
+              <a:rPr lang="en-US" altLang="zh-CN" dirty="0" err="1" smtClean="0"/>
+              <a:t>multiRun</a:t>
+            </a:r>
+            <a:r>
+              <a:rPr lang="en-US" altLang="zh-CN" dirty="0" smtClean="0"/>
+              <a:t>/_</a:t>
+            </a:r>
+            <a:r>
+              <a:rPr lang="en-US" altLang="zh-CN" dirty="0" err="1" smtClean="0"/>
+              <a:t>singleRun</a:t>
+            </a:r>
+            <a:endParaRPr lang="zh-CN" altLang="en-US" dirty="0"/>
+          </a:p>
+        </p:txBody>
+      </p:sp>
+      <p:sp>
+        <p:nvSpPr>
+          <p:cNvPr id="3" name="内容占位符 2"/>
+          <p:cNvSpPr>
+            <a:spLocks noGrp="1"/>
+          </p:cNvSpPr>
+          <p:nvPr>
+            <p:ph idx="1"/>
+          </p:nvPr>
+        </p:nvSpPr>
+        <p:spPr/>
+        <p:txBody>
+          <a:bodyPr>
+            <a:normAutofit/>
+          </a:bodyPr>
+          <a:lstStyle/>
+          <a:p>
+            <a:r>
+              <a:rPr lang="zh-CN" altLang="en-US" dirty="0" smtClean="0"/>
+              <a:t>取出必要的输入和输出参数</a:t>
+            </a:r>
+            <a:endParaRPr lang="en-US" altLang="zh-CN" dirty="0" smtClean="0"/>
+          </a:p>
+          <a:p>
+            <a:endParaRPr lang="en-US" altLang="zh-CN" dirty="0" smtClean="0"/>
+          </a:p>
+          <a:p>
+            <a:endParaRPr lang="en-US" altLang="zh-CN" dirty="0"/>
+          </a:p>
+          <a:p>
+            <a:endParaRPr lang="en-US" altLang="zh-CN" dirty="0" smtClean="0"/>
+          </a:p>
+          <a:p>
+            <a:endParaRPr lang="en-US" altLang="zh-CN" dirty="0"/>
+          </a:p>
+        </p:txBody>
+      </p:sp>
+      <p:sp>
+        <p:nvSpPr>
+          <p:cNvPr id="12" name="文本框 11"/>
+          <p:cNvSpPr txBox="1"/>
+          <p:nvPr/>
+        </p:nvSpPr>
+        <p:spPr>
+          <a:xfrm>
+            <a:off x="1668379" y="4161568"/>
+            <a:ext cx="2863516" cy="1754326"/>
+          </a:xfrm>
+          <a:prstGeom prst="rect">
+            <a:avLst/>
+          </a:prstGeom>
+          <a:noFill/>
+        </p:spPr>
+        <p:txBody>
+          <a:bodyPr wrap="square" rtlCol="0">
+            <a:spAutoFit/>
+          </a:bodyPr>
+          <a:lstStyle/>
+          <a:p>
+            <a:r>
+              <a:rPr lang="zh-CN" altLang="en-US" dirty="0" smtClean="0"/>
+              <a:t>尽可能使用</a:t>
+            </a:r>
+            <a:r>
+              <a:rPr lang="en-US" altLang="zh-CN" dirty="0" err="1" smtClean="0"/>
+              <a:t>getInputXXX</a:t>
+            </a:r>
+            <a:r>
+              <a:rPr lang="zh-CN" altLang="en-US" dirty="0" smtClean="0"/>
+              <a:t>和</a:t>
+            </a:r>
+            <a:r>
+              <a:rPr lang="en-US" altLang="zh-CN" dirty="0" err="1" smtClean="0"/>
+              <a:t>getOutputXXX</a:t>
+            </a:r>
+            <a:r>
+              <a:rPr lang="en-US" altLang="zh-CN" dirty="0" smtClean="0"/>
+              <a:t>,</a:t>
+            </a:r>
+            <a:r>
+              <a:rPr lang="zh-CN" altLang="en-US" dirty="0" smtClean="0"/>
+              <a:t>而不是</a:t>
+            </a:r>
+            <a:r>
+              <a:rPr lang="en-US" altLang="zh-CN" dirty="0" err="1" smtClean="0"/>
+              <a:t>getParamIO</a:t>
+            </a:r>
+            <a:r>
+              <a:rPr lang="zh-CN" altLang="en-US" dirty="0" smtClean="0"/>
+              <a:t>中的参数，若必须使用</a:t>
+            </a:r>
+            <a:r>
+              <a:rPr lang="en-US" altLang="zh-CN" dirty="0" err="1" smtClean="0"/>
+              <a:t>getParamIO</a:t>
+            </a:r>
+            <a:r>
+              <a:rPr lang="zh-CN" altLang="en-US" dirty="0" smtClean="0"/>
+              <a:t>，请在</a:t>
+            </a:r>
+            <a:r>
+              <a:rPr lang="en-US" altLang="zh-CN" dirty="0" err="1" smtClean="0"/>
+              <a:t>impInitIO</a:t>
+            </a:r>
+            <a:r>
+              <a:rPr lang="zh-CN" altLang="en-US" dirty="0" smtClean="0"/>
+              <a:t>中判断为</a:t>
+            </a:r>
+            <a:r>
+              <a:rPr lang="en-US" altLang="zh-CN" dirty="0" smtClean="0"/>
+              <a:t>None</a:t>
+            </a:r>
+            <a:r>
+              <a:rPr lang="zh-CN" altLang="en-US" dirty="0" smtClean="0"/>
+              <a:t>的情况</a:t>
+            </a:r>
+            <a:endParaRPr lang="zh-CN" altLang="en-US" dirty="0"/>
+          </a:p>
+        </p:txBody>
+      </p:sp>
+      <p:pic>
+        <p:nvPicPr>
+          <p:cNvPr id="4" name="图片 3"/>
+          <p:cNvPicPr>
+            <a:picLocks noChangeAspect="1"/>
+          </p:cNvPicPr>
+          <p:nvPr/>
+        </p:nvPicPr>
+        <p:blipFill>
+          <a:blip r:embed="rId2"/>
+          <a:stretch>
+            <a:fillRect/>
+          </a:stretch>
+        </p:blipFill>
+        <p:spPr>
+          <a:xfrm>
+            <a:off x="1804737" y="2542605"/>
+            <a:ext cx="6784146" cy="1363648"/>
+          </a:xfrm>
+          <a:prstGeom prst="rect">
+            <a:avLst/>
+          </a:prstGeom>
+        </p:spPr>
+      </p:pic>
+    </p:spTree>
+    <p:extLst>
+      <p:ext uri="{BB962C8B-B14F-4D97-AF65-F5344CB8AC3E}">
+        <p14:creationId xmlns:p14="http://schemas.microsoft.com/office/powerpoint/2010/main" val="1920172119"/>
+      </p:ext>
+    </p:extLst>
+  </p:cSld>
+  <p:clrMapOvr>
+    <a:masterClrMapping/>
+  </p:clrMapOvr>
+</p:sld>
+</file>
+
+<file path=ppt/slides/slide15.xml><?xml version="1.0" encoding="utf-8"?>
+<p:sld xmlns:a="http://schemas.openxmlformats.org/drawingml/2006/main" xmlns:r="http://schemas.openxmlformats.org/officeDocument/2006/relationships" xmlns:p="http://schemas.openxmlformats.org/presentationml/2006/main">
+  <p:cSld>
+    <p:spTree>
+      <p:nvGrpSpPr>
+        <p:cNvPr id="1" name=""/>
+        <p:cNvGrpSpPr/>
+        <p:nvPr/>
+      </p:nvGrpSpPr>
+      <p:grpSpPr>
+        <a:xfrm>
+          <a:off x="0" y="0"/>
+          <a:ext cx="0" cy="0"/>
+          <a:chOff x="0" y="0"/>
+          <a:chExt cx="0" cy="0"/>
+        </a:xfrm>
+      </p:grpSpPr>
+      <p:sp>
+        <p:nvSpPr>
+          <p:cNvPr id="2" name="标题 1"/>
+          <p:cNvSpPr>
+            <a:spLocks noGrp="1"/>
+          </p:cNvSpPr>
+          <p:nvPr>
+            <p:ph type="title"/>
+          </p:nvPr>
+        </p:nvSpPr>
+        <p:spPr/>
+        <p:txBody>
+          <a:bodyPr/>
+          <a:lstStyle/>
+          <a:p>
+            <a:r>
+              <a:rPr lang="zh-CN" altLang="en-US" dirty="0"/>
+              <a:t>开发流程</a:t>
+            </a:r>
+            <a:r>
+              <a:rPr lang="en-US" altLang="zh-CN" dirty="0"/>
+              <a:t>5</a:t>
+            </a:r>
+            <a:r>
+              <a:rPr lang="zh-CN" altLang="en-US" dirty="0"/>
+              <a:t>：调用命令行</a:t>
+            </a:r>
+            <a:r>
+              <a:rPr lang="en-US" altLang="zh-CN" dirty="0"/>
+              <a:t>_</a:t>
+            </a:r>
+            <a:r>
+              <a:rPr lang="en-US" altLang="zh-CN" dirty="0" err="1"/>
+              <a:t>multiRun</a:t>
+            </a:r>
+            <a:r>
+              <a:rPr lang="en-US" altLang="zh-CN" dirty="0"/>
+              <a:t>/_</a:t>
+            </a:r>
+            <a:r>
+              <a:rPr lang="en-US" altLang="zh-CN" dirty="0" err="1"/>
+              <a:t>singleRun</a:t>
+            </a:r>
+            <a:endParaRPr lang="zh-CN" altLang="en-US" dirty="0"/>
+          </a:p>
+        </p:txBody>
+      </p:sp>
+      <p:sp>
+        <p:nvSpPr>
+          <p:cNvPr id="3" name="内容占位符 2"/>
+          <p:cNvSpPr>
+            <a:spLocks noGrp="1"/>
+          </p:cNvSpPr>
+          <p:nvPr>
+            <p:ph idx="1"/>
+          </p:nvPr>
+        </p:nvSpPr>
+        <p:spPr/>
+        <p:txBody>
+          <a:bodyPr/>
+          <a:lstStyle/>
+          <a:p>
+            <a:r>
+              <a:rPr lang="zh-CN" altLang="en-US" dirty="0" smtClean="0"/>
+              <a:t>拼接命令行</a:t>
+            </a:r>
+            <a:endParaRPr lang="en-US" altLang="zh-CN" dirty="0" smtClean="0"/>
+          </a:p>
+          <a:p>
+            <a:endParaRPr lang="en-US" altLang="zh-CN" dirty="0"/>
+          </a:p>
+          <a:p>
+            <a:endParaRPr lang="en-US" altLang="zh-CN" dirty="0" smtClean="0"/>
+          </a:p>
+          <a:p>
+            <a:endParaRPr lang="en-US" altLang="zh-CN" dirty="0"/>
+          </a:p>
+          <a:p>
+            <a:endParaRPr lang="en-US" altLang="zh-CN" dirty="0" smtClean="0"/>
+          </a:p>
+          <a:p>
+            <a:endParaRPr lang="en-US" altLang="zh-CN" dirty="0"/>
+          </a:p>
+          <a:p>
+            <a:r>
+              <a:rPr lang="zh-CN" altLang="en-US" dirty="0" smtClean="0"/>
+              <a:t>调用命令行</a:t>
+            </a:r>
+            <a:endParaRPr lang="en-US" altLang="zh-CN" dirty="0" smtClean="0"/>
+          </a:p>
+          <a:p>
+            <a:endParaRPr lang="zh-CN" altLang="en-US" dirty="0"/>
+          </a:p>
+        </p:txBody>
+      </p:sp>
+      <p:pic>
+        <p:nvPicPr>
+          <p:cNvPr id="4" name="图片 3"/>
+          <p:cNvPicPr>
+            <a:picLocks noChangeAspect="1"/>
+          </p:cNvPicPr>
+          <p:nvPr/>
+        </p:nvPicPr>
+        <p:blipFill>
+          <a:blip r:embed="rId2"/>
+          <a:stretch>
+            <a:fillRect/>
+          </a:stretch>
+        </p:blipFill>
+        <p:spPr>
+          <a:xfrm>
+            <a:off x="1518312" y="2368109"/>
+            <a:ext cx="5257143" cy="2314286"/>
+          </a:xfrm>
+          <a:prstGeom prst="rect">
+            <a:avLst/>
+          </a:prstGeom>
+        </p:spPr>
+      </p:pic>
+      <p:pic>
+        <p:nvPicPr>
+          <p:cNvPr id="5" name="图片 4"/>
+          <p:cNvPicPr>
+            <a:picLocks noChangeAspect="1"/>
+          </p:cNvPicPr>
+          <p:nvPr/>
+        </p:nvPicPr>
+        <p:blipFill>
+          <a:blip r:embed="rId3"/>
+          <a:stretch>
+            <a:fillRect/>
+          </a:stretch>
+        </p:blipFill>
+        <p:spPr>
+          <a:xfrm>
+            <a:off x="1301706" y="5568630"/>
+            <a:ext cx="7461310" cy="366949"/>
+          </a:xfrm>
+          <a:prstGeom prst="rect">
+            <a:avLst/>
+          </a:prstGeom>
+        </p:spPr>
+      </p:pic>
+    </p:spTree>
+    <p:extLst>
+      <p:ext uri="{BB962C8B-B14F-4D97-AF65-F5344CB8AC3E}">
+        <p14:creationId xmlns:p14="http://schemas.microsoft.com/office/powerpoint/2010/main" val="3959848231"/>
+      </p:ext>
+    </p:extLst>
+  </p:cSld>
+  <p:clrMapOvr>
+    <a:masterClrMapping/>
+  </p:clrMapOvr>
+</p:sld>
+</file>
+
+<file path=ppt/slides/slide16.xml><?xml version="1.0" encoding="utf-8"?>
+<p:sld xmlns:a="http://schemas.openxmlformats.org/drawingml/2006/main" xmlns:r="http://schemas.openxmlformats.org/officeDocument/2006/relationships" xmlns:p="http://schemas.openxmlformats.org/presentationml/2006/main">
+  <p:cSld>
+    <p:spTree>
+      <p:nvGrpSpPr>
+        <p:cNvPr id="1" name=""/>
+        <p:cNvGrpSpPr/>
+        <p:nvPr/>
+      </p:nvGrpSpPr>
+      <p:grpSpPr>
+        <a:xfrm>
+          <a:off x="0" y="0"/>
+          <a:ext cx="0" cy="0"/>
+          <a:chOff x="0" y="0"/>
+          <a:chExt cx="0" cy="0"/>
+        </a:xfrm>
+      </p:grpSpPr>
+      <p:sp>
+        <p:nvSpPr>
+          <p:cNvPr id="2" name="标题 1"/>
+          <p:cNvSpPr>
+            <a:spLocks noGrp="1"/>
+          </p:cNvSpPr>
+          <p:nvPr>
+            <p:ph type="title"/>
+          </p:nvPr>
+        </p:nvSpPr>
+        <p:spPr/>
+        <p:txBody>
+          <a:bodyPr/>
+          <a:lstStyle/>
+          <a:p>
+            <a:r>
+              <a:rPr lang="zh-CN" altLang="en-US" dirty="0"/>
+              <a:t>开发</a:t>
+            </a:r>
+            <a:r>
+              <a:rPr lang="zh-CN" altLang="en-US" dirty="0" smtClean="0"/>
+              <a:t>流程</a:t>
+            </a:r>
+            <a:r>
+              <a:rPr lang="en-US" altLang="zh-CN" dirty="0" smtClean="0"/>
+              <a:t>6</a:t>
+            </a:r>
+            <a:r>
+              <a:rPr lang="zh-CN" altLang="en-US" dirty="0" smtClean="0"/>
+              <a:t>：制作</a:t>
+            </a:r>
+            <a:r>
+              <a:rPr lang="en-US" altLang="zh-CN" dirty="0" err="1" smtClean="0"/>
+              <a:t>rmarkdown</a:t>
+            </a:r>
+            <a:r>
+              <a:rPr lang="zh-CN" altLang="en-US" dirty="0" smtClean="0"/>
+              <a:t>报告</a:t>
+            </a:r>
+            <a:endParaRPr lang="zh-CN" altLang="en-US" dirty="0"/>
+          </a:p>
+        </p:txBody>
+      </p:sp>
+      <p:sp>
+        <p:nvSpPr>
+          <p:cNvPr id="3" name="内容占位符 2"/>
+          <p:cNvSpPr>
+            <a:spLocks noGrp="1"/>
+          </p:cNvSpPr>
+          <p:nvPr>
+            <p:ph idx="1"/>
+          </p:nvPr>
+        </p:nvSpPr>
+        <p:spPr/>
+        <p:txBody>
+          <a:bodyPr/>
+          <a:lstStyle/>
+          <a:p>
+            <a:r>
+              <a:rPr lang="zh-CN" altLang="en-US" dirty="0" smtClean="0"/>
+              <a:t>实现</a:t>
+            </a:r>
+            <a:r>
+              <a:rPr lang="en-US" altLang="zh-CN" dirty="0" err="1" smtClean="0"/>
+              <a:t>getMarkdownEN</a:t>
+            </a:r>
+            <a:r>
+              <a:rPr lang="zh-CN" altLang="en-US" dirty="0" smtClean="0"/>
+              <a:t>和</a:t>
+            </a:r>
+            <a:r>
+              <a:rPr lang="en-US" altLang="zh-CN" dirty="0" err="1" smtClean="0"/>
+              <a:t>getMarkdownCN</a:t>
+            </a:r>
+            <a:endParaRPr lang="en-US" altLang="zh-CN" dirty="0" smtClean="0"/>
+          </a:p>
+          <a:p>
+            <a:r>
+              <a:rPr lang="zh-CN" altLang="en-US" dirty="0" smtClean="0"/>
+              <a:t>返回</a:t>
+            </a:r>
+            <a:r>
+              <a:rPr lang="en-US" altLang="zh-CN" dirty="0" err="1" smtClean="0"/>
+              <a:t>rmarkdown</a:t>
+            </a:r>
+            <a:r>
+              <a:rPr lang="zh-CN" altLang="en-US" dirty="0" smtClean="0"/>
+              <a:t>字符串，内部的</a:t>
+            </a:r>
+            <a:r>
+              <a:rPr lang="en-US" altLang="zh-CN" dirty="0" smtClean="0"/>
+              <a:t>r</a:t>
+            </a:r>
+            <a:r>
+              <a:rPr lang="zh-CN" altLang="en-US" dirty="0" smtClean="0"/>
+              <a:t>代码所涉及到读文件的部分，请用</a:t>
+            </a:r>
+            <a:r>
+              <a:rPr lang="en-US" altLang="zh-CN" dirty="0" err="1" smtClean="0"/>
+              <a:t>getOutput</a:t>
+            </a:r>
+            <a:r>
+              <a:rPr lang="en-US" altLang="zh-CN" dirty="0" smtClean="0"/>
+              <a:t>()</a:t>
+            </a:r>
+            <a:r>
+              <a:rPr lang="zh-CN" altLang="en-US" dirty="0" smtClean="0"/>
+              <a:t>的值填充占位符</a:t>
+            </a:r>
+            <a:endParaRPr lang="zh-CN" altLang="en-US" dirty="0"/>
+          </a:p>
+        </p:txBody>
+      </p:sp>
+    </p:spTree>
+    <p:extLst>
+      <p:ext uri="{BB962C8B-B14F-4D97-AF65-F5344CB8AC3E}">
+        <p14:creationId xmlns:p14="http://schemas.microsoft.com/office/powerpoint/2010/main" val="4281264677"/>
+      </p:ext>
+    </p:extLst>
+  </p:cSld>
+  <p:clrMapOvr>
+    <a:masterClrMapping/>
+  </p:clrMapOvr>
+</p:sld>
+</file>
+
 <file path=ppt/slides/slide2.xml><?xml version="1.0" encoding="utf-8"?>
 <p:sld xmlns:a="http://schemas.openxmlformats.org/drawingml/2006/main" xmlns:r="http://schemas.openxmlformats.org/officeDocument/2006/relationships" xmlns:p="http://schemas.openxmlformats.org/presentationml/2006/main">
   <p:cSld>
@@ -3057,35 +4915,102 @@
           <a:chExt cx="0" cy="0"/>
         </a:xfrm>
       </p:grpSpPr>
-      <p:pic>
-        <p:nvPicPr>
-          <p:cNvPr id="6" name="内容占位符 5"/>
-          <p:cNvPicPr>
-            <a:picLocks noGrp="1" noChangeAspect="1"/>
-          </p:cNvPicPr>
+      <p:sp>
+        <p:nvSpPr>
+          <p:cNvPr id="2" name="标题 1"/>
+          <p:cNvSpPr>
+            <a:spLocks noGrp="1"/>
+          </p:cNvSpPr>
+          <p:nvPr>
+            <p:ph type="title"/>
+          </p:nvPr>
+        </p:nvSpPr>
+        <p:spPr/>
+        <p:txBody>
+          <a:bodyPr/>
+          <a:lstStyle/>
+          <a:p>
+            <a:endParaRPr lang="zh-CN" altLang="en-US"/>
+          </a:p>
+        </p:txBody>
+      </p:sp>
+      <p:sp>
+        <p:nvSpPr>
+          <p:cNvPr id="3" name="内容占位符 2"/>
+          <p:cNvSpPr>
+            <a:spLocks noGrp="1"/>
+          </p:cNvSpPr>
           <p:nvPr>
             <p:ph idx="1"/>
           </p:nvPr>
-        </p:nvPicPr>
-        <p:blipFill rotWithShape="1">
-          <a:blip r:embed="rId2"/>
-          <a:srcRect b="29880"/>
-          <a:stretch/>
-        </p:blipFill>
-        <p:spPr>
-          <a:xfrm>
-            <a:off x="351231" y="449943"/>
-            <a:ext cx="11600303" cy="5747657"/>
-          </a:xfrm>
-          <a:prstGeom prst="rect">
-            <a:avLst/>
-          </a:prstGeom>
-        </p:spPr>
-      </p:pic>
+        </p:nvSpPr>
+        <p:spPr/>
+        <p:txBody>
+          <a:bodyPr/>
+          <a:lstStyle/>
+          <a:p>
+            <a:r>
+              <a:rPr lang="zh-CN" altLang="en-US" dirty="0" smtClean="0"/>
+              <a:t>默认在</a:t>
+            </a:r>
+            <a:r>
+              <a:rPr lang="en-US" altLang="zh-CN" dirty="0" err="1" smtClean="0"/>
+              <a:t>docker</a:t>
+            </a:r>
+            <a:r>
+              <a:rPr lang="zh-CN" altLang="en-US" dirty="0" smtClean="0"/>
+              <a:t>下运行</a:t>
+            </a:r>
+            <a:endParaRPr lang="en-US" altLang="zh-CN" dirty="0" smtClean="0"/>
+          </a:p>
+          <a:p>
+            <a:r>
+              <a:rPr lang="en-US" altLang="zh-CN" dirty="0" err="1" smtClean="0"/>
+              <a:t>Configure.setIdentity</a:t>
+            </a:r>
+            <a:r>
+              <a:rPr lang="en-US" altLang="zh-CN" dirty="0" smtClean="0"/>
+              <a:t>('</a:t>
+            </a:r>
+            <a:r>
+              <a:rPr lang="en-US" altLang="zh-CN" dirty="0" err="1" smtClean="0"/>
+              <a:t>zwei</a:t>
+            </a:r>
+            <a:r>
+              <a:rPr lang="en-US" altLang="zh-CN" dirty="0" smtClean="0"/>
+              <a:t>')</a:t>
+            </a:r>
+          </a:p>
+          <a:p>
+            <a:endParaRPr lang="en-US" altLang="zh-CN" dirty="0"/>
+          </a:p>
+          <a:p>
+            <a:endParaRPr lang="en-US" altLang="zh-CN" dirty="0" smtClean="0"/>
+          </a:p>
+          <a:p>
+            <a:r>
+              <a:rPr lang="zh-CN" altLang="en-US" dirty="0" smtClean="0"/>
+              <a:t>调试的时候</a:t>
+            </a:r>
+            <a:endParaRPr lang="en-US" altLang="zh-CN" dirty="0" smtClean="0"/>
+          </a:p>
+          <a:p>
+            <a:r>
+              <a:rPr lang="en-US" altLang="zh-CN" dirty="0" err="1" smtClean="0"/>
+              <a:t>Configure.enableDocker</a:t>
+            </a:r>
+            <a:r>
+              <a:rPr lang="en-US" altLang="zh-CN" dirty="0" smtClean="0"/>
+              <a:t>(False)</a:t>
+            </a:r>
+            <a:endParaRPr lang="zh-CN" altLang="en-US" dirty="0"/>
+          </a:p>
+        </p:txBody>
+      </p:sp>
     </p:spTree>
     <p:extLst>
       <p:ext uri="{BB962C8B-B14F-4D97-AF65-F5344CB8AC3E}">
-        <p14:creationId xmlns:p14="http://schemas.microsoft.com/office/powerpoint/2010/main" val="1680806617"/>
+        <p14:creationId xmlns:p14="http://schemas.microsoft.com/office/powerpoint/2010/main" val="1912355563"/>
       </p:ext>
     </p:extLst>
   </p:cSld>
@@ -3127,11 +5052,7 @@
           <a:bodyPr/>
           <a:lstStyle/>
           <a:p>
-            <a:r>
-              <a:rPr lang="zh-CN" altLang="en-US" dirty="0" smtClean="0"/>
-              <a:t>操作对象      获取操作          设置操作</a:t>
-            </a:r>
-            <a:endParaRPr lang="zh-CN" altLang="en-US" dirty="0"/>
+            <a:endParaRPr lang="zh-CN" altLang="en-US"/>
           </a:p>
         </p:txBody>
       </p:sp>
@@ -3148,7 +5069,7 @@
         <p:spPr>
           <a:xfrm>
             <a:off x="838200" y="1825625"/>
-            <a:ext cx="2572657" cy="4351338"/>
+            <a:ext cx="2418347" cy="4351338"/>
           </a:xfrm>
         </p:spPr>
         <p:txBody>
@@ -3157,34 +5078,46 @@
           <a:p>
             <a:r>
               <a:rPr lang="en-US" altLang="zh-CN" dirty="0" smtClean="0"/>
-              <a:t>inputs</a:t>
-            </a:r>
-          </a:p>
-          <a:p>
-            <a:r>
-              <a:rPr lang="en-US" altLang="zh-CN" dirty="0" smtClean="0"/>
-              <a:t>outputs</a:t>
-            </a:r>
-          </a:p>
-          <a:p>
-            <a:r>
-              <a:rPr lang="en-US" altLang="zh-CN" dirty="0" err="1" smtClean="0"/>
-              <a:t>params</a:t>
+              <a:t>V1</a:t>
             </a:r>
             <a:endParaRPr lang="en-US" altLang="zh-CN" dirty="0" smtClean="0"/>
           </a:p>
           <a:p>
             <a:r>
-              <a:rPr lang="en-US" altLang="zh-CN" dirty="0" err="1" smtClean="0"/>
-              <a:t>paramsIO</a:t>
-            </a:r>
-            <a:endParaRPr lang="zh-CN" altLang="en-US" dirty="0"/>
-          </a:p>
-        </p:txBody>
-      </p:sp>
-      <p:sp>
-        <p:nvSpPr>
-          <p:cNvPr id="4" name="内容占位符 2"/>
+              <a:rPr lang="en-US" altLang="zh-CN" dirty="0" smtClean="0"/>
+              <a:t>V2</a:t>
+            </a:r>
+            <a:endParaRPr lang="en-US" altLang="zh-CN" dirty="0" smtClean="0"/>
+          </a:p>
+        </p:txBody>
+      </p:sp>
+      <p:pic>
+        <p:nvPicPr>
+          <p:cNvPr id="4" name="图片 3"/>
+          <p:cNvPicPr>
+            <a:picLocks noChangeAspect="1"/>
+          </p:cNvPicPr>
+          <p:nvPr/>
+        </p:nvPicPr>
+        <p:blipFill>
+          <a:blip r:embed="rId2"/>
+          <a:stretch>
+            <a:fillRect/>
+          </a:stretch>
+        </p:blipFill>
+        <p:spPr>
+          <a:xfrm>
+            <a:off x="1239057" y="4536970"/>
+            <a:ext cx="8554354" cy="749285"/>
+          </a:xfrm>
+          <a:prstGeom prst="rect">
+            <a:avLst/>
+          </a:prstGeom>
+        </p:spPr>
+      </p:pic>
+      <p:sp>
+        <p:nvSpPr>
+          <p:cNvPr id="5" name="内容占位符 2"/>
           <p:cNvSpPr txBox="1">
             <a:spLocks/>
           </p:cNvSpPr>
@@ -3192,8 +5125,8 @@
         </p:nvSpPr>
         <p:spPr>
           <a:xfrm>
-            <a:off x="2572654" y="1825625"/>
-            <a:ext cx="4974772" cy="4351338"/>
+            <a:off x="3453063" y="1825625"/>
+            <a:ext cx="2418347" cy="4351338"/>
           </a:xfrm>
           <a:prstGeom prst="rect">
             <a:avLst/>
@@ -3370,50 +5303,169 @@
           <a:p>
             <a:r>
               <a:rPr lang="en-US" altLang="zh-CN" dirty="0" err="1" smtClean="0"/>
-              <a:t>getInput</a:t>
-            </a:r>
-            <a:r>
-              <a:rPr lang="en-US" altLang="zh-CN" dirty="0" smtClean="0"/>
-              <a:t>()/ </a:t>
-            </a:r>
+              <a:t>hca:latest</a:t>
+            </a:r>
+            <a:endParaRPr lang="en-US" altLang="zh-CN" dirty="0" smtClean="0"/>
+          </a:p>
+          <a:p>
+            <a:r>
+              <a:rPr lang="en-US" altLang="zh-CN" dirty="0" smtClean="0"/>
+              <a:t>hca:py2</a:t>
+            </a:r>
+            <a:endParaRPr lang="en-US" altLang="zh-CN" dirty="0" smtClean="0"/>
+          </a:p>
+        </p:txBody>
+      </p:sp>
+    </p:spTree>
+    <p:extLst>
+      <p:ext uri="{BB962C8B-B14F-4D97-AF65-F5344CB8AC3E}">
+        <p14:creationId xmlns:p14="http://schemas.microsoft.com/office/powerpoint/2010/main" val="620151826"/>
+      </p:ext>
+    </p:extLst>
+  </p:cSld>
+  <p:clrMapOvr>
+    <a:masterClrMapping/>
+  </p:clrMapOvr>
+</p:sld>
+</file>
+
+<file path=ppt/slides/slide4.xml><?xml version="1.0" encoding="utf-8"?>
+<p:sld xmlns:a="http://schemas.openxmlformats.org/drawingml/2006/main" xmlns:r="http://schemas.openxmlformats.org/officeDocument/2006/relationships" xmlns:p="http://schemas.openxmlformats.org/presentationml/2006/main">
+  <p:cSld>
+    <p:spTree>
+      <p:nvGrpSpPr>
+        <p:cNvPr id="1" name=""/>
+        <p:cNvGrpSpPr/>
+        <p:nvPr/>
+      </p:nvGrpSpPr>
+      <p:grpSpPr>
+        <a:xfrm>
+          <a:off x="0" y="0"/>
+          <a:ext cx="0" cy="0"/>
+          <a:chOff x="0" y="0"/>
+          <a:chExt cx="0" cy="0"/>
+        </a:xfrm>
+      </p:grpSpPr>
+      <p:pic>
+        <p:nvPicPr>
+          <p:cNvPr id="6" name="内容占位符 5"/>
+          <p:cNvPicPr>
+            <a:picLocks noGrp="1" noChangeAspect="1"/>
+          </p:cNvPicPr>
+          <p:nvPr>
+            <p:ph idx="1"/>
+          </p:nvPr>
+        </p:nvPicPr>
+        <p:blipFill rotWithShape="1">
+          <a:blip r:embed="rId2"/>
+          <a:srcRect b="29880"/>
+          <a:stretch/>
+        </p:blipFill>
+        <p:spPr>
+          <a:xfrm>
+            <a:off x="351231" y="449943"/>
+            <a:ext cx="11600303" cy="5747657"/>
+          </a:xfrm>
+          <a:prstGeom prst="rect">
+            <a:avLst/>
+          </a:prstGeom>
+        </p:spPr>
+      </p:pic>
+    </p:spTree>
+    <p:extLst>
+      <p:ext uri="{BB962C8B-B14F-4D97-AF65-F5344CB8AC3E}">
+        <p14:creationId xmlns:p14="http://schemas.microsoft.com/office/powerpoint/2010/main" val="1680806617"/>
+      </p:ext>
+    </p:extLst>
+  </p:cSld>
+  <p:clrMapOvr>
+    <a:masterClrMapping/>
+  </p:clrMapOvr>
+</p:sld>
+</file>
+
+<file path=ppt/slides/slide5.xml><?xml version="1.0" encoding="utf-8"?>
+<p:sld xmlns:a="http://schemas.openxmlformats.org/drawingml/2006/main" xmlns:r="http://schemas.openxmlformats.org/officeDocument/2006/relationships" xmlns:p="http://schemas.openxmlformats.org/presentationml/2006/main">
+  <p:cSld>
+    <p:spTree>
+      <p:nvGrpSpPr>
+        <p:cNvPr id="1" name=""/>
+        <p:cNvGrpSpPr/>
+        <p:nvPr/>
+      </p:nvGrpSpPr>
+      <p:grpSpPr>
+        <a:xfrm>
+          <a:off x="0" y="0"/>
+          <a:ext cx="0" cy="0"/>
+          <a:chOff x="0" y="0"/>
+          <a:chExt cx="0" cy="0"/>
+        </a:xfrm>
+      </p:grpSpPr>
+      <p:sp>
+        <p:nvSpPr>
+          <p:cNvPr id="2" name="标题 1"/>
+          <p:cNvSpPr>
+            <a:spLocks noGrp="1"/>
+          </p:cNvSpPr>
+          <p:nvPr>
+            <p:ph type="title"/>
+          </p:nvPr>
+        </p:nvSpPr>
+        <p:spPr/>
+        <p:txBody>
+          <a:bodyPr/>
+          <a:lstStyle/>
+          <a:p>
+            <a:r>
+              <a:rPr lang="zh-CN" altLang="en-US" dirty="0" smtClean="0"/>
+              <a:t>操作对象      获取操作          设置操作</a:t>
+            </a:r>
+            <a:endParaRPr lang="zh-CN" altLang="en-US" dirty="0"/>
+          </a:p>
+        </p:txBody>
+      </p:sp>
+      <p:sp>
+        <p:nvSpPr>
+          <p:cNvPr id="3" name="内容占位符 2"/>
+          <p:cNvSpPr>
+            <a:spLocks noGrp="1"/>
+          </p:cNvSpPr>
+          <p:nvPr>
+            <p:ph idx="1"/>
+          </p:nvPr>
+        </p:nvSpPr>
+        <p:spPr>
+          <a:xfrm>
+            <a:off x="838200" y="1825625"/>
+            <a:ext cx="2572657" cy="4351338"/>
+          </a:xfrm>
+        </p:spPr>
+        <p:txBody>
+          <a:bodyPr/>
+          <a:lstStyle/>
+          <a:p>
+            <a:r>
+              <a:rPr lang="en-US" altLang="zh-CN" dirty="0" smtClean="0"/>
+              <a:t>inputs</a:t>
+            </a:r>
+          </a:p>
+          <a:p>
+            <a:r>
+              <a:rPr lang="en-US" altLang="zh-CN" dirty="0" smtClean="0"/>
+              <a:t>outputs</a:t>
+            </a:r>
+          </a:p>
+          <a:p>
             <a:r>
               <a:rPr lang="en-US" altLang="zh-CN" dirty="0" err="1" smtClean="0"/>
-              <a:t>getInputXXX</a:t>
-            </a:r>
-            <a:r>
-              <a:rPr lang="en-US" altLang="zh-CN" dirty="0" smtClean="0"/>
-              <a:t>()</a:t>
-            </a:r>
+              <a:t>params</a:t>
+            </a:r>
+            <a:endParaRPr lang="en-US" altLang="zh-CN" dirty="0" smtClean="0"/>
           </a:p>
           <a:p>
             <a:r>
               <a:rPr lang="en-US" altLang="zh-CN" dirty="0" err="1" smtClean="0"/>
-              <a:t>getIOutputs</a:t>
-            </a:r>
-            <a:r>
-              <a:rPr lang="en-US" altLang="zh-CN" dirty="0" smtClean="0"/>
-              <a:t>()/ </a:t>
-            </a:r>
-            <a:r>
-              <a:rPr lang="en-US" altLang="zh-CN" dirty="0" err="1" smtClean="0"/>
-              <a:t>getOutputXXX</a:t>
-            </a:r>
-            <a:r>
-              <a:rPr lang="en-US" altLang="zh-CN" dirty="0" smtClean="0"/>
-              <a:t>()</a:t>
-            </a:r>
-          </a:p>
-          <a:p>
-            <a:r>
-              <a:rPr lang="en-US" altLang="zh-CN" dirty="0" err="1" smtClean="0"/>
-              <a:t>getParams</a:t>
-            </a:r>
-            <a:endParaRPr lang="en-US" altLang="zh-CN" dirty="0" smtClean="0"/>
-          </a:p>
-          <a:p>
-            <a:r>
-              <a:rPr lang="en-US" altLang="zh-CN" dirty="0" err="1" smtClean="0"/>
-              <a:t>getParamsIO</a:t>
+              <a:t>paramsIO</a:t>
             </a:r>
             <a:endParaRPr lang="zh-CN" altLang="en-US" dirty="0"/>
           </a:p>
@@ -3421,7 +5473,7 @@
       </p:sp>
       <p:sp>
         <p:nvSpPr>
-          <p:cNvPr id="5" name="内容占位符 2"/>
+          <p:cNvPr id="4" name="内容占位符 2"/>
           <p:cNvSpPr txBox="1">
             <a:spLocks/>
           </p:cNvSpPr>
@@ -3429,7 +5481,7 @@
         </p:nvSpPr>
         <p:spPr>
           <a:xfrm>
-            <a:off x="7297054" y="1825625"/>
+            <a:off x="2572654" y="1825625"/>
             <a:ext cx="4974772" cy="4351338"/>
           </a:xfrm>
           <a:prstGeom prst="rect">
@@ -3606,24 +5658,16 @@
           </a:lstStyle>
           <a:p>
             <a:r>
-              <a:rPr lang="en-US" altLang="zh-CN" dirty="0" err="1"/>
-              <a:t>s</a:t>
-            </a:r>
-            <a:r>
               <a:rPr lang="en-US" altLang="zh-CN" dirty="0" err="1" smtClean="0"/>
-              <a:t>etInput</a:t>
+              <a:t>getInput</a:t>
             </a:r>
             <a:r>
               <a:rPr lang="en-US" altLang="zh-CN" dirty="0" smtClean="0"/>
               <a:t>()/ </a:t>
             </a:r>
             <a:r>
-              <a:rPr lang="en-US" altLang="zh-CN" dirty="0" err="1"/>
-              <a:t>s</a:t>
-            </a:r>
-            <a:r>
               <a:rPr lang="en-US" altLang="zh-CN" dirty="0" err="1" smtClean="0"/>
-              <a:t>etInputXXX</a:t>
+              <a:t>getInputXXX</a:t>
             </a:r>
             <a:r>
               <a:rPr lang="en-US" altLang="zh-CN" dirty="0" smtClean="0"/>
@@ -3632,24 +5676,16 @@
           </a:p>
           <a:p>
             <a:r>
-              <a:rPr lang="en-US" altLang="zh-CN" dirty="0" err="1"/>
-              <a:t>s</a:t>
-            </a:r>
-            <a:r>
               <a:rPr lang="en-US" altLang="zh-CN" dirty="0" err="1" smtClean="0"/>
-              <a:t>etIOutputs</a:t>
+              <a:t>getIOutputs</a:t>
             </a:r>
             <a:r>
               <a:rPr lang="en-US" altLang="zh-CN" dirty="0" smtClean="0"/>
               <a:t>()/ </a:t>
             </a:r>
             <a:r>
-              <a:rPr lang="en-US" altLang="zh-CN" dirty="0" err="1"/>
-              <a:t>s</a:t>
-            </a:r>
-            <a:r>
               <a:rPr lang="en-US" altLang="zh-CN" dirty="0" err="1" smtClean="0"/>
-              <a:t>etOutputXXX</a:t>
+              <a:t>getOutputXXX</a:t>
             </a:r>
             <a:r>
               <a:rPr lang="en-US" altLang="zh-CN" dirty="0" smtClean="0"/>
@@ -3658,140 +5694,32 @@
           </a:p>
           <a:p>
             <a:r>
-              <a:rPr lang="en-US" altLang="zh-CN" dirty="0" err="1"/>
-              <a:t>s</a:t>
-            </a:r>
-            <a:r>
               <a:rPr lang="en-US" altLang="zh-CN" dirty="0" err="1" smtClean="0"/>
-              <a:t>etParams</a:t>
+              <a:t>getParams</a:t>
             </a:r>
             <a:endParaRPr lang="en-US" altLang="zh-CN" dirty="0" smtClean="0"/>
           </a:p>
           <a:p>
             <a:r>
-              <a:rPr lang="en-US" altLang="zh-CN" dirty="0" err="1"/>
-              <a:t>s</a:t>
-            </a:r>
-            <a:r>
               <a:rPr lang="en-US" altLang="zh-CN" dirty="0" err="1" smtClean="0"/>
-              <a:t>etParamsIO</a:t>
+              <a:t>getParamsIO</a:t>
             </a:r>
             <a:endParaRPr lang="zh-CN" altLang="en-US" dirty="0"/>
           </a:p>
         </p:txBody>
       </p:sp>
-    </p:spTree>
-    <p:extLst>
-      <p:ext uri="{BB962C8B-B14F-4D97-AF65-F5344CB8AC3E}">
-        <p14:creationId xmlns:p14="http://schemas.microsoft.com/office/powerpoint/2010/main" val="65640751"/>
-      </p:ext>
-    </p:extLst>
-  </p:cSld>
-  <p:clrMapOvr>
-    <a:masterClrMapping/>
-  </p:clrMapOvr>
-</p:sld>
-</file>
-
-<file path=ppt/slides/slide4.xml><?xml version="1.0" encoding="utf-8"?>
-<p:sld xmlns:a="http://schemas.openxmlformats.org/drawingml/2006/main" xmlns:r="http://schemas.openxmlformats.org/officeDocument/2006/relationships" xmlns:p="http://schemas.openxmlformats.org/presentationml/2006/main">
-  <p:cSld>
-    <p:spTree>
-      <p:nvGrpSpPr>
-        <p:cNvPr id="1" name=""/>
-        <p:cNvGrpSpPr/>
-        <p:nvPr/>
-      </p:nvGrpSpPr>
-      <p:grpSpPr>
-        <a:xfrm>
-          <a:off x="0" y="0"/>
-          <a:ext cx="0" cy="0"/>
-          <a:chOff x="0" y="0"/>
-          <a:chExt cx="0" cy="0"/>
-        </a:xfrm>
-      </p:grpSpPr>
-      <p:sp>
-        <p:nvSpPr>
-          <p:cNvPr id="2" name="标题 1"/>
-          <p:cNvSpPr>
-            <a:spLocks noGrp="1"/>
-          </p:cNvSpPr>
-          <p:nvPr>
-            <p:ph type="title"/>
-          </p:nvPr>
-        </p:nvSpPr>
-        <p:spPr/>
-        <p:txBody>
-          <a:bodyPr/>
-          <a:lstStyle/>
-          <a:p>
-            <a:r>
-              <a:rPr lang="zh-CN" altLang="en-US" dirty="0" smtClean="0"/>
-              <a:t>操作对象</a:t>
-            </a:r>
-            <a:endParaRPr lang="zh-CN" altLang="en-US" dirty="0"/>
-          </a:p>
-        </p:txBody>
-      </p:sp>
-      <p:sp>
-        <p:nvSpPr>
-          <p:cNvPr id="3" name="内容占位符 2"/>
-          <p:cNvSpPr>
-            <a:spLocks noGrp="1"/>
-          </p:cNvSpPr>
-          <p:nvPr>
-            <p:ph idx="1"/>
-          </p:nvPr>
+      <p:sp>
+        <p:nvSpPr>
+          <p:cNvPr id="5" name="内容占位符 2"/>
+          <p:cNvSpPr txBox="1">
+            <a:spLocks/>
+          </p:cNvSpPr>
+          <p:nvPr/>
         </p:nvSpPr>
         <p:spPr>
           <a:xfrm>
-            <a:off x="838200" y="1825625"/>
-            <a:ext cx="2572657" cy="4351338"/>
-          </a:xfrm>
-        </p:spPr>
-        <p:txBody>
-          <a:bodyPr/>
-          <a:lstStyle/>
-          <a:p>
-            <a:r>
-              <a:rPr lang="en-US" altLang="zh-CN" dirty="0" smtClean="0"/>
-              <a:t>inputs</a:t>
-            </a:r>
-          </a:p>
-          <a:p>
-            <a:r>
-              <a:rPr lang="en-US" altLang="zh-CN" dirty="0" smtClean="0"/>
-              <a:t>outputs</a:t>
-            </a:r>
-          </a:p>
-          <a:p>
-            <a:r>
-              <a:rPr lang="en-US" altLang="zh-CN" dirty="0" err="1" smtClean="0"/>
-              <a:t>params</a:t>
-            </a:r>
-            <a:endParaRPr lang="en-US" altLang="zh-CN" dirty="0" smtClean="0"/>
-          </a:p>
-          <a:p>
-            <a:r>
-              <a:rPr lang="en-US" altLang="zh-CN" dirty="0" err="1" smtClean="0"/>
-              <a:t>paramsIO</a:t>
-            </a:r>
-            <a:endParaRPr lang="zh-CN" altLang="en-US" dirty="0"/>
-          </a:p>
-        </p:txBody>
-      </p:sp>
-      <p:sp>
-        <p:nvSpPr>
-          <p:cNvPr id="4" name="内容占位符 2"/>
-          <p:cNvSpPr txBox="1">
-            <a:spLocks/>
-          </p:cNvSpPr>
-          <p:nvPr/>
-        </p:nvSpPr>
-        <p:spPr>
-          <a:xfrm>
-            <a:off x="2572653" y="1825625"/>
-            <a:ext cx="7935689" cy="4351338"/>
+            <a:off x="7297054" y="1825625"/>
+            <a:ext cx="4974772" cy="4351338"/>
           </a:xfrm>
           <a:prstGeom prst="rect">
             <a:avLst/>
@@ -3967,53 +5895,75 @@
           </a:lstStyle>
           <a:p>
             <a:r>
-              <a:rPr lang="zh-CN" altLang="en-US" dirty="0" smtClean="0"/>
-              <a:t>精确到文件</a:t>
-            </a:r>
-            <a:r>
-              <a:rPr lang="en-US" altLang="zh-CN" dirty="0" smtClean="0"/>
-              <a:t>/</a:t>
-            </a:r>
-            <a:r>
-              <a:rPr lang="zh-CN" altLang="en-US" dirty="0" smtClean="0"/>
-              <a:t>运行前检查合法性（文件存在）</a:t>
+              <a:rPr lang="en-US" altLang="zh-CN" dirty="0" err="1"/>
+              <a:t>s</a:t>
+            </a:r>
+            <a:r>
+              <a:rPr lang="en-US" altLang="zh-CN" dirty="0" err="1" smtClean="0"/>
+              <a:t>etInput</a:t>
+            </a:r>
+            <a:r>
+              <a:rPr lang="en-US" altLang="zh-CN" dirty="0" smtClean="0"/>
+              <a:t>()/ </a:t>
+            </a:r>
+            <a:r>
+              <a:rPr lang="en-US" altLang="zh-CN" dirty="0" err="1"/>
+              <a:t>s</a:t>
+            </a:r>
+            <a:r>
+              <a:rPr lang="en-US" altLang="zh-CN" dirty="0" err="1" smtClean="0"/>
+              <a:t>etInputXXX</a:t>
+            </a:r>
+            <a:r>
+              <a:rPr lang="en-US" altLang="zh-CN" dirty="0" smtClean="0"/>
+              <a:t>()</a:t>
+            </a:r>
+          </a:p>
+          <a:p>
+            <a:r>
+              <a:rPr lang="en-US" altLang="zh-CN" dirty="0" err="1"/>
+              <a:t>s</a:t>
+            </a:r>
+            <a:r>
+              <a:rPr lang="en-US" altLang="zh-CN" dirty="0" err="1" smtClean="0"/>
+              <a:t>etIOutputs</a:t>
+            </a:r>
+            <a:r>
+              <a:rPr lang="en-US" altLang="zh-CN" dirty="0" smtClean="0"/>
+              <a:t>()/ </a:t>
+            </a:r>
+            <a:r>
+              <a:rPr lang="en-US" altLang="zh-CN" dirty="0" err="1"/>
+              <a:t>s</a:t>
+            </a:r>
+            <a:r>
+              <a:rPr lang="en-US" altLang="zh-CN" dirty="0" err="1" smtClean="0"/>
+              <a:t>etOutputXXX</a:t>
+            </a:r>
+            <a:r>
+              <a:rPr lang="en-US" altLang="zh-CN" dirty="0" smtClean="0"/>
+              <a:t>()</a:t>
+            </a:r>
+          </a:p>
+          <a:p>
+            <a:r>
+              <a:rPr lang="en-US" altLang="zh-CN" dirty="0" err="1"/>
+              <a:t>s</a:t>
+            </a:r>
+            <a:r>
+              <a:rPr lang="en-US" altLang="zh-CN" dirty="0" err="1" smtClean="0"/>
+              <a:t>etParams</a:t>
             </a:r>
             <a:endParaRPr lang="en-US" altLang="zh-CN" dirty="0" smtClean="0"/>
           </a:p>
           <a:p>
             <a:r>
-              <a:rPr lang="zh-CN" altLang="en-US" dirty="0" smtClean="0"/>
-              <a:t>精确到文件</a:t>
-            </a:r>
-            <a:r>
-              <a:rPr lang="en-US" altLang="zh-CN" dirty="0" smtClean="0"/>
-              <a:t>/</a:t>
-            </a:r>
-            <a:r>
-              <a:rPr lang="zh-CN" altLang="en-US" dirty="0" smtClean="0"/>
-              <a:t>运行后检查合法性（文件存在）</a:t>
-            </a:r>
-            <a:endParaRPr lang="en-US" altLang="zh-CN" dirty="0" smtClean="0"/>
-          </a:p>
-          <a:p>
-            <a:r>
-              <a:rPr lang="zh-CN" altLang="en-US" dirty="0" smtClean="0"/>
-              <a:t>不检查</a:t>
-            </a:r>
-            <a:endParaRPr lang="en-US" altLang="zh-CN" dirty="0" smtClean="0"/>
-          </a:p>
-          <a:p>
-            <a:r>
-              <a:rPr lang="zh-CN" altLang="en-US" dirty="0" smtClean="0"/>
-              <a:t>不精确到文件</a:t>
-            </a:r>
-            <a:r>
-              <a:rPr lang="en-US" altLang="zh-CN" dirty="0" smtClean="0"/>
-              <a:t>/</a:t>
-            </a:r>
-            <a:r>
-              <a:rPr lang="zh-CN" altLang="en-US" dirty="0" smtClean="0"/>
-              <a:t>不检查合法性</a:t>
+              <a:rPr lang="en-US" altLang="zh-CN" dirty="0" err="1"/>
+              <a:t>s</a:t>
+            </a:r>
+            <a:r>
+              <a:rPr lang="en-US" altLang="zh-CN" dirty="0" err="1" smtClean="0"/>
+              <a:t>etParamsIO</a:t>
             </a:r>
             <a:endParaRPr lang="zh-CN" altLang="en-US" dirty="0"/>
           </a:p>
@@ -4022,129 +5972,7 @@
     </p:spTree>
     <p:extLst>
       <p:ext uri="{BB962C8B-B14F-4D97-AF65-F5344CB8AC3E}">
-        <p14:creationId xmlns:p14="http://schemas.microsoft.com/office/powerpoint/2010/main" val="3092936953"/>
-      </p:ext>
-    </p:extLst>
-  </p:cSld>
-  <p:clrMapOvr>
-    <a:masterClrMapping/>
-  </p:clrMapOvr>
-</p:sld>
-</file>
-
-<file path=ppt/slides/slide5.xml><?xml version="1.0" encoding="utf-8"?>
-<p:sld xmlns:a="http://schemas.openxmlformats.org/drawingml/2006/main" xmlns:r="http://schemas.openxmlformats.org/officeDocument/2006/relationships" xmlns:p="http://schemas.openxmlformats.org/presentationml/2006/main">
-  <p:cSld>
-    <p:spTree>
-      <p:nvGrpSpPr>
-        <p:cNvPr id="1" name=""/>
-        <p:cNvGrpSpPr/>
-        <p:nvPr/>
-      </p:nvGrpSpPr>
-      <p:grpSpPr>
-        <a:xfrm>
-          <a:off x="0" y="0"/>
-          <a:ext cx="0" cy="0"/>
-          <a:chOff x="0" y="0"/>
-          <a:chExt cx="0" cy="0"/>
-        </a:xfrm>
-      </p:grpSpPr>
-      <p:sp>
-        <p:nvSpPr>
-          <p:cNvPr id="2" name="标题 1"/>
-          <p:cNvSpPr>
-            <a:spLocks noGrp="1"/>
-          </p:cNvSpPr>
-          <p:nvPr>
-            <p:ph type="title"/>
-          </p:nvPr>
-        </p:nvSpPr>
-        <p:spPr/>
-        <p:txBody>
-          <a:bodyPr/>
-          <a:lstStyle/>
-          <a:p>
-            <a:endParaRPr lang="zh-CN" altLang="en-US"/>
-          </a:p>
-        </p:txBody>
-      </p:sp>
-      <p:sp>
-        <p:nvSpPr>
-          <p:cNvPr id="3" name="内容占位符 2"/>
-          <p:cNvSpPr>
-            <a:spLocks noGrp="1"/>
-          </p:cNvSpPr>
-          <p:nvPr>
-            <p:ph idx="1"/>
-          </p:nvPr>
-        </p:nvSpPr>
-        <p:spPr/>
-        <p:txBody>
-          <a:bodyPr/>
-          <a:lstStyle/>
-          <a:p>
-            <a:r>
-              <a:rPr lang="zh-CN" altLang="en-US" dirty="0" smtClean="0"/>
-              <a:t>默认在</a:t>
-            </a:r>
-            <a:r>
-              <a:rPr lang="en-US" altLang="zh-CN" dirty="0" err="1" smtClean="0"/>
-              <a:t>docker</a:t>
-            </a:r>
-            <a:r>
-              <a:rPr lang="zh-CN" altLang="en-US" dirty="0" smtClean="0"/>
-              <a:t>下运行</a:t>
-            </a:r>
-            <a:endParaRPr lang="en-US" altLang="zh-CN" dirty="0" smtClean="0"/>
-          </a:p>
-          <a:p>
-            <a:r>
-              <a:rPr lang="en-US" altLang="zh-CN" dirty="0" err="1" smtClean="0"/>
-              <a:t>Configure.setIdentity</a:t>
-            </a:r>
-            <a:r>
-              <a:rPr lang="en-US" altLang="zh-CN" dirty="0" smtClean="0"/>
-              <a:t>('</a:t>
-            </a:r>
-            <a:r>
-              <a:rPr lang="en-US" altLang="zh-CN" dirty="0" err="1" smtClean="0"/>
-              <a:t>zwei</a:t>
-            </a:r>
-            <a:r>
-              <a:rPr lang="en-US" altLang="zh-CN" dirty="0" smtClean="0"/>
-              <a:t>')</a:t>
-            </a:r>
-          </a:p>
-          <a:p>
-            <a:endParaRPr lang="en-US" altLang="zh-CN" dirty="0"/>
-          </a:p>
-          <a:p>
-            <a:endParaRPr lang="en-US" altLang="zh-CN" dirty="0" smtClean="0"/>
-          </a:p>
-          <a:p>
-            <a:r>
-              <a:rPr lang="zh-CN" altLang="en-US" dirty="0" smtClean="0"/>
-              <a:t>调试的时候</a:t>
-            </a:r>
-            <a:endParaRPr lang="en-US" altLang="zh-CN" dirty="0" smtClean="0"/>
-          </a:p>
-          <a:p>
-            <a:r>
-              <a:rPr lang="en-US" altLang="zh-CN" dirty="0" err="1" smtClean="0"/>
-              <a:t>Configure.enableDocker</a:t>
-            </a:r>
-            <a:r>
-              <a:rPr lang="en-US" altLang="zh-CN" dirty="0" smtClean="0"/>
-              <a:t>(False)</a:t>
-            </a:r>
-            <a:endParaRPr lang="zh-CN" altLang="en-US" dirty="0"/>
-          </a:p>
-        </p:txBody>
-      </p:sp>
-    </p:spTree>
-    <p:extLst>
-      <p:ext uri="{BB962C8B-B14F-4D97-AF65-F5344CB8AC3E}">
-        <p14:creationId xmlns:p14="http://schemas.microsoft.com/office/powerpoint/2010/main" val="1912355563"/>
+        <p14:creationId xmlns:p14="http://schemas.microsoft.com/office/powerpoint/2010/main" val="65640751"/>
       </p:ext>
     </p:extLst>
   </p:cSld>
@@ -4186,7 +6014,11 @@
           <a:bodyPr/>
           <a:lstStyle/>
           <a:p>
-            <a:endParaRPr lang="zh-CN" altLang="en-US"/>
+            <a:r>
+              <a:rPr lang="zh-CN" altLang="en-US" dirty="0" smtClean="0"/>
+              <a:t>操作对象</a:t>
+            </a:r>
+            <a:endParaRPr lang="zh-CN" altLang="en-US" dirty="0"/>
           </a:p>
         </p:txBody>
       </p:sp>
@@ -4200,34 +6032,498 @@
             <p:ph idx="1"/>
           </p:nvPr>
         </p:nvSpPr>
+        <p:spPr>
+          <a:xfrm>
+            <a:off x="838200" y="1825625"/>
+            <a:ext cx="2572657" cy="4351338"/>
+          </a:xfrm>
+        </p:spPr>
+        <p:txBody>
+          <a:bodyPr/>
+          <a:lstStyle/>
+          <a:p>
+            <a:r>
+              <a:rPr lang="en-US" altLang="zh-CN" dirty="0" smtClean="0"/>
+              <a:t>inputs</a:t>
+            </a:r>
+          </a:p>
+          <a:p>
+            <a:r>
+              <a:rPr lang="en-US" altLang="zh-CN" dirty="0" smtClean="0"/>
+              <a:t>outputs</a:t>
+            </a:r>
+          </a:p>
+          <a:p>
+            <a:r>
+              <a:rPr lang="en-US" altLang="zh-CN" dirty="0" err="1" smtClean="0"/>
+              <a:t>params</a:t>
+            </a:r>
+            <a:endParaRPr lang="en-US" altLang="zh-CN" dirty="0" smtClean="0"/>
+          </a:p>
+          <a:p>
+            <a:r>
+              <a:rPr lang="en-US" altLang="zh-CN" dirty="0" err="1" smtClean="0"/>
+              <a:t>paramsIO</a:t>
+            </a:r>
+            <a:endParaRPr lang="zh-CN" altLang="en-US" dirty="0"/>
+          </a:p>
+        </p:txBody>
+      </p:sp>
+      <p:sp>
+        <p:nvSpPr>
+          <p:cNvPr id="4" name="内容占位符 2"/>
+          <p:cNvSpPr txBox="1">
+            <a:spLocks/>
+          </p:cNvSpPr>
+          <p:nvPr/>
+        </p:nvSpPr>
+        <p:spPr>
+          <a:xfrm>
+            <a:off x="2572653" y="1825625"/>
+            <a:ext cx="7935689" cy="4351338"/>
+          </a:xfrm>
+          <a:prstGeom prst="rect">
+            <a:avLst/>
+          </a:prstGeom>
+        </p:spPr>
+        <p:txBody>
+          <a:bodyPr vert="horz" lIns="91440" tIns="45720" rIns="91440" bIns="45720" rtlCol="0">
+            <a:normAutofit/>
+          </a:bodyPr>
+          <a:lstStyle>
+            <a:lvl1pPr marL="228600" indent="-228600" algn="l" defTabSz="914400" rtl="0" eaLnBrk="1" latinLnBrk="0" hangingPunct="1">
+              <a:lnSpc>
+                <a:spcPct val="90000"/>
+              </a:lnSpc>
+              <a:spcBef>
+                <a:spcPts val="1000"/>
+              </a:spcBef>
+              <a:buFont typeface="Arial" panose="020B0604020202020204" pitchFamily="34" charset="0"/>
+              <a:buChar char="•"/>
+              <a:defRPr sz="2800" kern="1200">
+                <a:solidFill>
+                  <a:schemeClr val="tx1"/>
+                </a:solidFill>
+                <a:latin typeface="+mn-lt"/>
+                <a:ea typeface="+mn-ea"/>
+                <a:cs typeface="+mn-cs"/>
+              </a:defRPr>
+            </a:lvl1pPr>
+            <a:lvl2pPr marL="685800" indent="-228600" algn="l" defTabSz="914400" rtl="0" eaLnBrk="1" latinLnBrk="0" hangingPunct="1">
+              <a:lnSpc>
+                <a:spcPct val="90000"/>
+              </a:lnSpc>
+              <a:spcBef>
+                <a:spcPts val="500"/>
+              </a:spcBef>
+              <a:buFont typeface="Arial" panose="020B0604020202020204" pitchFamily="34" charset="0"/>
+              <a:buChar char="•"/>
+              <a:defRPr sz="2400" kern="1200">
+                <a:solidFill>
+                  <a:schemeClr val="tx1"/>
+                </a:solidFill>
+                <a:latin typeface="+mn-lt"/>
+                <a:ea typeface="+mn-ea"/>
+                <a:cs typeface="+mn-cs"/>
+              </a:defRPr>
+            </a:lvl2pPr>
+            <a:lvl3pPr marL="1143000" indent="-228600" algn="l" defTabSz="914400" rtl="0" eaLnBrk="1" latinLnBrk="0" hangingPunct="1">
+              <a:lnSpc>
+                <a:spcPct val="90000"/>
+              </a:lnSpc>
+              <a:spcBef>
+                <a:spcPts val="500"/>
+              </a:spcBef>
+              <a:buFont typeface="Arial" panose="020B0604020202020204" pitchFamily="34" charset="0"/>
+              <a:buChar char="•"/>
+              <a:defRPr sz="2000" kern="1200">
+                <a:solidFill>
+                  <a:schemeClr val="tx1"/>
+                </a:solidFill>
+                <a:latin typeface="+mn-lt"/>
+                <a:ea typeface="+mn-ea"/>
+                <a:cs typeface="+mn-cs"/>
+              </a:defRPr>
+            </a:lvl3pPr>
+            <a:lvl4pPr marL="1600200" indent="-228600" algn="l" defTabSz="914400" rtl="0" eaLnBrk="1" latinLnBrk="0" hangingPunct="1">
+              <a:lnSpc>
+                <a:spcPct val="90000"/>
+              </a:lnSpc>
+              <a:spcBef>
+                <a:spcPts val="500"/>
+              </a:spcBef>
+              <a:buFont typeface="Arial" panose="020B0604020202020204" pitchFamily="34" charset="0"/>
+              <a:buChar char="•"/>
+              <a:defRPr sz="1800" kern="1200">
+                <a:solidFill>
+                  <a:schemeClr val="tx1"/>
+                </a:solidFill>
+                <a:latin typeface="+mn-lt"/>
+                <a:ea typeface="+mn-ea"/>
+                <a:cs typeface="+mn-cs"/>
+              </a:defRPr>
+            </a:lvl4pPr>
+            <a:lvl5pPr marL="2057400" indent="-228600" algn="l" defTabSz="914400" rtl="0" eaLnBrk="1" latinLnBrk="0" hangingPunct="1">
+              <a:lnSpc>
+                <a:spcPct val="90000"/>
+              </a:lnSpc>
+              <a:spcBef>
+                <a:spcPts val="500"/>
+              </a:spcBef>
+              <a:buFont typeface="Arial" panose="020B0604020202020204" pitchFamily="34" charset="0"/>
+              <a:buChar char="•"/>
+              <a:defRPr sz="1800" kern="1200">
+                <a:solidFill>
+                  <a:schemeClr val="tx1"/>
+                </a:solidFill>
+                <a:latin typeface="+mn-lt"/>
+                <a:ea typeface="+mn-ea"/>
+                <a:cs typeface="+mn-cs"/>
+              </a:defRPr>
+            </a:lvl5pPr>
+            <a:lvl6pPr marL="2514600" indent="-228600" algn="l" defTabSz="914400" rtl="0" eaLnBrk="1" latinLnBrk="0" hangingPunct="1">
+              <a:lnSpc>
+                <a:spcPct val="90000"/>
+              </a:lnSpc>
+              <a:spcBef>
+                <a:spcPts val="500"/>
+              </a:spcBef>
+              <a:buFont typeface="Arial" panose="020B0604020202020204" pitchFamily="34" charset="0"/>
+              <a:buChar char="•"/>
+              <a:defRPr sz="1800" kern="1200">
+                <a:solidFill>
+                  <a:schemeClr val="tx1"/>
+                </a:solidFill>
+                <a:latin typeface="+mn-lt"/>
+                <a:ea typeface="+mn-ea"/>
+                <a:cs typeface="+mn-cs"/>
+              </a:defRPr>
+            </a:lvl6pPr>
+            <a:lvl7pPr marL="2971800" indent="-228600" algn="l" defTabSz="914400" rtl="0" eaLnBrk="1" latinLnBrk="0" hangingPunct="1">
+              <a:lnSpc>
+                <a:spcPct val="90000"/>
+              </a:lnSpc>
+              <a:spcBef>
+                <a:spcPts val="500"/>
+              </a:spcBef>
+              <a:buFont typeface="Arial" panose="020B0604020202020204" pitchFamily="34" charset="0"/>
+              <a:buChar char="•"/>
+              <a:defRPr sz="1800" kern="1200">
+                <a:solidFill>
+                  <a:schemeClr val="tx1"/>
+                </a:solidFill>
+                <a:latin typeface="+mn-lt"/>
+                <a:ea typeface="+mn-ea"/>
+                <a:cs typeface="+mn-cs"/>
+              </a:defRPr>
+            </a:lvl7pPr>
+            <a:lvl8pPr marL="3429000" indent="-228600" algn="l" defTabSz="914400" rtl="0" eaLnBrk="1" latinLnBrk="0" hangingPunct="1">
+              <a:lnSpc>
+                <a:spcPct val="90000"/>
+              </a:lnSpc>
+              <a:spcBef>
+                <a:spcPts val="500"/>
+              </a:spcBef>
+              <a:buFont typeface="Arial" panose="020B0604020202020204" pitchFamily="34" charset="0"/>
+              <a:buChar char="•"/>
+              <a:defRPr sz="1800" kern="1200">
+                <a:solidFill>
+                  <a:schemeClr val="tx1"/>
+                </a:solidFill>
+                <a:latin typeface="+mn-lt"/>
+                <a:ea typeface="+mn-ea"/>
+                <a:cs typeface="+mn-cs"/>
+              </a:defRPr>
+            </a:lvl8pPr>
+            <a:lvl9pPr marL="3886200" indent="-228600" algn="l" defTabSz="914400" rtl="0" eaLnBrk="1" latinLnBrk="0" hangingPunct="1">
+              <a:lnSpc>
+                <a:spcPct val="90000"/>
+              </a:lnSpc>
+              <a:spcBef>
+                <a:spcPts val="500"/>
+              </a:spcBef>
+              <a:buFont typeface="Arial" panose="020B0604020202020204" pitchFamily="34" charset="0"/>
+              <a:buChar char="•"/>
+              <a:defRPr sz="1800" kern="1200">
+                <a:solidFill>
+                  <a:schemeClr val="tx1"/>
+                </a:solidFill>
+                <a:latin typeface="+mn-lt"/>
+                <a:ea typeface="+mn-ea"/>
+                <a:cs typeface="+mn-cs"/>
+              </a:defRPr>
+            </a:lvl9pPr>
+          </a:lstStyle>
+          <a:p>
+            <a:r>
+              <a:rPr lang="zh-CN" altLang="en-US" dirty="0" smtClean="0"/>
+              <a:t>精确到文件</a:t>
+            </a:r>
+            <a:r>
+              <a:rPr lang="en-US" altLang="zh-CN" dirty="0" smtClean="0"/>
+              <a:t>/</a:t>
+            </a:r>
+            <a:r>
+              <a:rPr lang="zh-CN" altLang="en-US" dirty="0" smtClean="0"/>
+              <a:t>运行前检查合法性（文件存在）</a:t>
+            </a:r>
+            <a:endParaRPr lang="en-US" altLang="zh-CN" dirty="0" smtClean="0"/>
+          </a:p>
+          <a:p>
+            <a:r>
+              <a:rPr lang="zh-CN" altLang="en-US" dirty="0" smtClean="0"/>
+              <a:t>精确到文件</a:t>
+            </a:r>
+            <a:r>
+              <a:rPr lang="en-US" altLang="zh-CN" dirty="0" smtClean="0"/>
+              <a:t>/</a:t>
+            </a:r>
+            <a:r>
+              <a:rPr lang="zh-CN" altLang="en-US" dirty="0" smtClean="0"/>
+              <a:t>运行后检查合法性（文件存在）</a:t>
+            </a:r>
+            <a:endParaRPr lang="en-US" altLang="zh-CN" dirty="0" smtClean="0"/>
+          </a:p>
+          <a:p>
+            <a:r>
+              <a:rPr lang="zh-CN" altLang="en-US" dirty="0" smtClean="0"/>
+              <a:t>不检查</a:t>
+            </a:r>
+            <a:endParaRPr lang="en-US" altLang="zh-CN" dirty="0" smtClean="0"/>
+          </a:p>
+          <a:p>
+            <a:r>
+              <a:rPr lang="zh-CN" altLang="en-US" dirty="0" smtClean="0"/>
+              <a:t>不精确到文件</a:t>
+            </a:r>
+            <a:r>
+              <a:rPr lang="en-US" altLang="zh-CN" dirty="0" smtClean="0"/>
+              <a:t>/</a:t>
+            </a:r>
+            <a:r>
+              <a:rPr lang="zh-CN" altLang="en-US" dirty="0" smtClean="0"/>
+              <a:t>不检查合法性</a:t>
+            </a:r>
+            <a:endParaRPr lang="zh-CN" altLang="en-US" dirty="0"/>
+          </a:p>
+        </p:txBody>
+      </p:sp>
+    </p:spTree>
+    <p:extLst>
+      <p:ext uri="{BB962C8B-B14F-4D97-AF65-F5344CB8AC3E}">
+        <p14:creationId xmlns:p14="http://schemas.microsoft.com/office/powerpoint/2010/main" val="3092936953"/>
+      </p:ext>
+    </p:extLst>
+  </p:cSld>
+  <p:clrMapOvr>
+    <a:masterClrMapping/>
+  </p:clrMapOvr>
+</p:sld>
+</file>
+
+<file path=ppt/slides/slide7.xml><?xml version="1.0" encoding="utf-8"?>
+<p:sld xmlns:a="http://schemas.openxmlformats.org/drawingml/2006/main" xmlns:r="http://schemas.openxmlformats.org/officeDocument/2006/relationships" xmlns:p="http://schemas.openxmlformats.org/presentationml/2006/main">
+  <p:cSld>
+    <p:spTree>
+      <p:nvGrpSpPr>
+        <p:cNvPr id="1" name=""/>
+        <p:cNvGrpSpPr/>
+        <p:nvPr/>
+      </p:nvGrpSpPr>
+      <p:grpSpPr>
+        <a:xfrm>
+          <a:off x="0" y="0"/>
+          <a:ext cx="0" cy="0"/>
+          <a:chOff x="0" y="0"/>
+          <a:chExt cx="0" cy="0"/>
+        </a:xfrm>
+      </p:grpSpPr>
+      <p:sp>
+        <p:nvSpPr>
+          <p:cNvPr id="2" name="标题 1"/>
+          <p:cNvSpPr>
+            <a:spLocks noGrp="1"/>
+          </p:cNvSpPr>
+          <p:nvPr>
+            <p:ph type="title"/>
+          </p:nvPr>
+        </p:nvSpPr>
         <p:spPr/>
         <p:txBody>
           <a:bodyPr/>
           <a:lstStyle/>
           <a:p>
             <a:r>
-              <a:rPr lang="en-US" altLang="zh-CN" dirty="0" smtClean="0"/>
-              <a:t>None</a:t>
-            </a:r>
-          </a:p>
-          <a:p>
-            <a:r>
-              <a:rPr lang="en-US" altLang="zh-CN" dirty="0" smtClean="0"/>
-              <a:t>V1</a:t>
-            </a:r>
-          </a:p>
-          <a:p>
-            <a:r>
-              <a:rPr lang="en-US" altLang="zh-CN" dirty="0" smtClean="0"/>
-              <a:t>V2</a:t>
-            </a:r>
-          </a:p>
-          <a:p>
-            <a:r>
-              <a:rPr lang="en-US" altLang="zh-CN" dirty="0" smtClean="0"/>
-              <a:t>V3</a:t>
+              <a:rPr lang="zh-CN" altLang="en-US" dirty="0" smtClean="0"/>
+              <a:t>开发流程</a:t>
+            </a:r>
+            <a:r>
+              <a:rPr lang="en-US" altLang="zh-CN" dirty="0" smtClean="0"/>
+              <a:t>1</a:t>
+            </a:r>
+            <a:r>
+              <a:rPr lang="zh-CN" altLang="en-US" dirty="0" smtClean="0"/>
+              <a:t>：</a:t>
+            </a:r>
+            <a:r>
+              <a:rPr lang="zh-CN" altLang="en-US" dirty="0"/>
+              <a:t>定义</a:t>
+            </a:r>
+            <a:r>
+              <a:rPr lang="zh-CN" altLang="en-US" dirty="0" smtClean="0"/>
+              <a:t>类</a:t>
             </a:r>
             <a:endParaRPr lang="zh-CN" altLang="en-US" dirty="0"/>
+          </a:p>
+        </p:txBody>
+      </p:sp>
+      <p:sp>
+        <p:nvSpPr>
+          <p:cNvPr id="3" name="内容占位符 2"/>
+          <p:cNvSpPr>
+            <a:spLocks noGrp="1"/>
+          </p:cNvSpPr>
+          <p:nvPr>
+            <p:ph idx="1"/>
+          </p:nvPr>
+        </p:nvSpPr>
+        <p:spPr/>
+        <p:txBody>
+          <a:bodyPr/>
+          <a:lstStyle/>
+          <a:p>
+            <a:r>
+              <a:rPr lang="zh-CN" altLang="en-US" dirty="0" smtClean="0"/>
+              <a:t>继承自</a:t>
+            </a:r>
+            <a:r>
+              <a:rPr lang="en-US" altLang="zh-CN" dirty="0" smtClean="0"/>
+              <a:t>Step</a:t>
+            </a:r>
+            <a:r>
+              <a:rPr lang="zh-CN" altLang="en-US" dirty="0" smtClean="0"/>
+              <a:t>类</a:t>
+            </a:r>
+            <a:endParaRPr lang="en-US" altLang="zh-CN" dirty="0" smtClean="0"/>
+          </a:p>
+          <a:p>
+            <a:pPr marL="0" indent="0">
+              <a:buNone/>
+            </a:pPr>
+            <a:endParaRPr lang="en-US" altLang="zh-CN" dirty="0"/>
+          </a:p>
+          <a:p>
+            <a:pPr marL="0" indent="0">
+              <a:buNone/>
+            </a:pPr>
+            <a:r>
+              <a:rPr lang="en-US" altLang="zh-CN" dirty="0"/>
+              <a:t>class Bowtie2(Step</a:t>
+            </a:r>
+            <a:r>
+              <a:rPr lang="en-US" altLang="zh-CN" dirty="0" smtClean="0"/>
+              <a:t>)</a:t>
+            </a:r>
+            <a:r>
+              <a:rPr lang="en-US" altLang="zh-CN" dirty="0"/>
+              <a:t>:</a:t>
+            </a:r>
+            <a:endParaRPr lang="zh-CN" altLang="en-US" dirty="0"/>
+          </a:p>
+        </p:txBody>
+      </p:sp>
+    </p:spTree>
+    <p:extLst>
+      <p:ext uri="{BB962C8B-B14F-4D97-AF65-F5344CB8AC3E}">
+        <p14:creationId xmlns:p14="http://schemas.microsoft.com/office/powerpoint/2010/main" val="800176354"/>
+      </p:ext>
+    </p:extLst>
+  </p:cSld>
+  <p:clrMapOvr>
+    <a:masterClrMapping/>
+  </p:clrMapOvr>
+</p:sld>
+</file>
+
+<file path=ppt/slides/slide8.xml><?xml version="1.0" encoding="utf-8"?>
+<p:sld xmlns:a="http://schemas.openxmlformats.org/drawingml/2006/main" xmlns:r="http://schemas.openxmlformats.org/officeDocument/2006/relationships" xmlns:p="http://schemas.openxmlformats.org/presentationml/2006/main">
+  <p:cSld>
+    <p:spTree>
+      <p:nvGrpSpPr>
+        <p:cNvPr id="1" name=""/>
+        <p:cNvGrpSpPr/>
+        <p:nvPr/>
+      </p:nvGrpSpPr>
+      <p:grpSpPr>
+        <a:xfrm>
+          <a:off x="0" y="0"/>
+          <a:ext cx="0" cy="0"/>
+          <a:chOff x="0" y="0"/>
+          <a:chExt cx="0" cy="0"/>
+        </a:xfrm>
+      </p:grpSpPr>
+      <p:sp>
+        <p:nvSpPr>
+          <p:cNvPr id="2" name="标题 1"/>
+          <p:cNvSpPr>
+            <a:spLocks noGrp="1"/>
+          </p:cNvSpPr>
+          <p:nvPr>
+            <p:ph type="title"/>
+          </p:nvPr>
+        </p:nvSpPr>
+        <p:spPr/>
+        <p:txBody>
+          <a:bodyPr/>
+          <a:lstStyle/>
+          <a:p>
+            <a:r>
+              <a:rPr lang="zh-CN" altLang="en-US" dirty="0"/>
+              <a:t>开发</a:t>
+            </a:r>
+            <a:r>
+              <a:rPr lang="zh-CN" altLang="en-US" dirty="0" smtClean="0"/>
+              <a:t>流程</a:t>
+            </a:r>
+            <a:r>
+              <a:rPr lang="en-US" altLang="zh-CN" dirty="0" smtClean="0"/>
+              <a:t>2</a:t>
+            </a:r>
+            <a:r>
+              <a:rPr lang="zh-CN" altLang="en-US" dirty="0" smtClean="0"/>
+              <a:t>：定义和实现构造函数</a:t>
+            </a:r>
+            <a:r>
+              <a:rPr lang="en-US" altLang="zh-CN" dirty="0" smtClean="0"/>
+              <a:t> </a:t>
+            </a:r>
+            <a:endParaRPr lang="zh-CN" altLang="en-US" dirty="0"/>
+          </a:p>
+        </p:txBody>
+      </p:sp>
+      <p:sp>
+        <p:nvSpPr>
+          <p:cNvPr id="3" name="内容占位符 2"/>
+          <p:cNvSpPr>
+            <a:spLocks noGrp="1"/>
+          </p:cNvSpPr>
+          <p:nvPr>
+            <p:ph idx="1"/>
+          </p:nvPr>
+        </p:nvSpPr>
+        <p:spPr/>
+        <p:txBody>
+          <a:bodyPr/>
+          <a:lstStyle/>
+          <a:p>
+            <a:r>
+              <a:rPr lang="zh-CN" altLang="en-US" dirty="0" smtClean="0"/>
+              <a:t>定义参数，调用父类构造函数</a:t>
+            </a:r>
+            <a:r>
+              <a:rPr lang="zh-CN" altLang="en-US" dirty="0"/>
+              <a:t>（必做）</a:t>
+            </a:r>
           </a:p>
         </p:txBody>
       </p:sp>
@@ -4247,18 +6543,597 @@
         </p:blipFill>
         <p:spPr>
           <a:xfrm>
-            <a:off x="2265752" y="2676085"/>
-            <a:ext cx="8554354" cy="749285"/>
+            <a:off x="838200" y="2528764"/>
+            <a:ext cx="5858534" cy="3093994"/>
           </a:xfrm>
           <a:prstGeom prst="rect">
             <a:avLst/>
           </a:prstGeom>
         </p:spPr>
       </p:pic>
+      <p:sp>
+        <p:nvSpPr>
+          <p:cNvPr id="5" name="矩形 4"/>
+          <p:cNvSpPr/>
+          <p:nvPr/>
+        </p:nvSpPr>
+        <p:spPr>
+          <a:xfrm>
+            <a:off x="2406316" y="2767263"/>
+            <a:ext cx="2237874" cy="641685"/>
+          </a:xfrm>
+          <a:prstGeom prst="rect">
+            <a:avLst/>
+          </a:prstGeom>
+          <a:noFill/>
+          <a:ln w="28575">
+            <a:solidFill>
+              <a:srgbClr val="FF0000"/>
+            </a:solidFill>
+          </a:ln>
+        </p:spPr>
+        <p:style>
+          <a:lnRef idx="2">
+            <a:schemeClr val="accent1">
+              <a:shade val="50000"/>
+            </a:schemeClr>
+          </a:lnRef>
+          <a:fillRef idx="1">
+            <a:schemeClr val="accent1"/>
+          </a:fillRef>
+          <a:effectRef idx="0">
+            <a:schemeClr val="accent1"/>
+          </a:effectRef>
+          <a:fontRef idx="minor">
+            <a:schemeClr val="lt1"/>
+          </a:fontRef>
+        </p:style>
+        <p:txBody>
+          <a:bodyPr rtlCol="0" anchor="ctr"/>
+          <a:lstStyle/>
+          <a:p>
+            <a:pPr algn="ctr"/>
+            <a:endParaRPr lang="zh-CN" altLang="en-US"/>
+          </a:p>
+        </p:txBody>
+      </p:sp>
+      <p:sp>
+        <p:nvSpPr>
+          <p:cNvPr id="6" name="矩形 5"/>
+          <p:cNvSpPr/>
+          <p:nvPr/>
+        </p:nvSpPr>
+        <p:spPr>
+          <a:xfrm>
+            <a:off x="2406316" y="3424991"/>
+            <a:ext cx="2638926" cy="449178"/>
+          </a:xfrm>
+          <a:prstGeom prst="rect">
+            <a:avLst/>
+          </a:prstGeom>
+          <a:noFill/>
+          <a:ln w="28575">
+            <a:solidFill>
+              <a:srgbClr val="FF0000"/>
+            </a:solidFill>
+          </a:ln>
+        </p:spPr>
+        <p:style>
+          <a:lnRef idx="2">
+            <a:schemeClr val="accent1">
+              <a:shade val="50000"/>
+            </a:schemeClr>
+          </a:lnRef>
+          <a:fillRef idx="1">
+            <a:schemeClr val="accent1"/>
+          </a:fillRef>
+          <a:effectRef idx="0">
+            <a:schemeClr val="accent1"/>
+          </a:effectRef>
+          <a:fontRef idx="minor">
+            <a:schemeClr val="lt1"/>
+          </a:fontRef>
+        </p:style>
+        <p:txBody>
+          <a:bodyPr rtlCol="0" anchor="ctr"/>
+          <a:lstStyle/>
+          <a:p>
+            <a:pPr algn="ctr"/>
+            <a:endParaRPr lang="zh-CN" altLang="en-US"/>
+          </a:p>
+        </p:txBody>
+      </p:sp>
+      <p:sp>
+        <p:nvSpPr>
+          <p:cNvPr id="7" name="矩形 6"/>
+          <p:cNvSpPr/>
+          <p:nvPr/>
+        </p:nvSpPr>
+        <p:spPr>
+          <a:xfrm>
+            <a:off x="2406316" y="3903540"/>
+            <a:ext cx="2638926" cy="1037428"/>
+          </a:xfrm>
+          <a:prstGeom prst="rect">
+            <a:avLst/>
+          </a:prstGeom>
+          <a:noFill/>
+          <a:ln w="28575">
+            <a:solidFill>
+              <a:srgbClr val="FF0000"/>
+            </a:solidFill>
+          </a:ln>
+        </p:spPr>
+        <p:style>
+          <a:lnRef idx="2">
+            <a:schemeClr val="accent1">
+              <a:shade val="50000"/>
+            </a:schemeClr>
+          </a:lnRef>
+          <a:fillRef idx="1">
+            <a:schemeClr val="accent1"/>
+          </a:fillRef>
+          <a:effectRef idx="0">
+            <a:schemeClr val="accent1"/>
+          </a:effectRef>
+          <a:fontRef idx="minor">
+            <a:schemeClr val="lt1"/>
+          </a:fontRef>
+        </p:style>
+        <p:txBody>
+          <a:bodyPr rtlCol="0" anchor="ctr"/>
+          <a:lstStyle/>
+          <a:p>
+            <a:pPr algn="ctr"/>
+            <a:endParaRPr lang="zh-CN" altLang="en-US"/>
+          </a:p>
+        </p:txBody>
+      </p:sp>
+      <p:sp>
+        <p:nvSpPr>
+          <p:cNvPr id="8" name="矩形 7"/>
+          <p:cNvSpPr/>
+          <p:nvPr/>
+        </p:nvSpPr>
+        <p:spPr>
+          <a:xfrm>
+            <a:off x="2406316" y="4961716"/>
+            <a:ext cx="1828800" cy="428431"/>
+          </a:xfrm>
+          <a:prstGeom prst="rect">
+            <a:avLst/>
+          </a:prstGeom>
+          <a:noFill/>
+          <a:ln w="28575">
+            <a:solidFill>
+              <a:srgbClr val="FF0000"/>
+            </a:solidFill>
+          </a:ln>
+        </p:spPr>
+        <p:style>
+          <a:lnRef idx="2">
+            <a:schemeClr val="accent1">
+              <a:shade val="50000"/>
+            </a:schemeClr>
+          </a:lnRef>
+          <a:fillRef idx="1">
+            <a:schemeClr val="accent1"/>
+          </a:fillRef>
+          <a:effectRef idx="0">
+            <a:schemeClr val="accent1"/>
+          </a:effectRef>
+          <a:fontRef idx="minor">
+            <a:schemeClr val="lt1"/>
+          </a:fontRef>
+        </p:style>
+        <p:txBody>
+          <a:bodyPr rtlCol="0" anchor="ctr"/>
+          <a:lstStyle/>
+          <a:p>
+            <a:pPr algn="ctr"/>
+            <a:endParaRPr lang="zh-CN" altLang="en-US"/>
+          </a:p>
+        </p:txBody>
+      </p:sp>
+      <p:sp>
+        <p:nvSpPr>
+          <p:cNvPr id="9" name="文本框 8"/>
+          <p:cNvSpPr txBox="1"/>
+          <p:nvPr/>
+        </p:nvSpPr>
+        <p:spPr>
+          <a:xfrm>
+            <a:off x="4965032" y="2895600"/>
+            <a:ext cx="1957136" cy="376989"/>
+          </a:xfrm>
+          <a:prstGeom prst="rect">
+            <a:avLst/>
+          </a:prstGeom>
+          <a:noFill/>
+        </p:spPr>
+        <p:txBody>
+          <a:bodyPr wrap="square" rtlCol="0">
+            <a:spAutoFit/>
+          </a:bodyPr>
+          <a:lstStyle/>
+          <a:p>
+            <a:r>
+              <a:rPr lang="zh-CN" altLang="en-US" dirty="0" smtClean="0"/>
+              <a:t>输入变量</a:t>
+            </a:r>
+            <a:endParaRPr lang="zh-CN" altLang="en-US" dirty="0"/>
+          </a:p>
+        </p:txBody>
+      </p:sp>
+      <p:sp>
+        <p:nvSpPr>
+          <p:cNvPr id="10" name="文本框 9"/>
+          <p:cNvSpPr txBox="1"/>
+          <p:nvPr/>
+        </p:nvSpPr>
+        <p:spPr>
+          <a:xfrm>
+            <a:off x="5141494" y="3454759"/>
+            <a:ext cx="1458987" cy="369332"/>
+          </a:xfrm>
+          <a:prstGeom prst="rect">
+            <a:avLst/>
+          </a:prstGeom>
+          <a:noFill/>
+        </p:spPr>
+        <p:txBody>
+          <a:bodyPr wrap="square" rtlCol="0">
+            <a:spAutoFit/>
+          </a:bodyPr>
+          <a:lstStyle/>
+          <a:p>
+            <a:r>
+              <a:rPr lang="zh-CN" altLang="en-US" dirty="0" smtClean="0"/>
+              <a:t>输出变量</a:t>
+            </a:r>
+            <a:endParaRPr lang="zh-CN" altLang="en-US" dirty="0"/>
+          </a:p>
+        </p:txBody>
+      </p:sp>
+      <p:sp>
+        <p:nvSpPr>
+          <p:cNvPr id="11" name="文本框 10"/>
+          <p:cNvSpPr txBox="1"/>
+          <p:nvPr/>
+        </p:nvSpPr>
+        <p:spPr>
+          <a:xfrm>
+            <a:off x="5141493" y="4237588"/>
+            <a:ext cx="1900991" cy="369332"/>
+          </a:xfrm>
+          <a:prstGeom prst="rect">
+            <a:avLst/>
+          </a:prstGeom>
+          <a:noFill/>
+        </p:spPr>
+        <p:txBody>
+          <a:bodyPr wrap="square" rtlCol="0">
+            <a:spAutoFit/>
+          </a:bodyPr>
+          <a:lstStyle/>
+          <a:p>
+            <a:r>
+              <a:rPr lang="zh-CN" altLang="en-US" dirty="0" smtClean="0"/>
+              <a:t>控制参数变量</a:t>
+            </a:r>
+            <a:endParaRPr lang="zh-CN" altLang="en-US" dirty="0"/>
+          </a:p>
+        </p:txBody>
+      </p:sp>
+      <p:sp>
+        <p:nvSpPr>
+          <p:cNvPr id="12" name="文本框 11"/>
+          <p:cNvSpPr txBox="1"/>
+          <p:nvPr/>
+        </p:nvSpPr>
+        <p:spPr>
+          <a:xfrm>
+            <a:off x="4515429" y="4985133"/>
+            <a:ext cx="5783603" cy="369332"/>
+          </a:xfrm>
+          <a:prstGeom prst="rect">
+            <a:avLst/>
+          </a:prstGeom>
+          <a:noFill/>
+        </p:spPr>
+        <p:txBody>
+          <a:bodyPr wrap="square" rtlCol="0">
+            <a:spAutoFit/>
+          </a:bodyPr>
+          <a:lstStyle/>
+          <a:p>
+            <a:r>
+              <a:rPr lang="zh-CN" altLang="en-US" dirty="0" smtClean="0"/>
+              <a:t>其它参数变量，根据命令行个数决定有多少组参数</a:t>
+            </a:r>
+            <a:endParaRPr lang="zh-CN" altLang="en-US" dirty="0"/>
+          </a:p>
+        </p:txBody>
+      </p:sp>
     </p:spTree>
     <p:extLst>
       <p:ext uri="{BB962C8B-B14F-4D97-AF65-F5344CB8AC3E}">
-        <p14:creationId xmlns:p14="http://schemas.microsoft.com/office/powerpoint/2010/main" val="620151826"/>
+        <p14:creationId xmlns:p14="http://schemas.microsoft.com/office/powerpoint/2010/main" val="1906261107"/>
+      </p:ext>
+    </p:extLst>
+  </p:cSld>
+  <p:clrMapOvr>
+    <a:masterClrMapping/>
+  </p:clrMapOvr>
+</p:sld>
+</file>
+
+<file path=ppt/slides/slide9.xml><?xml version="1.0" encoding="utf-8"?>
+<p:sld xmlns:a="http://schemas.openxmlformats.org/drawingml/2006/main" xmlns:r="http://schemas.openxmlformats.org/officeDocument/2006/relationships" xmlns:p="http://schemas.openxmlformats.org/presentationml/2006/main">
+  <p:cSld>
+    <p:spTree>
+      <p:nvGrpSpPr>
+        <p:cNvPr id="1" name=""/>
+        <p:cNvGrpSpPr/>
+        <p:nvPr/>
+      </p:nvGrpSpPr>
+      <p:grpSpPr>
+        <a:xfrm>
+          <a:off x="0" y="0"/>
+          <a:ext cx="0" cy="0"/>
+          <a:chOff x="0" y="0"/>
+          <a:chExt cx="0" cy="0"/>
+        </a:xfrm>
+      </p:grpSpPr>
+      <p:sp>
+        <p:nvSpPr>
+          <p:cNvPr id="2" name="标题 1"/>
+          <p:cNvSpPr>
+            <a:spLocks noGrp="1"/>
+          </p:cNvSpPr>
+          <p:nvPr>
+            <p:ph type="title"/>
+          </p:nvPr>
+        </p:nvSpPr>
+        <p:spPr/>
+        <p:txBody>
+          <a:bodyPr/>
+          <a:lstStyle/>
+          <a:p>
+            <a:r>
+              <a:rPr lang="zh-CN" altLang="en-US" dirty="0"/>
+              <a:t>开发</a:t>
+            </a:r>
+            <a:r>
+              <a:rPr lang="zh-CN" altLang="en-US" dirty="0" smtClean="0"/>
+              <a:t>流程</a:t>
+            </a:r>
+            <a:r>
+              <a:rPr lang="en-US" altLang="zh-CN" dirty="0" smtClean="0"/>
+              <a:t>2</a:t>
+            </a:r>
+            <a:r>
+              <a:rPr lang="zh-CN" altLang="en-US" dirty="0" smtClean="0"/>
+              <a:t>：定义和实现构造函数</a:t>
+            </a:r>
+            <a:r>
+              <a:rPr lang="en-US" altLang="zh-CN" dirty="0" smtClean="0"/>
+              <a:t>__</a:t>
+            </a:r>
+            <a:r>
+              <a:rPr lang="en-US" altLang="zh-CN" dirty="0" err="1" smtClean="0"/>
+              <a:t>init</a:t>
+            </a:r>
+            <a:r>
+              <a:rPr lang="en-US" altLang="zh-CN" dirty="0" smtClean="0"/>
+              <a:t>__ </a:t>
+            </a:r>
+            <a:endParaRPr lang="zh-CN" altLang="en-US" dirty="0"/>
+          </a:p>
+        </p:txBody>
+      </p:sp>
+      <p:sp>
+        <p:nvSpPr>
+          <p:cNvPr id="3" name="内容占位符 2"/>
+          <p:cNvSpPr>
+            <a:spLocks noGrp="1"/>
+          </p:cNvSpPr>
+          <p:nvPr>
+            <p:ph idx="1"/>
+          </p:nvPr>
+        </p:nvSpPr>
+        <p:spPr/>
+        <p:txBody>
+          <a:bodyPr/>
+          <a:lstStyle/>
+          <a:p>
+            <a:r>
+              <a:rPr lang="zh-CN" altLang="en-US" dirty="0" smtClean="0"/>
+              <a:t>实现设置输入输出参数，调用初始化输入输出函数</a:t>
+            </a:r>
+            <a:r>
+              <a:rPr lang="en-US" altLang="zh-CN" dirty="0" err="1" smtClean="0"/>
+              <a:t>initIO</a:t>
+            </a:r>
+            <a:r>
+              <a:rPr lang="zh-CN" altLang="en-US" dirty="0" smtClean="0"/>
+              <a:t>（必做）</a:t>
+            </a:r>
+            <a:endParaRPr lang="en-US" altLang="zh-CN" dirty="0" smtClean="0"/>
+          </a:p>
+          <a:p>
+            <a:endParaRPr lang="en-US" altLang="zh-CN" dirty="0"/>
+          </a:p>
+          <a:p>
+            <a:endParaRPr lang="en-US" altLang="zh-CN" dirty="0" smtClean="0"/>
+          </a:p>
+          <a:p>
+            <a:endParaRPr lang="en-US" altLang="zh-CN" dirty="0"/>
+          </a:p>
+          <a:p>
+            <a:endParaRPr lang="en-US" altLang="zh-CN" dirty="0" smtClean="0"/>
+          </a:p>
+          <a:p>
+            <a:r>
+              <a:rPr lang="zh-CN" altLang="en-US" dirty="0" smtClean="0"/>
+              <a:t>实现设置其它控制参数（必做）</a:t>
+            </a:r>
+            <a:endParaRPr lang="zh-CN" altLang="en-US" dirty="0"/>
+          </a:p>
+        </p:txBody>
+      </p:sp>
+      <p:pic>
+        <p:nvPicPr>
+          <p:cNvPr id="13" name="图片 12"/>
+          <p:cNvPicPr>
+            <a:picLocks noChangeAspect="1"/>
+          </p:cNvPicPr>
+          <p:nvPr/>
+        </p:nvPicPr>
+        <p:blipFill>
+          <a:blip r:embed="rId2"/>
+          <a:stretch>
+            <a:fillRect/>
+          </a:stretch>
+        </p:blipFill>
+        <p:spPr>
+          <a:xfrm>
+            <a:off x="908637" y="2339227"/>
+            <a:ext cx="5243510" cy="1830282"/>
+          </a:xfrm>
+          <a:prstGeom prst="rect">
+            <a:avLst/>
+          </a:prstGeom>
+        </p:spPr>
+      </p:pic>
+      <p:pic>
+        <p:nvPicPr>
+          <p:cNvPr id="14" name="图片 13"/>
+          <p:cNvPicPr>
+            <a:picLocks noChangeAspect="1"/>
+          </p:cNvPicPr>
+          <p:nvPr/>
+        </p:nvPicPr>
+        <p:blipFill>
+          <a:blip r:embed="rId3"/>
+          <a:stretch>
+            <a:fillRect/>
+          </a:stretch>
+        </p:blipFill>
+        <p:spPr>
+          <a:xfrm>
+            <a:off x="1027430" y="4738584"/>
+            <a:ext cx="3752381" cy="1238095"/>
+          </a:xfrm>
+          <a:prstGeom prst="rect">
+            <a:avLst/>
+          </a:prstGeom>
+        </p:spPr>
+      </p:pic>
+      <p:sp>
+        <p:nvSpPr>
+          <p:cNvPr id="15" name="文本框 14"/>
+          <p:cNvSpPr txBox="1"/>
+          <p:nvPr/>
+        </p:nvSpPr>
+        <p:spPr>
+          <a:xfrm>
+            <a:off x="6376737" y="2638926"/>
+            <a:ext cx="5149516" cy="369332"/>
+          </a:xfrm>
+          <a:prstGeom prst="rect">
+            <a:avLst/>
+          </a:prstGeom>
+          <a:noFill/>
+        </p:spPr>
+        <p:txBody>
+          <a:bodyPr wrap="square" rtlCol="0">
+            <a:spAutoFit/>
+          </a:bodyPr>
+          <a:lstStyle/>
+          <a:p>
+            <a:r>
+              <a:rPr lang="en-US" altLang="zh-CN" dirty="0" err="1" smtClean="0"/>
+              <a:t>self.setParamIO</a:t>
+            </a:r>
+            <a:r>
+              <a:rPr lang="en-US" altLang="zh-CN" dirty="0" smtClean="0"/>
+              <a:t>(‘</a:t>
+            </a:r>
+            <a:r>
+              <a:rPr lang="zh-CN" altLang="en-US" dirty="0" smtClean="0"/>
+              <a:t>输入或输出名</a:t>
+            </a:r>
+            <a:r>
+              <a:rPr lang="en-US" altLang="zh-CN" dirty="0" smtClean="0"/>
+              <a:t>’,</a:t>
+            </a:r>
+            <a:r>
+              <a:rPr lang="zh-CN" altLang="en-US" dirty="0" smtClean="0"/>
+              <a:t>输入或输出变量值</a:t>
+            </a:r>
+            <a:r>
+              <a:rPr lang="en-US" altLang="zh-CN" dirty="0" smtClean="0"/>
+              <a:t>)</a:t>
+            </a:r>
+            <a:endParaRPr lang="zh-CN" altLang="en-US" dirty="0"/>
+          </a:p>
+        </p:txBody>
+      </p:sp>
+      <p:sp>
+        <p:nvSpPr>
+          <p:cNvPr id="16" name="文本框 15"/>
+          <p:cNvSpPr txBox="1"/>
+          <p:nvPr/>
+        </p:nvSpPr>
+        <p:spPr>
+          <a:xfrm>
+            <a:off x="6376737" y="4852736"/>
+            <a:ext cx="5149516" cy="369332"/>
+          </a:xfrm>
+          <a:prstGeom prst="rect">
+            <a:avLst/>
+          </a:prstGeom>
+          <a:noFill/>
+        </p:spPr>
+        <p:txBody>
+          <a:bodyPr wrap="square" rtlCol="0">
+            <a:spAutoFit/>
+          </a:bodyPr>
+          <a:lstStyle/>
+          <a:p>
+            <a:r>
+              <a:rPr lang="en-US" altLang="zh-CN" dirty="0" err="1" smtClean="0"/>
+              <a:t>self.setParam</a:t>
+            </a:r>
+            <a:r>
+              <a:rPr lang="en-US" altLang="zh-CN" dirty="0" smtClean="0"/>
+              <a:t>(‘</a:t>
+            </a:r>
+            <a:r>
+              <a:rPr lang="zh-CN" altLang="en-US" dirty="0" smtClean="0"/>
+              <a:t>参数名</a:t>
+            </a:r>
+            <a:r>
+              <a:rPr lang="en-US" altLang="zh-CN" dirty="0" smtClean="0"/>
+              <a:t>’,</a:t>
+            </a:r>
+            <a:r>
+              <a:rPr lang="zh-CN" altLang="en-US" dirty="0" smtClean="0"/>
+              <a:t>参数值</a:t>
+            </a:r>
+            <a:r>
+              <a:rPr lang="en-US" altLang="zh-CN" dirty="0" smtClean="0"/>
+              <a:t>)</a:t>
+            </a:r>
+            <a:endParaRPr lang="zh-CN" altLang="en-US" dirty="0"/>
+          </a:p>
+        </p:txBody>
+      </p:sp>
+    </p:spTree>
+    <p:extLst>
+      <p:ext uri="{BB962C8B-B14F-4D97-AF65-F5344CB8AC3E}">
+        <p14:creationId xmlns:p14="http://schemas.microsoft.com/office/powerpoint/2010/main" val="2091719736"/>
       </p:ext>
     </p:extLst>
   </p:cSld>

--- a/施工文档/开发文档/HCA-China Pipeline Framework 魏征.pptx
+++ b/施工文档/开发文档/HCA-China Pipeline Framework 魏征.pptx
@@ -6,21 +6,30 @@
   </p:sldMasterIdLst>
   <p:sldIdLst>
     <p:sldId id="256" r:id="rId2"/>
-    <p:sldId id="261" r:id="rId3"/>
-    <p:sldId id="260" r:id="rId4"/>
-    <p:sldId id="257" r:id="rId5"/>
-    <p:sldId id="258" r:id="rId6"/>
-    <p:sldId id="259" r:id="rId7"/>
-    <p:sldId id="262" r:id="rId8"/>
-    <p:sldId id="263" r:id="rId9"/>
-    <p:sldId id="264" r:id="rId10"/>
-    <p:sldId id="266" r:id="rId11"/>
-    <p:sldId id="267" r:id="rId12"/>
-    <p:sldId id="268" r:id="rId13"/>
-    <p:sldId id="269" r:id="rId14"/>
-    <p:sldId id="270" r:id="rId15"/>
-    <p:sldId id="265" r:id="rId16"/>
-    <p:sldId id="271" r:id="rId17"/>
+    <p:sldId id="272" r:id="rId3"/>
+    <p:sldId id="261" r:id="rId4"/>
+    <p:sldId id="260" r:id="rId5"/>
+    <p:sldId id="257" r:id="rId6"/>
+    <p:sldId id="258" r:id="rId7"/>
+    <p:sldId id="259" r:id="rId8"/>
+    <p:sldId id="262" r:id="rId9"/>
+    <p:sldId id="263" r:id="rId10"/>
+    <p:sldId id="264" r:id="rId11"/>
+    <p:sldId id="266" r:id="rId12"/>
+    <p:sldId id="267" r:id="rId13"/>
+    <p:sldId id="268" r:id="rId14"/>
+    <p:sldId id="269" r:id="rId15"/>
+    <p:sldId id="270" r:id="rId16"/>
+    <p:sldId id="265" r:id="rId17"/>
+    <p:sldId id="271" r:id="rId18"/>
+    <p:sldId id="273" r:id="rId19"/>
+    <p:sldId id="275" r:id="rId20"/>
+    <p:sldId id="276" r:id="rId21"/>
+    <p:sldId id="277" r:id="rId22"/>
+    <p:sldId id="274" r:id="rId23"/>
+    <p:sldId id="278" r:id="rId24"/>
+    <p:sldId id="279" r:id="rId25"/>
+    <p:sldId id="280" r:id="rId26"/>
   </p:sldIdLst>
   <p:sldSz cx="12192000" cy="6858000"/>
   <p:notesSz cx="6858000" cy="9144000"/>
@@ -258,7 +267,7 @@
           <a:p>
             <a:fld id="{7449505E-302F-4144-BF6C-BB1B7B6D24F4}" type="datetimeFigureOut">
               <a:rPr lang="zh-CN" altLang="en-US" smtClean="0"/>
-              <a:t>2018/3/15</a:t>
+              <a:t>2018/3/27</a:t>
             </a:fld>
             <a:endParaRPr lang="zh-CN" altLang="en-US"/>
           </a:p>
@@ -428,7 +437,7 @@
           <a:p>
             <a:fld id="{7449505E-302F-4144-BF6C-BB1B7B6D24F4}" type="datetimeFigureOut">
               <a:rPr lang="zh-CN" altLang="en-US" smtClean="0"/>
-              <a:t>2018/3/15</a:t>
+              <a:t>2018/3/27</a:t>
             </a:fld>
             <a:endParaRPr lang="zh-CN" altLang="en-US"/>
           </a:p>
@@ -608,7 +617,7 @@
           <a:p>
             <a:fld id="{7449505E-302F-4144-BF6C-BB1B7B6D24F4}" type="datetimeFigureOut">
               <a:rPr lang="zh-CN" altLang="en-US" smtClean="0"/>
-              <a:t>2018/3/15</a:t>
+              <a:t>2018/3/27</a:t>
             </a:fld>
             <a:endParaRPr lang="zh-CN" altLang="en-US"/>
           </a:p>
@@ -778,7 +787,7 @@
           <a:p>
             <a:fld id="{7449505E-302F-4144-BF6C-BB1B7B6D24F4}" type="datetimeFigureOut">
               <a:rPr lang="zh-CN" altLang="en-US" smtClean="0"/>
-              <a:t>2018/3/15</a:t>
+              <a:t>2018/3/27</a:t>
             </a:fld>
             <a:endParaRPr lang="zh-CN" altLang="en-US"/>
           </a:p>
@@ -1024,7 +1033,7 @@
           <a:p>
             <a:fld id="{7449505E-302F-4144-BF6C-BB1B7B6D24F4}" type="datetimeFigureOut">
               <a:rPr lang="zh-CN" altLang="en-US" smtClean="0"/>
-              <a:t>2018/3/15</a:t>
+              <a:t>2018/3/27</a:t>
             </a:fld>
             <a:endParaRPr lang="zh-CN" altLang="en-US"/>
           </a:p>
@@ -1256,7 +1265,7 @@
           <a:p>
             <a:fld id="{7449505E-302F-4144-BF6C-BB1B7B6D24F4}" type="datetimeFigureOut">
               <a:rPr lang="zh-CN" altLang="en-US" smtClean="0"/>
-              <a:t>2018/3/15</a:t>
+              <a:t>2018/3/27</a:t>
             </a:fld>
             <a:endParaRPr lang="zh-CN" altLang="en-US"/>
           </a:p>
@@ -1623,7 +1632,7 @@
           <a:p>
             <a:fld id="{7449505E-302F-4144-BF6C-BB1B7B6D24F4}" type="datetimeFigureOut">
               <a:rPr lang="zh-CN" altLang="en-US" smtClean="0"/>
-              <a:t>2018/3/15</a:t>
+              <a:t>2018/3/27</a:t>
             </a:fld>
             <a:endParaRPr lang="zh-CN" altLang="en-US"/>
           </a:p>
@@ -1741,7 +1750,7 @@
           <a:p>
             <a:fld id="{7449505E-302F-4144-BF6C-BB1B7B6D24F4}" type="datetimeFigureOut">
               <a:rPr lang="zh-CN" altLang="en-US" smtClean="0"/>
-              <a:t>2018/3/15</a:t>
+              <a:t>2018/3/27</a:t>
             </a:fld>
             <a:endParaRPr lang="zh-CN" altLang="en-US"/>
           </a:p>
@@ -1836,7 +1845,7 @@
           <a:p>
             <a:fld id="{7449505E-302F-4144-BF6C-BB1B7B6D24F4}" type="datetimeFigureOut">
               <a:rPr lang="zh-CN" altLang="en-US" smtClean="0"/>
-              <a:t>2018/3/15</a:t>
+              <a:t>2018/3/27</a:t>
             </a:fld>
             <a:endParaRPr lang="zh-CN" altLang="en-US"/>
           </a:p>
@@ -2113,7 +2122,7 @@
           <a:p>
             <a:fld id="{7449505E-302F-4144-BF6C-BB1B7B6D24F4}" type="datetimeFigureOut">
               <a:rPr lang="zh-CN" altLang="en-US" smtClean="0"/>
-              <a:t>2018/3/15</a:t>
+              <a:t>2018/3/27</a:t>
             </a:fld>
             <a:endParaRPr lang="zh-CN" altLang="en-US"/>
           </a:p>
@@ -2366,7 +2375,7 @@
           <a:p>
             <a:fld id="{7449505E-302F-4144-BF6C-BB1B7B6D24F4}" type="datetimeFigureOut">
               <a:rPr lang="zh-CN" altLang="en-US" smtClean="0"/>
-              <a:t>2018/3/15</a:t>
+              <a:t>2018/3/27</a:t>
             </a:fld>
             <a:endParaRPr lang="zh-CN" altLang="en-US"/>
           </a:p>
@@ -2579,7 +2588,7 @@
           <a:p>
             <a:fld id="{7449505E-302F-4144-BF6C-BB1B7B6D24F4}" type="datetimeFigureOut">
               <a:rPr lang="zh-CN" altLang="en-US" smtClean="0"/>
-              <a:t>2018/3/15</a:t>
+              <a:t>2018/3/27</a:t>
             </a:fld>
             <a:endParaRPr lang="zh-CN" altLang="en-US"/>
           </a:p>
@@ -3092,15 +3101,23 @@
             </a:r>
             <a:r>
               <a:rPr lang="en-US" altLang="zh-CN" dirty="0" smtClean="0"/>
-              <a:t>3</a:t>
-            </a:r>
-            <a:r>
-              <a:rPr lang="zh-CN" altLang="en-US" dirty="0" smtClean="0"/>
-              <a:t>：实现输入输出初始化</a:t>
-            </a:r>
-            <a:r>
-              <a:rPr lang="en-US" altLang="zh-CN" dirty="0" err="1"/>
-              <a:t>impInitIO</a:t>
+              <a:t>2</a:t>
+            </a:r>
+            <a:r>
+              <a:rPr lang="zh-CN" altLang="en-US" dirty="0" smtClean="0"/>
+              <a:t>：定义和实现构造函数</a:t>
+            </a:r>
+            <a:r>
+              <a:rPr lang="en-US" altLang="zh-CN" dirty="0" smtClean="0"/>
+              <a:t>__</a:t>
+            </a:r>
+            <a:r>
+              <a:rPr lang="en-US" altLang="zh-CN" dirty="0" err="1" smtClean="0"/>
+              <a:t>init</a:t>
+            </a:r>
+            <a:r>
+              <a:rPr lang="en-US" altLang="zh-CN" dirty="0" smtClean="0"/>
+              <a:t>__ </a:t>
             </a:r>
             <a:endParaRPr lang="zh-CN" altLang="en-US" dirty="0"/>
           </a:p>
@@ -3118,21 +3135,19 @@
         </p:nvSpPr>
         <p:spPr/>
         <p:txBody>
-          <a:bodyPr>
-            <a:normAutofit/>
-          </a:bodyPr>
-          <a:lstStyle/>
-          <a:p>
-            <a:r>
-              <a:rPr lang="zh-CN" altLang="en-US" dirty="0"/>
-              <a:t>读出</a:t>
-            </a:r>
-            <a:r>
-              <a:rPr lang="zh-CN" altLang="en-US" dirty="0" smtClean="0"/>
-              <a:t>调用输入输出参数</a:t>
-            </a:r>
-            <a:r>
-              <a:rPr lang="zh-CN" altLang="en-US" dirty="0"/>
+          <a:bodyPr/>
+          <a:lstStyle/>
+          <a:p>
+            <a:r>
+              <a:rPr lang="zh-CN" altLang="en-US" dirty="0" smtClean="0"/>
+              <a:t>实现设置输入输出参数，调用初始化输入输出函数</a:t>
+            </a:r>
+            <a:r>
+              <a:rPr lang="en-US" altLang="zh-CN" dirty="0" err="1" smtClean="0"/>
+              <a:t>initIO</a:t>
+            </a:r>
+            <a:r>
+              <a:rPr lang="zh-CN" altLang="en-US" dirty="0" smtClean="0"/>
               <a:t>（必做）</a:t>
             </a:r>
             <a:endParaRPr lang="en-US" altLang="zh-CN" dirty="0" smtClean="0"/>
@@ -3141,91 +3156,18 @@
             <a:endParaRPr lang="en-US" altLang="zh-CN" dirty="0"/>
           </a:p>
           <a:p>
-            <a:r>
-              <a:rPr lang="zh-CN" altLang="en-US" dirty="0" smtClean="0"/>
-              <a:t>填充</a:t>
-            </a:r>
-            <a:r>
-              <a:rPr lang="en-US" altLang="zh-CN" dirty="0" smtClean="0"/>
-              <a:t>inputs</a:t>
-            </a:r>
-            <a:r>
-              <a:rPr lang="zh-CN" altLang="en-US" dirty="0"/>
-              <a:t> （必做）</a:t>
-            </a:r>
             <a:endParaRPr lang="en-US" altLang="zh-CN" dirty="0" smtClean="0"/>
           </a:p>
           <a:p>
+            <a:endParaRPr lang="en-US" altLang="zh-CN" dirty="0"/>
+          </a:p>
+          <a:p>
             <a:endParaRPr lang="en-US" altLang="zh-CN" dirty="0" smtClean="0"/>
           </a:p>
           <a:p>
-            <a:endParaRPr lang="en-US" altLang="zh-CN" dirty="0"/>
-          </a:p>
-          <a:p>
-            <a:r>
-              <a:rPr lang="zh-CN" altLang="en-US" dirty="0" smtClean="0"/>
-              <a:t>填充</a:t>
-            </a:r>
-            <a:r>
-              <a:rPr lang="en-US" altLang="zh-CN" dirty="0" smtClean="0"/>
-              <a:t>outputs</a:t>
-            </a:r>
-            <a:r>
-              <a:rPr lang="zh-CN" altLang="en-US" dirty="0"/>
-              <a:t> （必做）</a:t>
-            </a:r>
-            <a:endParaRPr lang="en-US" altLang="zh-CN" dirty="0" smtClean="0"/>
-          </a:p>
-          <a:p>
-            <a:endParaRPr lang="en-US" altLang="zh-CN" dirty="0"/>
-          </a:p>
-        </p:txBody>
-      </p:sp>
-      <p:sp>
-        <p:nvSpPr>
-          <p:cNvPr id="15" name="文本框 14"/>
-          <p:cNvSpPr txBox="1"/>
-          <p:nvPr/>
-        </p:nvSpPr>
-        <p:spPr>
-          <a:xfrm>
-            <a:off x="5839327" y="2386545"/>
-            <a:ext cx="5149516" cy="369332"/>
-          </a:xfrm>
-          <a:prstGeom prst="rect">
-            <a:avLst/>
-          </a:prstGeom>
-          <a:noFill/>
-        </p:spPr>
-        <p:txBody>
-          <a:bodyPr wrap="square" rtlCol="0">
-            <a:spAutoFit/>
-          </a:bodyPr>
-          <a:lstStyle/>
-          <a:p>
-            <a:r>
-              <a:rPr lang="en-US" altLang="zh-CN" dirty="0" err="1" smtClean="0"/>
-              <a:t>self.getParamIO</a:t>
-            </a:r>
-            <a:r>
-              <a:rPr lang="en-US" altLang="zh-CN" dirty="0" smtClean="0"/>
-              <a:t>(‘</a:t>
-            </a:r>
-            <a:r>
-              <a:rPr lang="zh-CN" altLang="en-US" dirty="0" smtClean="0"/>
-              <a:t>输入或输出名</a:t>
-            </a:r>
-            <a:r>
-              <a:rPr lang="en-US" altLang="zh-CN" dirty="0" smtClean="0"/>
-              <a:t>’,</a:t>
-            </a:r>
-            <a:r>
-              <a:rPr lang="zh-CN" altLang="en-US" dirty="0" smtClean="0"/>
-              <a:t>输入或输出变量值</a:t>
-            </a:r>
-            <a:r>
-              <a:rPr lang="en-US" altLang="zh-CN" dirty="0" smtClean="0"/>
-              <a:t>)</a:t>
+            <a:r>
+              <a:rPr lang="zh-CN" altLang="en-US" dirty="0" smtClean="0"/>
+              <a:t>实现设置其它控制参数（必做）</a:t>
             </a:r>
             <a:endParaRPr lang="zh-CN" altLang="en-US" dirty="0"/>
           </a:p>
@@ -3233,7 +3175,7 @@
       </p:sp>
       <p:pic>
         <p:nvPicPr>
-          <p:cNvPr id="5" name="图片 4"/>
+          <p:cNvPr id="13" name="图片 12"/>
           <p:cNvPicPr>
             <a:picLocks noChangeAspect="1"/>
           </p:cNvPicPr>
@@ -3247,8 +3189,8 @@
         </p:blipFill>
         <p:spPr>
           <a:xfrm>
-            <a:off x="1027430" y="2318830"/>
-            <a:ext cx="4019048" cy="504762"/>
+            <a:off x="908637" y="2339227"/>
+            <a:ext cx="5243510" cy="1830282"/>
           </a:xfrm>
           <a:prstGeom prst="rect">
             <a:avLst/>
@@ -3257,7 +3199,7 @@
       </p:pic>
       <p:pic>
         <p:nvPicPr>
-          <p:cNvPr id="6" name="图片 5"/>
+          <p:cNvPr id="14" name="图片 13"/>
           <p:cNvPicPr>
             <a:picLocks noChangeAspect="1"/>
           </p:cNvPicPr>
@@ -3271,8 +3213,8 @@
         </p:blipFill>
         <p:spPr>
           <a:xfrm>
-            <a:off x="838199" y="3513368"/>
-            <a:ext cx="4888185" cy="451415"/>
+            <a:off x="1027430" y="4738584"/>
+            <a:ext cx="3752381" cy="1238095"/>
           </a:xfrm>
           <a:prstGeom prst="rect">
             <a:avLst/>
@@ -3281,13 +3223,13 @@
       </p:pic>
       <p:sp>
         <p:nvSpPr>
-          <p:cNvPr id="11" name="文本框 10"/>
+          <p:cNvPr id="15" name="文本框 14"/>
           <p:cNvSpPr txBox="1"/>
           <p:nvPr/>
         </p:nvSpPr>
         <p:spPr>
           <a:xfrm>
-            <a:off x="5839327" y="3102569"/>
+            <a:off x="6376737" y="2638926"/>
             <a:ext cx="5149516" cy="369332"/>
           </a:xfrm>
           <a:prstGeom prst="rect">
@@ -3303,7 +3245,7 @@
           <a:p>
             <a:r>
               <a:rPr lang="en-US" altLang="zh-CN" dirty="0" err="1" smtClean="0"/>
-              <a:t>self.setInput</a:t>
+              <a:t>self.setParamIO</a:t>
             </a:r>
             <a:r>
               <a:rPr lang="en-US" altLang="zh-CN" dirty="0" smtClean="0"/>
@@ -3331,13 +3273,13 @@
       </p:sp>
       <p:sp>
         <p:nvSpPr>
-          <p:cNvPr id="12" name="文本框 11"/>
+          <p:cNvPr id="16" name="文本框 15"/>
           <p:cNvSpPr txBox="1"/>
           <p:nvPr/>
         </p:nvSpPr>
         <p:spPr>
           <a:xfrm>
-            <a:off x="5839327" y="3554410"/>
+            <a:off x="6376737" y="4852736"/>
             <a:ext cx="5149516" cy="369332"/>
           </a:xfrm>
           <a:prstGeom prst="rect">
@@ -3353,73 +3295,7 @@
           <a:p>
             <a:r>
               <a:rPr lang="en-US" altLang="zh-CN" dirty="0" err="1" smtClean="0"/>
-              <a:t>self.setInputXXX</a:t>
-            </a:r>
-            <a:r>
-              <a:rPr lang="en-US" altLang="zh-CN" dirty="0" smtClean="0"/>
-              <a:t>(</a:t>
-            </a:r>
-            <a:r>
-              <a:rPr lang="zh-CN" altLang="en-US" dirty="0" smtClean="0"/>
-              <a:t>请参见代码注释</a:t>
-            </a:r>
-            <a:r>
-              <a:rPr lang="en-US" altLang="zh-CN" dirty="0" smtClean="0"/>
-              <a:t>)</a:t>
-            </a:r>
-            <a:endParaRPr lang="zh-CN" altLang="en-US" dirty="0"/>
-          </a:p>
-        </p:txBody>
-      </p:sp>
-      <p:pic>
-        <p:nvPicPr>
-          <p:cNvPr id="7" name="图片 6"/>
-          <p:cNvPicPr>
-            <a:picLocks noChangeAspect="1"/>
-          </p:cNvPicPr>
-          <p:nvPr/>
-        </p:nvPicPr>
-        <p:blipFill>
-          <a:blip r:embed="rId4"/>
-          <a:stretch>
-            <a:fillRect/>
-          </a:stretch>
-        </p:blipFill>
-        <p:spPr>
-          <a:xfrm>
-            <a:off x="838199" y="4942951"/>
-            <a:ext cx="7950017" cy="415112"/>
-          </a:xfrm>
-          <a:prstGeom prst="rect">
-            <a:avLst/>
-          </a:prstGeom>
-        </p:spPr>
-      </p:pic>
-      <p:sp>
-        <p:nvSpPr>
-          <p:cNvPr id="17" name="文本框 16"/>
-          <p:cNvSpPr txBox="1"/>
-          <p:nvPr/>
-        </p:nvSpPr>
-        <p:spPr>
-          <a:xfrm>
-            <a:off x="5839327" y="5325202"/>
-            <a:ext cx="5149516" cy="369332"/>
-          </a:xfrm>
-          <a:prstGeom prst="rect">
-            <a:avLst/>
-          </a:prstGeom>
-          <a:noFill/>
-        </p:spPr>
-        <p:txBody>
-          <a:bodyPr wrap="square" rtlCol="0">
-            <a:spAutoFit/>
-          </a:bodyPr>
-          <a:lstStyle/>
-          <a:p>
-            <a:r>
-              <a:rPr lang="en-US" altLang="zh-CN" dirty="0" err="1" smtClean="0"/>
-              <a:t>self.setOutput</a:t>
+              <a:t>self.setParam</a:t>
             </a:r>
             <a:r>
               <a:rPr lang="en-US" altLang="zh-CN" dirty="0" smtClean="0"/>
@@ -3427,7 +3303,7 @@
             </a:r>
             <a:r>
               <a:rPr lang="zh-CN" altLang="en-US" dirty="0" smtClean="0"/>
-              <a:t>输出名</a:t>
+              <a:t>参数名</a:t>
             </a:r>
             <a:r>
               <a:rPr lang="en-US" altLang="zh-CN" dirty="0" smtClean="0"/>
@@ -3435,53 +3311,7 @@
             </a:r>
             <a:r>
               <a:rPr lang="zh-CN" altLang="en-US" dirty="0" smtClean="0"/>
-              <a:t> 输出变量值</a:t>
-            </a:r>
-            <a:r>
-              <a:rPr lang="en-US" altLang="zh-CN" dirty="0" smtClean="0"/>
-              <a:t>)</a:t>
-            </a:r>
-            <a:endParaRPr lang="zh-CN" altLang="en-US" dirty="0"/>
-          </a:p>
-        </p:txBody>
-      </p:sp>
-      <p:sp>
-        <p:nvSpPr>
-          <p:cNvPr id="18" name="文本框 17"/>
-          <p:cNvSpPr txBox="1"/>
-          <p:nvPr/>
-        </p:nvSpPr>
-        <p:spPr>
-          <a:xfrm>
-            <a:off x="5839327" y="5729578"/>
-            <a:ext cx="5686926" cy="369332"/>
-          </a:xfrm>
-          <a:prstGeom prst="rect">
-            <a:avLst/>
-          </a:prstGeom>
-          <a:noFill/>
-        </p:spPr>
-        <p:txBody>
-          <a:bodyPr wrap="square" rtlCol="0">
-            <a:spAutoFit/>
-          </a:bodyPr>
-          <a:lstStyle/>
-          <a:p>
-            <a:r>
-              <a:rPr lang="en-US" altLang="zh-CN" dirty="0" err="1" smtClean="0"/>
-              <a:t>self.setOutputXXX</a:t>
-            </a:r>
-            <a:r>
-              <a:rPr lang="en-US" altLang="zh-CN" dirty="0" smtClean="0"/>
-              <a:t>(</a:t>
-            </a:r>
-            <a:r>
-              <a:rPr lang="zh-CN" altLang="en-US" dirty="0" smtClean="0"/>
-              <a:t>请</a:t>
-            </a:r>
-            <a:r>
-              <a:rPr lang="zh-CN" altLang="en-US" dirty="0"/>
-              <a:t>参见代码注释</a:t>
+              <a:t>参数值</a:t>
             </a:r>
             <a:r>
               <a:rPr lang="en-US" altLang="zh-CN" dirty="0" smtClean="0"/>
@@ -3494,7 +3324,7 @@
     </p:spTree>
     <p:extLst>
       <p:ext uri="{BB962C8B-B14F-4D97-AF65-F5344CB8AC3E}">
-        <p14:creationId xmlns:p14="http://schemas.microsoft.com/office/powerpoint/2010/main" val="917550175"/>
+        <p14:creationId xmlns:p14="http://schemas.microsoft.com/office/powerpoint/2010/main" val="2091719736"/>
       </p:ext>
     </p:extLst>
   </p:cSld>
@@ -3578,80 +3408,57 @@
           <a:lstStyle/>
           <a:p>
             <a:r>
-              <a:rPr lang="zh-CN" altLang="en-US" dirty="0" smtClean="0"/>
-              <a:t>设置上游输入结点个数，默认为</a:t>
-            </a:r>
-            <a:r>
-              <a:rPr lang="en-US" altLang="zh-CN" dirty="0" smtClean="0"/>
-              <a:t>1</a:t>
-            </a:r>
-            <a:r>
-              <a:rPr lang="zh-CN" altLang="en-US" dirty="0" smtClean="0"/>
-              <a:t>（选做</a:t>
-            </a:r>
-            <a:r>
               <a:rPr lang="zh-CN" altLang="en-US" dirty="0"/>
-              <a:t>）</a:t>
-            </a:r>
+              <a:t>读出</a:t>
+            </a:r>
+            <a:r>
+              <a:rPr lang="zh-CN" altLang="en-US" dirty="0" smtClean="0"/>
+              <a:t>调用输入输出参数</a:t>
+            </a:r>
+            <a:r>
+              <a:rPr lang="zh-CN" altLang="en-US" dirty="0"/>
+              <a:t>（必做）</a:t>
+            </a:r>
+            <a:endParaRPr lang="en-US" altLang="zh-CN" dirty="0" smtClean="0"/>
+          </a:p>
+          <a:p>
             <a:endParaRPr lang="en-US" altLang="zh-CN" dirty="0"/>
           </a:p>
           <a:p>
+            <a:r>
+              <a:rPr lang="zh-CN" altLang="en-US" dirty="0" smtClean="0"/>
+              <a:t>填充</a:t>
+            </a:r>
+            <a:r>
+              <a:rPr lang="en-US" altLang="zh-CN" dirty="0" smtClean="0"/>
+              <a:t>inputs</a:t>
+            </a:r>
+            <a:r>
+              <a:rPr lang="zh-CN" altLang="en-US" dirty="0"/>
+              <a:t> （必做）</a:t>
+            </a:r>
             <a:endParaRPr lang="en-US" altLang="zh-CN" dirty="0" smtClean="0"/>
           </a:p>
           <a:p>
-            <a:r>
-              <a:rPr lang="zh-CN" altLang="en-US" dirty="0" smtClean="0"/>
-              <a:t>设置是否有重复单样本操作，</a:t>
+            <a:endParaRPr lang="en-US" altLang="zh-CN" dirty="0" smtClean="0"/>
+          </a:p>
+          <a:p>
+            <a:endParaRPr lang="en-US" altLang="zh-CN" dirty="0"/>
+          </a:p>
+          <a:p>
+            <a:r>
+              <a:rPr lang="zh-CN" altLang="en-US" dirty="0" smtClean="0"/>
+              <a:t>填充</a:t>
+            </a:r>
+            <a:r>
+              <a:rPr lang="en-US" altLang="zh-CN" dirty="0" smtClean="0"/>
+              <a:t>outputs</a:t>
             </a:r>
             <a:r>
               <a:rPr lang="zh-CN" altLang="en-US" dirty="0"/>
-              <a:t>默认</a:t>
-            </a:r>
-            <a:r>
-              <a:rPr lang="zh-CN" altLang="en-US" dirty="0" smtClean="0"/>
-              <a:t>为具有重复操作（选做）</a:t>
+              <a:t> （必做）</a:t>
             </a:r>
             <a:endParaRPr lang="en-US" altLang="zh-CN" dirty="0" smtClean="0"/>
-          </a:p>
-          <a:p>
-            <a:endParaRPr lang="en-US" altLang="zh-CN" dirty="0" smtClean="0"/>
-          </a:p>
-          <a:p>
-            <a:endParaRPr lang="en-US" altLang="zh-CN" dirty="0"/>
-          </a:p>
-          <a:p>
-            <a:r>
-              <a:rPr lang="zh-CN" altLang="en-US" dirty="0" smtClean="0"/>
-              <a:t>设置单样本个数</a:t>
-            </a:r>
-            <a:r>
-              <a:rPr lang="en-US" altLang="zh-CN" dirty="0" smtClean="0"/>
-              <a:t>(</a:t>
-            </a:r>
-            <a:r>
-              <a:rPr lang="zh-CN" altLang="en-US" dirty="0"/>
-              <a:t>未</a:t>
-            </a:r>
-            <a:r>
-              <a:rPr lang="zh-CN" altLang="en-US" dirty="0" smtClean="0"/>
-              <a:t>设置</a:t>
-            </a:r>
-            <a:r>
-              <a:rPr lang="en-US" altLang="zh-CN" dirty="0" smtClean="0"/>
-              <a:t>_</a:t>
-            </a:r>
-            <a:r>
-              <a:rPr lang="en-US" altLang="zh-CN" dirty="0" err="1" smtClean="0"/>
-              <a:t>setMultiRun</a:t>
-            </a:r>
-            <a:r>
-              <a:rPr lang="zh-CN" altLang="en-US" dirty="0" smtClean="0"/>
-              <a:t>时需设置</a:t>
-            </a:r>
-            <a:r>
-              <a:rPr lang="en-US" altLang="zh-CN" dirty="0" smtClean="0"/>
-              <a:t>)</a:t>
-            </a:r>
           </a:p>
           <a:p>
             <a:endParaRPr lang="en-US" altLang="zh-CN" dirty="0"/>
@@ -3681,112 +3488,8 @@
           <a:lstStyle/>
           <a:p>
             <a:r>
-              <a:rPr lang="en-US" altLang="zh-CN" dirty="0" smtClean="0"/>
-              <a:t>self._</a:t>
-            </a:r>
-            <a:r>
               <a:rPr lang="en-US" altLang="zh-CN" dirty="0" err="1" smtClean="0"/>
-              <a:t>setUpstreamSize</a:t>
-            </a:r>
-            <a:r>
-              <a:rPr lang="en-US" altLang="zh-CN" dirty="0" smtClean="0"/>
-              <a:t>(</a:t>
-            </a:r>
-            <a:r>
-              <a:rPr lang="zh-CN" altLang="en-US" dirty="0" smtClean="0"/>
-              <a:t>上游个数</a:t>
-            </a:r>
-            <a:r>
-              <a:rPr lang="en-US" altLang="zh-CN" dirty="0" smtClean="0"/>
-              <a:t>)</a:t>
-            </a:r>
-            <a:endParaRPr lang="zh-CN" altLang="en-US" dirty="0"/>
-          </a:p>
-        </p:txBody>
-      </p:sp>
-      <p:sp>
-        <p:nvSpPr>
-          <p:cNvPr id="11" name="文本框 10"/>
-          <p:cNvSpPr txBox="1"/>
-          <p:nvPr/>
-        </p:nvSpPr>
-        <p:spPr>
-          <a:xfrm>
-            <a:off x="5191855" y="3511252"/>
-            <a:ext cx="5149516" cy="646331"/>
-          </a:xfrm>
-          <a:prstGeom prst="rect">
-            <a:avLst/>
-          </a:prstGeom>
-          <a:noFill/>
-        </p:spPr>
-        <p:txBody>
-          <a:bodyPr wrap="square" rtlCol="0">
-            <a:spAutoFit/>
-          </a:bodyPr>
-          <a:lstStyle/>
-          <a:p>
-            <a:r>
-              <a:rPr lang="zh-CN" altLang="en-US" dirty="0" smtClean="0"/>
-              <a:t>若调用此函数，请实现</a:t>
-            </a:r>
-            <a:r>
-              <a:rPr lang="en-US" altLang="zh-CN" dirty="0" smtClean="0"/>
-              <a:t>_</a:t>
-            </a:r>
-            <a:r>
-              <a:rPr lang="en-US" altLang="zh-CN" dirty="0" err="1" smtClean="0"/>
-              <a:t>multiRun</a:t>
-            </a:r>
-            <a:r>
-              <a:rPr lang="en-US" altLang="zh-CN" dirty="0" smtClean="0"/>
-              <a:t>()</a:t>
-            </a:r>
-            <a:r>
-              <a:rPr lang="zh-CN" altLang="en-US" dirty="0" smtClean="0"/>
-              <a:t>，否则请实现</a:t>
-            </a:r>
-            <a:r>
-              <a:rPr lang="en-US" altLang="zh-CN" dirty="0" smtClean="0"/>
-              <a:t>_</a:t>
-            </a:r>
-            <a:r>
-              <a:rPr lang="en-US" altLang="zh-CN" dirty="0" err="1" smtClean="0"/>
-              <a:t>singleRun</a:t>
-            </a:r>
-            <a:r>
-              <a:rPr lang="en-US" altLang="zh-CN" dirty="0" smtClean="0"/>
-              <a:t>()</a:t>
-            </a:r>
-            <a:endParaRPr lang="zh-CN" altLang="en-US" dirty="0"/>
-          </a:p>
-        </p:txBody>
-      </p:sp>
-      <p:sp>
-        <p:nvSpPr>
-          <p:cNvPr id="17" name="文本框 16"/>
-          <p:cNvSpPr txBox="1"/>
-          <p:nvPr/>
-        </p:nvSpPr>
-        <p:spPr>
-          <a:xfrm>
-            <a:off x="5839327" y="5325202"/>
-            <a:ext cx="5149516" cy="369332"/>
-          </a:xfrm>
-          <a:prstGeom prst="rect">
-            <a:avLst/>
-          </a:prstGeom>
-          <a:noFill/>
-        </p:spPr>
-        <p:txBody>
-          <a:bodyPr wrap="square" rtlCol="0">
-            <a:spAutoFit/>
-          </a:bodyPr>
-          <a:lstStyle/>
-          <a:p>
-            <a:r>
-              <a:rPr lang="en-US" altLang="zh-CN" dirty="0" err="1" smtClean="0"/>
-              <a:t>self.setOutput</a:t>
+              <a:t>self.getParamIO</a:t>
             </a:r>
             <a:r>
               <a:rPr lang="en-US" altLang="zh-CN" dirty="0" smtClean="0"/>
@@ -3794,7 +3497,7 @@
             </a:r>
             <a:r>
               <a:rPr lang="zh-CN" altLang="en-US" dirty="0" smtClean="0"/>
-              <a:t>输出名</a:t>
+              <a:t>输入或输出名</a:t>
             </a:r>
             <a:r>
               <a:rPr lang="en-US" altLang="zh-CN" dirty="0" smtClean="0"/>
@@ -3802,7 +3505,7 @@
             </a:r>
             <a:r>
               <a:rPr lang="zh-CN" altLang="en-US" dirty="0" smtClean="0"/>
-              <a:t> 输出变量值</a:t>
+              <a:t>输入或输出变量值</a:t>
             </a:r>
             <a:r>
               <a:rPr lang="en-US" altLang="zh-CN" dirty="0" smtClean="0"/>
@@ -3814,7 +3517,7 @@
       </p:sp>
       <p:pic>
         <p:nvPicPr>
-          <p:cNvPr id="4" name="图片 3"/>
+          <p:cNvPr id="5" name="图片 4"/>
           <p:cNvPicPr>
             <a:picLocks noChangeAspect="1"/>
           </p:cNvPicPr>
@@ -3828,8 +3531,8 @@
         </p:blipFill>
         <p:spPr>
           <a:xfrm>
-            <a:off x="2181726" y="2262173"/>
-            <a:ext cx="2966013" cy="522423"/>
+            <a:off x="1027430" y="2318830"/>
+            <a:ext cx="4019048" cy="504762"/>
           </a:xfrm>
           <a:prstGeom prst="rect">
             <a:avLst/>
@@ -3838,7 +3541,7 @@
       </p:pic>
       <p:pic>
         <p:nvPicPr>
-          <p:cNvPr id="9" name="图片 8"/>
+          <p:cNvPr id="6" name="图片 5"/>
           <p:cNvPicPr>
             <a:picLocks noChangeAspect="1"/>
           </p:cNvPicPr>
@@ -3852,17 +3555,109 @@
         </p:blipFill>
         <p:spPr>
           <a:xfrm>
-            <a:off x="1683501" y="3520027"/>
-            <a:ext cx="3034457" cy="498519"/>
+            <a:off x="838199" y="3513368"/>
+            <a:ext cx="4888185" cy="451415"/>
           </a:xfrm>
           <a:prstGeom prst="rect">
             <a:avLst/>
           </a:prstGeom>
         </p:spPr>
       </p:pic>
+      <p:sp>
+        <p:nvSpPr>
+          <p:cNvPr id="11" name="文本框 10"/>
+          <p:cNvSpPr txBox="1"/>
+          <p:nvPr/>
+        </p:nvSpPr>
+        <p:spPr>
+          <a:xfrm>
+            <a:off x="5839327" y="3102569"/>
+            <a:ext cx="5149516" cy="369332"/>
+          </a:xfrm>
+          <a:prstGeom prst="rect">
+            <a:avLst/>
+          </a:prstGeom>
+          <a:noFill/>
+        </p:spPr>
+        <p:txBody>
+          <a:bodyPr wrap="square" rtlCol="0">
+            <a:spAutoFit/>
+          </a:bodyPr>
+          <a:lstStyle/>
+          <a:p>
+            <a:r>
+              <a:rPr lang="en-US" altLang="zh-CN" dirty="0" err="1" smtClean="0"/>
+              <a:t>self.setInput</a:t>
+            </a:r>
+            <a:r>
+              <a:rPr lang="en-US" altLang="zh-CN" dirty="0" smtClean="0"/>
+              <a:t>(‘</a:t>
+            </a:r>
+            <a:r>
+              <a:rPr lang="zh-CN" altLang="en-US" dirty="0" smtClean="0"/>
+              <a:t>输入或输出名</a:t>
+            </a:r>
+            <a:r>
+              <a:rPr lang="en-US" altLang="zh-CN" dirty="0" smtClean="0"/>
+              <a:t>’,</a:t>
+            </a:r>
+            <a:r>
+              <a:rPr lang="zh-CN" altLang="en-US" dirty="0" smtClean="0"/>
+              <a:t>输入或输出变量值</a:t>
+            </a:r>
+            <a:r>
+              <a:rPr lang="en-US" altLang="zh-CN" dirty="0" smtClean="0"/>
+              <a:t>)</a:t>
+            </a:r>
+            <a:endParaRPr lang="zh-CN" altLang="en-US" dirty="0"/>
+          </a:p>
+        </p:txBody>
+      </p:sp>
+      <p:sp>
+        <p:nvSpPr>
+          <p:cNvPr id="12" name="文本框 11"/>
+          <p:cNvSpPr txBox="1"/>
+          <p:nvPr/>
+        </p:nvSpPr>
+        <p:spPr>
+          <a:xfrm>
+            <a:off x="5839327" y="3554410"/>
+            <a:ext cx="5149516" cy="369332"/>
+          </a:xfrm>
+          <a:prstGeom prst="rect">
+            <a:avLst/>
+          </a:prstGeom>
+          <a:noFill/>
+        </p:spPr>
+        <p:txBody>
+          <a:bodyPr wrap="square" rtlCol="0">
+            <a:spAutoFit/>
+          </a:bodyPr>
+          <a:lstStyle/>
+          <a:p>
+            <a:r>
+              <a:rPr lang="en-US" altLang="zh-CN" dirty="0" err="1" smtClean="0"/>
+              <a:t>self.setInputXXX</a:t>
+            </a:r>
+            <a:r>
+              <a:rPr lang="en-US" altLang="zh-CN" dirty="0" smtClean="0"/>
+              <a:t>(</a:t>
+            </a:r>
+            <a:r>
+              <a:rPr lang="zh-CN" altLang="en-US" dirty="0" smtClean="0"/>
+              <a:t>请参见代码注释</a:t>
+            </a:r>
+            <a:r>
+              <a:rPr lang="en-US" altLang="zh-CN" dirty="0" smtClean="0"/>
+              <a:t>)</a:t>
+            </a:r>
+            <a:endParaRPr lang="zh-CN" altLang="en-US" dirty="0"/>
+          </a:p>
+        </p:txBody>
+      </p:sp>
       <p:pic>
         <p:nvPicPr>
-          <p:cNvPr id="10" name="图片 9"/>
+          <p:cNvPr id="7" name="图片 6"/>
           <p:cNvPicPr>
             <a:picLocks noChangeAspect="1"/>
           </p:cNvPicPr>
@@ -3876,18 +3671,114 @@
         </p:blipFill>
         <p:spPr>
           <a:xfrm>
-            <a:off x="1337068" y="4826277"/>
-            <a:ext cx="8268342" cy="825247"/>
+            <a:off x="838199" y="4942951"/>
+            <a:ext cx="7950017" cy="415112"/>
           </a:xfrm>
           <a:prstGeom prst="rect">
             <a:avLst/>
           </a:prstGeom>
         </p:spPr>
       </p:pic>
+      <p:sp>
+        <p:nvSpPr>
+          <p:cNvPr id="17" name="文本框 16"/>
+          <p:cNvSpPr txBox="1"/>
+          <p:nvPr/>
+        </p:nvSpPr>
+        <p:spPr>
+          <a:xfrm>
+            <a:off x="5839327" y="5325202"/>
+            <a:ext cx="5149516" cy="369332"/>
+          </a:xfrm>
+          <a:prstGeom prst="rect">
+            <a:avLst/>
+          </a:prstGeom>
+          <a:noFill/>
+        </p:spPr>
+        <p:txBody>
+          <a:bodyPr wrap="square" rtlCol="0">
+            <a:spAutoFit/>
+          </a:bodyPr>
+          <a:lstStyle/>
+          <a:p>
+            <a:r>
+              <a:rPr lang="en-US" altLang="zh-CN" dirty="0" err="1" smtClean="0"/>
+              <a:t>self.setOutput</a:t>
+            </a:r>
+            <a:r>
+              <a:rPr lang="en-US" altLang="zh-CN" dirty="0" smtClean="0"/>
+              <a:t>(‘</a:t>
+            </a:r>
+            <a:r>
+              <a:rPr lang="zh-CN" altLang="en-US" dirty="0" smtClean="0"/>
+              <a:t>输出名</a:t>
+            </a:r>
+            <a:r>
+              <a:rPr lang="en-US" altLang="zh-CN" dirty="0" smtClean="0"/>
+              <a:t>’,</a:t>
+            </a:r>
+            <a:r>
+              <a:rPr lang="zh-CN" altLang="en-US" dirty="0" smtClean="0"/>
+              <a:t> 输出变量值</a:t>
+            </a:r>
+            <a:r>
+              <a:rPr lang="en-US" altLang="zh-CN" dirty="0" smtClean="0"/>
+              <a:t>)</a:t>
+            </a:r>
+            <a:endParaRPr lang="zh-CN" altLang="en-US" dirty="0"/>
+          </a:p>
+        </p:txBody>
+      </p:sp>
+      <p:sp>
+        <p:nvSpPr>
+          <p:cNvPr id="18" name="文本框 17"/>
+          <p:cNvSpPr txBox="1"/>
+          <p:nvPr/>
+        </p:nvSpPr>
+        <p:spPr>
+          <a:xfrm>
+            <a:off x="5839327" y="5729578"/>
+            <a:ext cx="5686926" cy="369332"/>
+          </a:xfrm>
+          <a:prstGeom prst="rect">
+            <a:avLst/>
+          </a:prstGeom>
+          <a:noFill/>
+        </p:spPr>
+        <p:txBody>
+          <a:bodyPr wrap="square" rtlCol="0">
+            <a:spAutoFit/>
+          </a:bodyPr>
+          <a:lstStyle/>
+          <a:p>
+            <a:r>
+              <a:rPr lang="en-US" altLang="zh-CN" dirty="0" err="1" smtClean="0"/>
+              <a:t>self.setOutputXXX</a:t>
+            </a:r>
+            <a:r>
+              <a:rPr lang="en-US" altLang="zh-CN" dirty="0" smtClean="0"/>
+              <a:t>(</a:t>
+            </a:r>
+            <a:r>
+              <a:rPr lang="zh-CN" altLang="en-US" dirty="0" smtClean="0"/>
+              <a:t>请</a:t>
+            </a:r>
+            <a:r>
+              <a:rPr lang="zh-CN" altLang="en-US" dirty="0"/>
+              <a:t>参见代码注释</a:t>
+            </a:r>
+            <a:r>
+              <a:rPr lang="en-US" altLang="zh-CN" dirty="0" smtClean="0"/>
+              <a:t>)</a:t>
+            </a:r>
+            <a:endParaRPr lang="zh-CN" altLang="en-US" dirty="0"/>
+          </a:p>
+        </p:txBody>
+      </p:sp>
     </p:spTree>
     <p:extLst>
       <p:ext uri="{BB962C8B-B14F-4D97-AF65-F5344CB8AC3E}">
-        <p14:creationId xmlns:p14="http://schemas.microsoft.com/office/powerpoint/2010/main" val="2928433981"/>
+        <p14:creationId xmlns:p14="http://schemas.microsoft.com/office/powerpoint/2010/main" val="917550175"/>
       </p:ext>
     </p:extLst>
   </p:cSld>
@@ -3939,15 +3830,15 @@
             </a:r>
             <a:r>
               <a:rPr lang="en-US" altLang="zh-CN" dirty="0" smtClean="0"/>
-              <a:t>4</a:t>
-            </a:r>
-            <a:r>
-              <a:rPr lang="zh-CN" altLang="en-US" dirty="0" smtClean="0"/>
-              <a:t>：实现上游传参</a:t>
-            </a:r>
-            <a:r>
-              <a:rPr lang="en-US" altLang="zh-CN" dirty="0" smtClean="0"/>
-              <a:t>call</a:t>
+              <a:t>3</a:t>
+            </a:r>
+            <a:r>
+              <a:rPr lang="zh-CN" altLang="en-US" dirty="0" smtClean="0"/>
+              <a:t>：实现输入输出初始化</a:t>
+            </a:r>
+            <a:r>
+              <a:rPr lang="en-US" altLang="zh-CN" dirty="0" err="1"/>
+              <a:t>impInitIO</a:t>
             </a:r>
             <a:endParaRPr lang="zh-CN" altLang="en-US" dirty="0"/>
           </a:p>
@@ -3972,7 +3863,19 @@
           <a:p>
             <a:r>
               <a:rPr lang="zh-CN" altLang="en-US" dirty="0" smtClean="0"/>
-              <a:t>根据上游的情况进行传参</a:t>
+              <a:t>设置上游输入结点个数，默认为</a:t>
+            </a:r>
+            <a:r>
+              <a:rPr lang="en-US" altLang="zh-CN" dirty="0" smtClean="0"/>
+              <a:t>1</a:t>
+            </a:r>
+            <a:r>
+              <a:rPr lang="zh-CN" altLang="en-US" dirty="0" smtClean="0"/>
+              <a:t>（选做</a:t>
+            </a:r>
+            <a:r>
+              <a:rPr lang="zh-CN" altLang="en-US" dirty="0"/>
+              <a:t>）</a:t>
             </a:r>
             <a:endParaRPr lang="en-US" altLang="zh-CN" dirty="0"/>
           </a:p>
@@ -3980,22 +3883,222 @@
             <a:endParaRPr lang="en-US" altLang="zh-CN" dirty="0" smtClean="0"/>
           </a:p>
           <a:p>
+            <a:r>
+              <a:rPr lang="zh-CN" altLang="en-US" dirty="0" smtClean="0"/>
+              <a:t>设置是否有重复单样本操作，</a:t>
+            </a:r>
+            <a:r>
+              <a:rPr lang="zh-CN" altLang="en-US" dirty="0"/>
+              <a:t>默认</a:t>
+            </a:r>
+            <a:r>
+              <a:rPr lang="zh-CN" altLang="en-US" dirty="0" smtClean="0"/>
+              <a:t>为具有重复操作（选做）</a:t>
+            </a:r>
             <a:endParaRPr lang="en-US" altLang="zh-CN" dirty="0" smtClean="0"/>
           </a:p>
           <a:p>
+            <a:endParaRPr lang="en-US" altLang="zh-CN" dirty="0" smtClean="0"/>
+          </a:p>
+          <a:p>
             <a:endParaRPr lang="en-US" altLang="zh-CN" dirty="0"/>
           </a:p>
           <a:p>
-            <a:endParaRPr lang="en-US" altLang="zh-CN" dirty="0" smtClean="0"/>
+            <a:r>
+              <a:rPr lang="zh-CN" altLang="en-US" dirty="0" smtClean="0"/>
+              <a:t>设置单样本个数</a:t>
+            </a:r>
+            <a:r>
+              <a:rPr lang="en-US" altLang="zh-CN" dirty="0" smtClean="0"/>
+              <a:t>(</a:t>
+            </a:r>
+            <a:r>
+              <a:rPr lang="zh-CN" altLang="en-US" dirty="0"/>
+              <a:t>未</a:t>
+            </a:r>
+            <a:r>
+              <a:rPr lang="zh-CN" altLang="en-US" dirty="0" smtClean="0"/>
+              <a:t>设置</a:t>
+            </a:r>
+            <a:r>
+              <a:rPr lang="en-US" altLang="zh-CN" dirty="0" smtClean="0"/>
+              <a:t>_</a:t>
+            </a:r>
+            <a:r>
+              <a:rPr lang="en-US" altLang="zh-CN" dirty="0" err="1" smtClean="0"/>
+              <a:t>setMultiRun</a:t>
+            </a:r>
+            <a:r>
+              <a:rPr lang="zh-CN" altLang="en-US" dirty="0" smtClean="0"/>
+              <a:t>时需设置</a:t>
+            </a:r>
+            <a:r>
+              <a:rPr lang="en-US" altLang="zh-CN" dirty="0" smtClean="0"/>
+              <a:t>)</a:t>
+            </a:r>
           </a:p>
           <a:p>
             <a:endParaRPr lang="en-US" altLang="zh-CN" dirty="0"/>
+          </a:p>
+        </p:txBody>
+      </p:sp>
+      <p:sp>
+        <p:nvSpPr>
+          <p:cNvPr id="15" name="文本框 14"/>
+          <p:cNvSpPr txBox="1"/>
+          <p:nvPr/>
+        </p:nvSpPr>
+        <p:spPr>
+          <a:xfrm>
+            <a:off x="5839327" y="2386545"/>
+            <a:ext cx="5149516" cy="369332"/>
+          </a:xfrm>
+          <a:prstGeom prst="rect">
+            <a:avLst/>
+          </a:prstGeom>
+          <a:noFill/>
+        </p:spPr>
+        <p:txBody>
+          <a:bodyPr wrap="square" rtlCol="0">
+            <a:spAutoFit/>
+          </a:bodyPr>
+          <a:lstStyle/>
+          <a:p>
+            <a:r>
+              <a:rPr lang="en-US" altLang="zh-CN" dirty="0" smtClean="0"/>
+              <a:t>self._</a:t>
+            </a:r>
+            <a:r>
+              <a:rPr lang="en-US" altLang="zh-CN" dirty="0" err="1" smtClean="0"/>
+              <a:t>setUpstreamSize</a:t>
+            </a:r>
+            <a:r>
+              <a:rPr lang="en-US" altLang="zh-CN" dirty="0" smtClean="0"/>
+              <a:t>(</a:t>
+            </a:r>
+            <a:r>
+              <a:rPr lang="zh-CN" altLang="en-US" dirty="0" smtClean="0"/>
+              <a:t>上游个数</a:t>
+            </a:r>
+            <a:r>
+              <a:rPr lang="en-US" altLang="zh-CN" dirty="0" smtClean="0"/>
+              <a:t>)</a:t>
+            </a:r>
+            <a:endParaRPr lang="zh-CN" altLang="en-US" dirty="0"/>
+          </a:p>
+        </p:txBody>
+      </p:sp>
+      <p:sp>
+        <p:nvSpPr>
+          <p:cNvPr id="11" name="文本框 10"/>
+          <p:cNvSpPr txBox="1"/>
+          <p:nvPr/>
+        </p:nvSpPr>
+        <p:spPr>
+          <a:xfrm>
+            <a:off x="5191855" y="3511252"/>
+            <a:ext cx="5149516" cy="646331"/>
+          </a:xfrm>
+          <a:prstGeom prst="rect">
+            <a:avLst/>
+          </a:prstGeom>
+          <a:noFill/>
+        </p:spPr>
+        <p:txBody>
+          <a:bodyPr wrap="square" rtlCol="0">
+            <a:spAutoFit/>
+          </a:bodyPr>
+          <a:lstStyle/>
+          <a:p>
+            <a:r>
+              <a:rPr lang="zh-CN" altLang="en-US" dirty="0" smtClean="0"/>
+              <a:t>若调用此函数，请实现</a:t>
+            </a:r>
+            <a:r>
+              <a:rPr lang="en-US" altLang="zh-CN" dirty="0" smtClean="0"/>
+              <a:t>_</a:t>
+            </a:r>
+            <a:r>
+              <a:rPr lang="en-US" altLang="zh-CN" dirty="0" err="1" smtClean="0"/>
+              <a:t>multiRun</a:t>
+            </a:r>
+            <a:r>
+              <a:rPr lang="en-US" altLang="zh-CN" dirty="0" smtClean="0"/>
+              <a:t>()</a:t>
+            </a:r>
+            <a:r>
+              <a:rPr lang="zh-CN" altLang="en-US" dirty="0" smtClean="0"/>
+              <a:t>，否则请实现</a:t>
+            </a:r>
+            <a:r>
+              <a:rPr lang="en-US" altLang="zh-CN" dirty="0" smtClean="0"/>
+              <a:t>_</a:t>
+            </a:r>
+            <a:r>
+              <a:rPr lang="en-US" altLang="zh-CN" dirty="0" err="1" smtClean="0"/>
+              <a:t>singleRun</a:t>
+            </a:r>
+            <a:r>
+              <a:rPr lang="en-US" altLang="zh-CN" dirty="0" smtClean="0"/>
+              <a:t>()</a:t>
+            </a:r>
+            <a:endParaRPr lang="zh-CN" altLang="en-US" dirty="0"/>
+          </a:p>
+        </p:txBody>
+      </p:sp>
+      <p:sp>
+        <p:nvSpPr>
+          <p:cNvPr id="17" name="文本框 16"/>
+          <p:cNvSpPr txBox="1"/>
+          <p:nvPr/>
+        </p:nvSpPr>
+        <p:spPr>
+          <a:xfrm>
+            <a:off x="5839327" y="5325202"/>
+            <a:ext cx="5149516" cy="369332"/>
+          </a:xfrm>
+          <a:prstGeom prst="rect">
+            <a:avLst/>
+          </a:prstGeom>
+          <a:noFill/>
+        </p:spPr>
+        <p:txBody>
+          <a:bodyPr wrap="square" rtlCol="0">
+            <a:spAutoFit/>
+          </a:bodyPr>
+          <a:lstStyle/>
+          <a:p>
+            <a:r>
+              <a:rPr lang="en-US" altLang="zh-CN" dirty="0" err="1" smtClean="0"/>
+              <a:t>self.setOutput</a:t>
+            </a:r>
+            <a:r>
+              <a:rPr lang="en-US" altLang="zh-CN" dirty="0" smtClean="0"/>
+              <a:t>(‘</a:t>
+            </a:r>
+            <a:r>
+              <a:rPr lang="zh-CN" altLang="en-US" dirty="0" smtClean="0"/>
+              <a:t>输出名</a:t>
+            </a:r>
+            <a:r>
+              <a:rPr lang="en-US" altLang="zh-CN" dirty="0" smtClean="0"/>
+              <a:t>’,</a:t>
+            </a:r>
+            <a:r>
+              <a:rPr lang="zh-CN" altLang="en-US" dirty="0" smtClean="0"/>
+              <a:t> 输出变量值</a:t>
+            </a:r>
+            <a:r>
+              <a:rPr lang="en-US" altLang="zh-CN" dirty="0" smtClean="0"/>
+              <a:t>)</a:t>
+            </a:r>
+            <a:endParaRPr lang="zh-CN" altLang="en-US" dirty="0"/>
           </a:p>
         </p:txBody>
       </p:sp>
       <p:pic>
         <p:nvPicPr>
-          <p:cNvPr id="5" name="图片 4"/>
+          <p:cNvPr id="4" name="图片 3"/>
           <p:cNvPicPr>
             <a:picLocks noChangeAspect="1"/>
           </p:cNvPicPr>
@@ -4009,122 +4112,66 @@
         </p:blipFill>
         <p:spPr>
           <a:xfrm>
-            <a:off x="1300280" y="2322190"/>
-            <a:ext cx="5885714" cy="1523810"/>
+            <a:off x="2181726" y="2262173"/>
+            <a:ext cx="2966013" cy="522423"/>
           </a:xfrm>
           <a:prstGeom prst="rect">
             <a:avLst/>
           </a:prstGeom>
         </p:spPr>
       </p:pic>
-      <p:sp>
-        <p:nvSpPr>
-          <p:cNvPr id="6" name="文本框 5"/>
-          <p:cNvSpPr txBox="1"/>
+      <p:pic>
+        <p:nvPicPr>
+          <p:cNvPr id="9" name="图片 8"/>
+          <p:cNvPicPr>
+            <a:picLocks noChangeAspect="1"/>
+          </p:cNvPicPr>
           <p:nvPr/>
-        </p:nvSpPr>
-        <p:spPr>
-          <a:xfrm>
-            <a:off x="1804737" y="4227095"/>
-            <a:ext cx="2863516" cy="646331"/>
+        </p:nvPicPr>
+        <p:blipFill>
+          <a:blip r:embed="rId3"/>
+          <a:stretch>
+            <a:fillRect/>
+          </a:stretch>
+        </p:blipFill>
+        <p:spPr>
+          <a:xfrm>
+            <a:off x="1683501" y="3520027"/>
+            <a:ext cx="3034457" cy="498519"/>
           </a:xfrm>
           <a:prstGeom prst="rect">
             <a:avLst/>
           </a:prstGeom>
-          <a:noFill/>
-        </p:spPr>
-        <p:txBody>
-          <a:bodyPr wrap="square" rtlCol="0">
-            <a:spAutoFit/>
-          </a:bodyPr>
-          <a:lstStyle/>
-          <a:p>
-            <a:r>
-              <a:rPr lang="en-US" altLang="zh-CN" dirty="0" err="1" smtClean="0"/>
-              <a:t>args</a:t>
-            </a:r>
-            <a:r>
-              <a:rPr lang="en-US" altLang="zh-CN" dirty="0" smtClean="0"/>
-              <a:t>[0]</a:t>
-            </a:r>
-            <a:r>
-              <a:rPr lang="zh-CN" altLang="en-US" dirty="0" smtClean="0"/>
-              <a:t>表示第</a:t>
-            </a:r>
-            <a:r>
-              <a:rPr lang="en-US" altLang="zh-CN" dirty="0" smtClean="0"/>
-              <a:t>0</a:t>
-            </a:r>
-            <a:r>
-              <a:rPr lang="zh-CN" altLang="en-US" dirty="0" smtClean="0"/>
-              <a:t>个上游节点，以此类推</a:t>
-            </a:r>
-            <a:endParaRPr lang="zh-CN" altLang="en-US" dirty="0"/>
-          </a:p>
-        </p:txBody>
-      </p:sp>
-      <p:sp>
-        <p:nvSpPr>
-          <p:cNvPr id="12" name="文本框 11"/>
-          <p:cNvSpPr txBox="1"/>
+        </p:spPr>
+      </p:pic>
+      <p:pic>
+        <p:nvPicPr>
+          <p:cNvPr id="10" name="图片 9"/>
+          <p:cNvPicPr>
+            <a:picLocks noChangeAspect="1"/>
+          </p:cNvPicPr>
           <p:nvPr/>
-        </p:nvSpPr>
-        <p:spPr>
-          <a:xfrm>
-            <a:off x="1860885" y="5072282"/>
-            <a:ext cx="2863516" cy="923330"/>
+        </p:nvPicPr>
+        <p:blipFill>
+          <a:blip r:embed="rId4"/>
+          <a:stretch>
+            <a:fillRect/>
+          </a:stretch>
+        </p:blipFill>
+        <p:spPr>
+          <a:xfrm>
+            <a:off x="1337068" y="4826277"/>
+            <a:ext cx="8268342" cy="825247"/>
           </a:xfrm>
           <a:prstGeom prst="rect">
             <a:avLst/>
           </a:prstGeom>
-          <a:noFill/>
-        </p:spPr>
-        <p:txBody>
-          <a:bodyPr wrap="square" rtlCol="0">
-            <a:spAutoFit/>
-          </a:bodyPr>
-          <a:lstStyle/>
-          <a:p>
-            <a:r>
-              <a:rPr lang="zh-CN" altLang="en-US" dirty="0" smtClean="0"/>
-              <a:t>填充</a:t>
-            </a:r>
-            <a:r>
-              <a:rPr lang="en-US" altLang="zh-CN" dirty="0" err="1" smtClean="0"/>
-              <a:t>ParamIO</a:t>
-            </a:r>
-            <a:r>
-              <a:rPr lang="zh-CN" altLang="en-US" dirty="0" smtClean="0"/>
-              <a:t>必须的</a:t>
-            </a:r>
-            <a:r>
-              <a:rPr lang="en-US" altLang="zh-CN" dirty="0" smtClean="0"/>
-              <a:t>Input</a:t>
-            </a:r>
-            <a:r>
-              <a:rPr lang="zh-CN" altLang="en-US" dirty="0" smtClean="0"/>
-              <a:t>相关参数，注意是从上游的</a:t>
-            </a:r>
-            <a:r>
-              <a:rPr lang="en-US" altLang="zh-CN" dirty="0" smtClean="0"/>
-              <a:t>.</a:t>
-            </a:r>
-            <a:r>
-              <a:rPr lang="en-US" altLang="zh-CN" dirty="0" err="1" smtClean="0"/>
-              <a:t>getOutput</a:t>
-            </a:r>
-            <a:r>
-              <a:rPr lang="zh-CN" altLang="en-US" dirty="0" smtClean="0"/>
-              <a:t>中取出</a:t>
-            </a:r>
-            <a:endParaRPr lang="zh-CN" altLang="en-US" dirty="0"/>
-          </a:p>
-        </p:txBody>
-      </p:sp>
+        </p:spPr>
+      </p:pic>
     </p:spTree>
     <p:extLst>
       <p:ext uri="{BB962C8B-B14F-4D97-AF65-F5344CB8AC3E}">
-        <p14:creationId xmlns:p14="http://schemas.microsoft.com/office/powerpoint/2010/main" val="1380034518"/>
+        <p14:creationId xmlns:p14="http://schemas.microsoft.com/office/powerpoint/2010/main" val="2928433981"/>
       </p:ext>
     </p:extLst>
   </p:cSld>
@@ -4175,28 +4222,16 @@
               <a:t>流程</a:t>
             </a:r>
             <a:r>
-              <a:rPr lang="en-US" altLang="zh-CN" dirty="0"/>
-              <a:t>5</a:t>
-            </a:r>
-            <a:r>
-              <a:rPr lang="zh-CN" altLang="en-US" dirty="0" smtClean="0"/>
-              <a:t>：调用命令行</a:t>
-            </a:r>
-            <a:r>
-              <a:rPr lang="en-US" altLang="zh-CN" dirty="0" smtClean="0"/>
-              <a:t>_</a:t>
-            </a:r>
-            <a:r>
-              <a:rPr lang="en-US" altLang="zh-CN" dirty="0" err="1" smtClean="0"/>
-              <a:t>multiRun</a:t>
-            </a:r>
-            <a:r>
-              <a:rPr lang="en-US" altLang="zh-CN" dirty="0" smtClean="0"/>
-              <a:t>/_</a:t>
-            </a:r>
-            <a:r>
-              <a:rPr lang="en-US" altLang="zh-CN" dirty="0" err="1" smtClean="0"/>
-              <a:t>singleRun</a:t>
+              <a:rPr lang="en-US" altLang="zh-CN" dirty="0" smtClean="0"/>
+              <a:t>4</a:t>
+            </a:r>
+            <a:r>
+              <a:rPr lang="zh-CN" altLang="en-US" dirty="0" smtClean="0"/>
+              <a:t>：实现上游传参</a:t>
+            </a:r>
+            <a:r>
+              <a:rPr lang="en-US" altLang="zh-CN" dirty="0" smtClean="0"/>
+              <a:t>call</a:t>
             </a:r>
             <a:endParaRPr lang="zh-CN" altLang="en-US" dirty="0"/>
           </a:p>
@@ -4221,8 +4256,11 @@
           <a:p>
             <a:r>
               <a:rPr lang="zh-CN" altLang="en-US" dirty="0" smtClean="0"/>
-              <a:t>取出必要的输入和输出参数</a:t>
-            </a:r>
+              <a:t>根据上游的情况进行传参</a:t>
+            </a:r>
+            <a:endParaRPr lang="en-US" altLang="zh-CN" dirty="0"/>
+          </a:p>
+          <a:p>
             <a:endParaRPr lang="en-US" altLang="zh-CN" dirty="0" smtClean="0"/>
           </a:p>
           <a:p>
@@ -4236,94 +4274,12 @@
           </a:p>
           <a:p>
             <a:endParaRPr lang="en-US" altLang="zh-CN" dirty="0"/>
-          </a:p>
-        </p:txBody>
-      </p:sp>
-      <p:sp>
-        <p:nvSpPr>
-          <p:cNvPr id="12" name="文本框 11"/>
-          <p:cNvSpPr txBox="1"/>
-          <p:nvPr/>
-        </p:nvSpPr>
-        <p:spPr>
-          <a:xfrm>
-            <a:off x="1668379" y="4161568"/>
-            <a:ext cx="2863516" cy="1754326"/>
-          </a:xfrm>
-          <a:prstGeom prst="rect">
-            <a:avLst/>
-          </a:prstGeom>
-          <a:noFill/>
-        </p:spPr>
-        <p:txBody>
-          <a:bodyPr wrap="square" rtlCol="0">
-            <a:spAutoFit/>
-          </a:bodyPr>
-          <a:lstStyle/>
-          <a:p>
-            <a:r>
-              <a:rPr lang="zh-CN" altLang="en-US" dirty="0" smtClean="0"/>
-              <a:t>尽可能使用</a:t>
-            </a:r>
-            <a:r>
-              <a:rPr lang="en-US" altLang="zh-CN" dirty="0" err="1" smtClean="0"/>
-              <a:t>getInputXXX</a:t>
-            </a:r>
-            <a:r>
-              <a:rPr lang="zh-CN" altLang="en-US" dirty="0" smtClean="0"/>
-              <a:t>和</a:t>
-            </a:r>
-            <a:r>
-              <a:rPr lang="en-US" altLang="zh-CN" dirty="0" err="1" smtClean="0"/>
-              <a:t>getOutputXXX</a:t>
-            </a:r>
-            <a:r>
-              <a:rPr lang="en-US" altLang="zh-CN" dirty="0" smtClean="0"/>
-              <a:t>,</a:t>
-            </a:r>
-            <a:r>
-              <a:rPr lang="zh-CN" altLang="en-US" dirty="0" smtClean="0"/>
-              <a:t>而不是</a:t>
-            </a:r>
-            <a:r>
-              <a:rPr lang="en-US" altLang="zh-CN" dirty="0" err="1" smtClean="0"/>
-              <a:t>getParamIO</a:t>
-            </a:r>
-            <a:r>
-              <a:rPr lang="zh-CN" altLang="en-US" dirty="0" smtClean="0"/>
-              <a:t>中的参数，若必须使用</a:t>
-            </a:r>
-            <a:r>
-              <a:rPr lang="en-US" altLang="zh-CN" dirty="0" err="1" smtClean="0"/>
-              <a:t>getParamIO</a:t>
-            </a:r>
-            <a:r>
-              <a:rPr lang="zh-CN" altLang="en-US" dirty="0" smtClean="0"/>
-              <a:t>，请在</a:t>
-            </a:r>
-            <a:r>
-              <a:rPr lang="en-US" altLang="zh-CN" dirty="0" err="1" smtClean="0"/>
-              <a:t>impInitIO</a:t>
-            </a:r>
-            <a:r>
-              <a:rPr lang="zh-CN" altLang="en-US" dirty="0" smtClean="0"/>
-              <a:t>中判断为</a:t>
-            </a:r>
-            <a:r>
-              <a:rPr lang="en-US" altLang="zh-CN" dirty="0" smtClean="0"/>
-              <a:t>None</a:t>
-            </a:r>
-            <a:r>
-              <a:rPr lang="zh-CN" altLang="en-US" dirty="0" smtClean="0"/>
-              <a:t>的情况</a:t>
-            </a:r>
-            <a:endParaRPr lang="zh-CN" altLang="en-US" dirty="0"/>
           </a:p>
         </p:txBody>
       </p:sp>
       <p:pic>
         <p:nvPicPr>
-          <p:cNvPr id="4" name="图片 3"/>
+          <p:cNvPr id="5" name="图片 4"/>
           <p:cNvPicPr>
             <a:picLocks noChangeAspect="1"/>
           </p:cNvPicPr>
@@ -4337,18 +4293,122 @@
         </p:blipFill>
         <p:spPr>
           <a:xfrm>
-            <a:off x="1804737" y="2542605"/>
-            <a:ext cx="6784146" cy="1363648"/>
+            <a:off x="1300280" y="2322190"/>
+            <a:ext cx="5885714" cy="1523810"/>
           </a:xfrm>
           <a:prstGeom prst="rect">
             <a:avLst/>
           </a:prstGeom>
         </p:spPr>
       </p:pic>
+      <p:sp>
+        <p:nvSpPr>
+          <p:cNvPr id="6" name="文本框 5"/>
+          <p:cNvSpPr txBox="1"/>
+          <p:nvPr/>
+        </p:nvSpPr>
+        <p:spPr>
+          <a:xfrm>
+            <a:off x="1804737" y="4227095"/>
+            <a:ext cx="2863516" cy="646331"/>
+          </a:xfrm>
+          <a:prstGeom prst="rect">
+            <a:avLst/>
+          </a:prstGeom>
+          <a:noFill/>
+        </p:spPr>
+        <p:txBody>
+          <a:bodyPr wrap="square" rtlCol="0">
+            <a:spAutoFit/>
+          </a:bodyPr>
+          <a:lstStyle/>
+          <a:p>
+            <a:r>
+              <a:rPr lang="en-US" altLang="zh-CN" dirty="0" err="1" smtClean="0"/>
+              <a:t>args</a:t>
+            </a:r>
+            <a:r>
+              <a:rPr lang="en-US" altLang="zh-CN" dirty="0" smtClean="0"/>
+              <a:t>[0]</a:t>
+            </a:r>
+            <a:r>
+              <a:rPr lang="zh-CN" altLang="en-US" dirty="0" smtClean="0"/>
+              <a:t>表示第</a:t>
+            </a:r>
+            <a:r>
+              <a:rPr lang="en-US" altLang="zh-CN" dirty="0" smtClean="0"/>
+              <a:t>0</a:t>
+            </a:r>
+            <a:r>
+              <a:rPr lang="zh-CN" altLang="en-US" dirty="0" smtClean="0"/>
+              <a:t>个上游节点，以此类推</a:t>
+            </a:r>
+            <a:endParaRPr lang="zh-CN" altLang="en-US" dirty="0"/>
+          </a:p>
+        </p:txBody>
+      </p:sp>
+      <p:sp>
+        <p:nvSpPr>
+          <p:cNvPr id="12" name="文本框 11"/>
+          <p:cNvSpPr txBox="1"/>
+          <p:nvPr/>
+        </p:nvSpPr>
+        <p:spPr>
+          <a:xfrm>
+            <a:off x="1860885" y="5072282"/>
+            <a:ext cx="2863516" cy="923330"/>
+          </a:xfrm>
+          <a:prstGeom prst="rect">
+            <a:avLst/>
+          </a:prstGeom>
+          <a:noFill/>
+        </p:spPr>
+        <p:txBody>
+          <a:bodyPr wrap="square" rtlCol="0">
+            <a:spAutoFit/>
+          </a:bodyPr>
+          <a:lstStyle/>
+          <a:p>
+            <a:r>
+              <a:rPr lang="zh-CN" altLang="en-US" dirty="0" smtClean="0"/>
+              <a:t>填充</a:t>
+            </a:r>
+            <a:r>
+              <a:rPr lang="en-US" altLang="zh-CN" dirty="0" err="1" smtClean="0"/>
+              <a:t>ParamIO</a:t>
+            </a:r>
+            <a:r>
+              <a:rPr lang="zh-CN" altLang="en-US" dirty="0" smtClean="0"/>
+              <a:t>必须的</a:t>
+            </a:r>
+            <a:r>
+              <a:rPr lang="en-US" altLang="zh-CN" dirty="0" smtClean="0"/>
+              <a:t>Input</a:t>
+            </a:r>
+            <a:r>
+              <a:rPr lang="zh-CN" altLang="en-US" dirty="0" smtClean="0"/>
+              <a:t>相关参数，注意是从上游的</a:t>
+            </a:r>
+            <a:r>
+              <a:rPr lang="en-US" altLang="zh-CN" dirty="0" smtClean="0"/>
+              <a:t>.</a:t>
+            </a:r>
+            <a:r>
+              <a:rPr lang="en-US" altLang="zh-CN" dirty="0" err="1" smtClean="0"/>
+              <a:t>getOutput</a:t>
+            </a:r>
+            <a:r>
+              <a:rPr lang="zh-CN" altLang="en-US" dirty="0" smtClean="0"/>
+              <a:t>中取出</a:t>
+            </a:r>
+            <a:endParaRPr lang="zh-CN" altLang="en-US" dirty="0"/>
+          </a:p>
+        </p:txBody>
+      </p:sp>
     </p:spTree>
     <p:extLst>
       <p:ext uri="{BB962C8B-B14F-4D97-AF65-F5344CB8AC3E}">
-        <p14:creationId xmlns:p14="http://schemas.microsoft.com/office/powerpoint/2010/main" val="1773500366"/>
+        <p14:creationId xmlns:p14="http://schemas.microsoft.com/office/powerpoint/2010/main" val="1380034518"/>
       </p:ext>
     </p:extLst>
   </p:cSld>
@@ -4572,7 +4632,7 @@
     </p:spTree>
     <p:extLst>
       <p:ext uri="{BB962C8B-B14F-4D97-AF65-F5344CB8AC3E}">
-        <p14:creationId xmlns:p14="http://schemas.microsoft.com/office/powerpoint/2010/main" val="1920172119"/>
+        <p14:creationId xmlns:p14="http://schemas.microsoft.com/office/powerpoint/2010/main" val="1773500366"/>
       </p:ext>
     </p:extLst>
   </p:cSld>
@@ -4616,30 +4676,34 @@
           <a:p>
             <a:r>
               <a:rPr lang="zh-CN" altLang="en-US" dirty="0"/>
-              <a:t>开发流程</a:t>
+              <a:t>开发</a:t>
+            </a:r>
+            <a:r>
+              <a:rPr lang="zh-CN" altLang="en-US" dirty="0" smtClean="0"/>
+              <a:t>流程</a:t>
             </a:r>
             <a:r>
               <a:rPr lang="en-US" altLang="zh-CN" dirty="0"/>
               <a:t>5</a:t>
             </a:r>
             <a:r>
-              <a:rPr lang="zh-CN" altLang="en-US" dirty="0"/>
+              <a:rPr lang="zh-CN" altLang="en-US" dirty="0" smtClean="0"/>
               <a:t>：调用命令行</a:t>
             </a:r>
             <a:r>
-              <a:rPr lang="en-US" altLang="zh-CN" dirty="0"/>
+              <a:rPr lang="en-US" altLang="zh-CN" dirty="0" smtClean="0"/>
               <a:t>_</a:t>
             </a:r>
             <a:r>
-              <a:rPr lang="en-US" altLang="zh-CN" dirty="0" err="1"/>
+              <a:rPr lang="en-US" altLang="zh-CN" dirty="0" err="1" smtClean="0"/>
               <a:t>multiRun</a:t>
             </a:r>
             <a:r>
-              <a:rPr lang="en-US" altLang="zh-CN" dirty="0"/>
+              <a:rPr lang="en-US" altLang="zh-CN" dirty="0" smtClean="0"/>
               <a:t>/_</a:t>
             </a:r>
             <a:r>
-              <a:rPr lang="en-US" altLang="zh-CN" dirty="0" err="1"/>
+              <a:rPr lang="en-US" altLang="zh-CN" dirty="0" err="1" smtClean="0"/>
               <a:t>singleRun</a:t>
             </a:r>
             <a:endParaRPr lang="zh-CN" altLang="en-US" dirty="0"/>
@@ -4658,16 +4722,21 @@
         </p:nvSpPr>
         <p:spPr/>
         <p:txBody>
-          <a:bodyPr/>
-          <a:lstStyle/>
-          <a:p>
-            <a:r>
-              <a:rPr lang="zh-CN" altLang="en-US" dirty="0" smtClean="0"/>
-              <a:t>拼接命令行</a:t>
+          <a:bodyPr>
+            <a:normAutofit/>
+          </a:bodyPr>
+          <a:lstStyle/>
+          <a:p>
+            <a:r>
+              <a:rPr lang="zh-CN" altLang="en-US" dirty="0" smtClean="0"/>
+              <a:t>取出必要的输入和输出参数</a:t>
             </a:r>
             <a:endParaRPr lang="en-US" altLang="zh-CN" dirty="0" smtClean="0"/>
           </a:p>
           <a:p>
+            <a:endParaRPr lang="en-US" altLang="zh-CN" dirty="0" smtClean="0"/>
+          </a:p>
+          <a:p>
             <a:endParaRPr lang="en-US" altLang="zh-CN" dirty="0"/>
           </a:p>
           <a:p>
@@ -4676,20 +4745,86 @@
           <a:p>
             <a:endParaRPr lang="en-US" altLang="zh-CN" dirty="0"/>
           </a:p>
-          <a:p>
-            <a:endParaRPr lang="en-US" altLang="zh-CN" dirty="0" smtClean="0"/>
-          </a:p>
-          <a:p>
-            <a:endParaRPr lang="en-US" altLang="zh-CN" dirty="0"/>
-          </a:p>
-          <a:p>
-            <a:r>
-              <a:rPr lang="zh-CN" altLang="en-US" dirty="0" smtClean="0"/>
-              <a:t>调用命令行</a:t>
-            </a:r>
-            <a:endParaRPr lang="en-US" altLang="zh-CN" dirty="0" smtClean="0"/>
-          </a:p>
-          <a:p>
+        </p:txBody>
+      </p:sp>
+      <p:sp>
+        <p:nvSpPr>
+          <p:cNvPr id="12" name="文本框 11"/>
+          <p:cNvSpPr txBox="1"/>
+          <p:nvPr/>
+        </p:nvSpPr>
+        <p:spPr>
+          <a:xfrm>
+            <a:off x="1668379" y="4161568"/>
+            <a:ext cx="2863516" cy="1754326"/>
+          </a:xfrm>
+          <a:prstGeom prst="rect">
+            <a:avLst/>
+          </a:prstGeom>
+          <a:noFill/>
+        </p:spPr>
+        <p:txBody>
+          <a:bodyPr wrap="square" rtlCol="0">
+            <a:spAutoFit/>
+          </a:bodyPr>
+          <a:lstStyle/>
+          <a:p>
+            <a:r>
+              <a:rPr lang="zh-CN" altLang="en-US" dirty="0" smtClean="0"/>
+              <a:t>尽可能使用</a:t>
+            </a:r>
+            <a:r>
+              <a:rPr lang="en-US" altLang="zh-CN" dirty="0" err="1" smtClean="0"/>
+              <a:t>getInputXXX</a:t>
+            </a:r>
+            <a:r>
+              <a:rPr lang="zh-CN" altLang="en-US" dirty="0" smtClean="0"/>
+              <a:t>和</a:t>
+            </a:r>
+            <a:r>
+              <a:rPr lang="en-US" altLang="zh-CN" dirty="0" err="1" smtClean="0"/>
+              <a:t>getOutputXXX</a:t>
+            </a:r>
+            <a:r>
+              <a:rPr lang="en-US" altLang="zh-CN" dirty="0" smtClean="0"/>
+              <a:t>,</a:t>
+            </a:r>
+            <a:r>
+              <a:rPr lang="zh-CN" altLang="en-US" dirty="0" smtClean="0"/>
+              <a:t>而不是</a:t>
+            </a:r>
+            <a:r>
+              <a:rPr lang="en-US" altLang="zh-CN" dirty="0" err="1" smtClean="0"/>
+              <a:t>getParamIO</a:t>
+            </a:r>
+            <a:r>
+              <a:rPr lang="zh-CN" altLang="en-US" dirty="0" smtClean="0"/>
+              <a:t>中的参数，若必须使用</a:t>
+            </a:r>
+            <a:r>
+              <a:rPr lang="en-US" altLang="zh-CN" dirty="0" err="1" smtClean="0"/>
+              <a:t>getParamIO</a:t>
+            </a:r>
+            <a:r>
+              <a:rPr lang="zh-CN" altLang="en-US" dirty="0" smtClean="0"/>
+              <a:t>，请在</a:t>
+            </a:r>
+            <a:r>
+              <a:rPr lang="en-US" altLang="zh-CN" dirty="0" err="1" smtClean="0"/>
+              <a:t>impInitIO</a:t>
+            </a:r>
+            <a:r>
+              <a:rPr lang="zh-CN" altLang="en-US" dirty="0" smtClean="0"/>
+              <a:t>中判断为</a:t>
+            </a:r>
+            <a:r>
+              <a:rPr lang="en-US" altLang="zh-CN" dirty="0" smtClean="0"/>
+              <a:t>None</a:t>
+            </a:r>
+            <a:r>
+              <a:rPr lang="zh-CN" altLang="en-US" dirty="0" smtClean="0"/>
+              <a:t>的情况</a:t>
+            </a:r>
             <a:endParaRPr lang="zh-CN" altLang="en-US" dirty="0"/>
           </a:p>
         </p:txBody>
@@ -4710,32 +4845,8 @@
         </p:blipFill>
         <p:spPr>
           <a:xfrm>
-            <a:off x="1518312" y="2368109"/>
-            <a:ext cx="5257143" cy="2314286"/>
-          </a:xfrm>
-          <a:prstGeom prst="rect">
-            <a:avLst/>
-          </a:prstGeom>
-        </p:spPr>
-      </p:pic>
-      <p:pic>
-        <p:nvPicPr>
-          <p:cNvPr id="5" name="图片 4"/>
-          <p:cNvPicPr>
-            <a:picLocks noChangeAspect="1"/>
-          </p:cNvPicPr>
-          <p:nvPr/>
-        </p:nvPicPr>
-        <p:blipFill>
-          <a:blip r:embed="rId3"/>
-          <a:stretch>
-            <a:fillRect/>
-          </a:stretch>
-        </p:blipFill>
-        <p:spPr>
-          <a:xfrm>
-            <a:off x="1301706" y="5568630"/>
-            <a:ext cx="7461310" cy="366949"/>
+            <a:off x="1804737" y="2542605"/>
+            <a:ext cx="6784146" cy="1363648"/>
           </a:xfrm>
           <a:prstGeom prst="rect">
             <a:avLst/>
@@ -4745,7 +4856,7 @@
     </p:spTree>
     <p:extLst>
       <p:ext uri="{BB962C8B-B14F-4D97-AF65-F5344CB8AC3E}">
-        <p14:creationId xmlns:p14="http://schemas.microsoft.com/office/powerpoint/2010/main" val="3959848231"/>
+        <p14:creationId xmlns:p14="http://schemas.microsoft.com/office/powerpoint/2010/main" val="1920172119"/>
       </p:ext>
     </p:extLst>
   </p:cSld>
@@ -4789,6 +4900,179 @@
           <a:p>
             <a:r>
               <a:rPr lang="zh-CN" altLang="en-US" dirty="0"/>
+              <a:t>开发流程</a:t>
+            </a:r>
+            <a:r>
+              <a:rPr lang="en-US" altLang="zh-CN" dirty="0"/>
+              <a:t>5</a:t>
+            </a:r>
+            <a:r>
+              <a:rPr lang="zh-CN" altLang="en-US" dirty="0"/>
+              <a:t>：调用命令行</a:t>
+            </a:r>
+            <a:r>
+              <a:rPr lang="en-US" altLang="zh-CN" dirty="0"/>
+              <a:t>_</a:t>
+            </a:r>
+            <a:r>
+              <a:rPr lang="en-US" altLang="zh-CN" dirty="0" err="1"/>
+              <a:t>multiRun</a:t>
+            </a:r>
+            <a:r>
+              <a:rPr lang="en-US" altLang="zh-CN" dirty="0"/>
+              <a:t>/_</a:t>
+            </a:r>
+            <a:r>
+              <a:rPr lang="en-US" altLang="zh-CN" dirty="0" err="1"/>
+              <a:t>singleRun</a:t>
+            </a:r>
+            <a:endParaRPr lang="zh-CN" altLang="en-US" dirty="0"/>
+          </a:p>
+        </p:txBody>
+      </p:sp>
+      <p:sp>
+        <p:nvSpPr>
+          <p:cNvPr id="3" name="内容占位符 2"/>
+          <p:cNvSpPr>
+            <a:spLocks noGrp="1"/>
+          </p:cNvSpPr>
+          <p:nvPr>
+            <p:ph idx="1"/>
+          </p:nvPr>
+        </p:nvSpPr>
+        <p:spPr/>
+        <p:txBody>
+          <a:bodyPr/>
+          <a:lstStyle/>
+          <a:p>
+            <a:r>
+              <a:rPr lang="zh-CN" altLang="en-US" dirty="0" smtClean="0"/>
+              <a:t>拼接命令行</a:t>
+            </a:r>
+            <a:endParaRPr lang="en-US" altLang="zh-CN" dirty="0" smtClean="0"/>
+          </a:p>
+          <a:p>
+            <a:endParaRPr lang="en-US" altLang="zh-CN" dirty="0"/>
+          </a:p>
+          <a:p>
+            <a:endParaRPr lang="en-US" altLang="zh-CN" dirty="0" smtClean="0"/>
+          </a:p>
+          <a:p>
+            <a:endParaRPr lang="en-US" altLang="zh-CN" dirty="0"/>
+          </a:p>
+          <a:p>
+            <a:endParaRPr lang="en-US" altLang="zh-CN" dirty="0" smtClean="0"/>
+          </a:p>
+          <a:p>
+            <a:endParaRPr lang="en-US" altLang="zh-CN" dirty="0"/>
+          </a:p>
+          <a:p>
+            <a:r>
+              <a:rPr lang="zh-CN" altLang="en-US" dirty="0" smtClean="0"/>
+              <a:t>调用命令行</a:t>
+            </a:r>
+            <a:endParaRPr lang="en-US" altLang="zh-CN" dirty="0" smtClean="0"/>
+          </a:p>
+          <a:p>
+            <a:endParaRPr lang="zh-CN" altLang="en-US" dirty="0"/>
+          </a:p>
+        </p:txBody>
+      </p:sp>
+      <p:pic>
+        <p:nvPicPr>
+          <p:cNvPr id="4" name="图片 3"/>
+          <p:cNvPicPr>
+            <a:picLocks noChangeAspect="1"/>
+          </p:cNvPicPr>
+          <p:nvPr/>
+        </p:nvPicPr>
+        <p:blipFill>
+          <a:blip r:embed="rId2"/>
+          <a:stretch>
+            <a:fillRect/>
+          </a:stretch>
+        </p:blipFill>
+        <p:spPr>
+          <a:xfrm>
+            <a:off x="1518312" y="2368109"/>
+            <a:ext cx="5257143" cy="2314286"/>
+          </a:xfrm>
+          <a:prstGeom prst="rect">
+            <a:avLst/>
+          </a:prstGeom>
+        </p:spPr>
+      </p:pic>
+      <p:pic>
+        <p:nvPicPr>
+          <p:cNvPr id="5" name="图片 4"/>
+          <p:cNvPicPr>
+            <a:picLocks noChangeAspect="1"/>
+          </p:cNvPicPr>
+          <p:nvPr/>
+        </p:nvPicPr>
+        <p:blipFill>
+          <a:blip r:embed="rId3"/>
+          <a:stretch>
+            <a:fillRect/>
+          </a:stretch>
+        </p:blipFill>
+        <p:spPr>
+          <a:xfrm>
+            <a:off x="1301706" y="5568630"/>
+            <a:ext cx="7461310" cy="366949"/>
+          </a:xfrm>
+          <a:prstGeom prst="rect">
+            <a:avLst/>
+          </a:prstGeom>
+        </p:spPr>
+      </p:pic>
+    </p:spTree>
+    <p:extLst>
+      <p:ext uri="{BB962C8B-B14F-4D97-AF65-F5344CB8AC3E}">
+        <p14:creationId xmlns:p14="http://schemas.microsoft.com/office/powerpoint/2010/main" val="3959848231"/>
+      </p:ext>
+    </p:extLst>
+  </p:cSld>
+  <p:clrMapOvr>
+    <a:masterClrMapping/>
+  </p:clrMapOvr>
+</p:sld>
+</file>
+
+<file path=ppt/slides/slide17.xml><?xml version="1.0" encoding="utf-8"?>
+<p:sld xmlns:a="http://schemas.openxmlformats.org/drawingml/2006/main" xmlns:r="http://schemas.openxmlformats.org/officeDocument/2006/relationships" xmlns:p="http://schemas.openxmlformats.org/presentationml/2006/main">
+  <p:cSld>
+    <p:spTree>
+      <p:nvGrpSpPr>
+        <p:cNvPr id="1" name=""/>
+        <p:cNvGrpSpPr/>
+        <p:nvPr/>
+      </p:nvGrpSpPr>
+      <p:grpSpPr>
+        <a:xfrm>
+          <a:off x="0" y="0"/>
+          <a:ext cx="0" cy="0"/>
+          <a:chOff x="0" y="0"/>
+          <a:chExt cx="0" cy="0"/>
+        </a:xfrm>
+      </p:grpSpPr>
+      <p:sp>
+        <p:nvSpPr>
+          <p:cNvPr id="2" name="标题 1"/>
+          <p:cNvSpPr>
+            <a:spLocks noGrp="1"/>
+          </p:cNvSpPr>
+          <p:nvPr>
+            <p:ph type="title"/>
+          </p:nvPr>
+        </p:nvSpPr>
+        <p:spPr/>
+        <p:txBody>
+          <a:bodyPr/>
+          <a:lstStyle/>
+          <a:p>
+            <a:r>
+              <a:rPr lang="zh-CN" altLang="en-US" dirty="0"/>
               <a:t>开发</a:t>
             </a:r>
             <a:r>
@@ -4889,6 +5173,193 @@
     <p:extLst>
       <p:ext uri="{BB962C8B-B14F-4D97-AF65-F5344CB8AC3E}">
         <p14:creationId xmlns:p14="http://schemas.microsoft.com/office/powerpoint/2010/main" val="4281264677"/>
+      </p:ext>
+    </p:extLst>
+  </p:cSld>
+  <p:clrMapOvr>
+    <a:masterClrMapping/>
+  </p:clrMapOvr>
+</p:sld>
+</file>
+
+<file path=ppt/slides/slide18.xml><?xml version="1.0" encoding="utf-8"?>
+<p:sld xmlns:a="http://schemas.openxmlformats.org/drawingml/2006/main" xmlns:r="http://schemas.openxmlformats.org/officeDocument/2006/relationships" xmlns:p="http://schemas.openxmlformats.org/presentationml/2006/main">
+  <p:cSld>
+    <p:spTree>
+      <p:nvGrpSpPr>
+        <p:cNvPr id="1" name=""/>
+        <p:cNvGrpSpPr/>
+        <p:nvPr/>
+      </p:nvGrpSpPr>
+      <p:grpSpPr>
+        <a:xfrm>
+          <a:off x="0" y="0"/>
+          <a:ext cx="0" cy="0"/>
+          <a:chOff x="0" y="0"/>
+          <a:chExt cx="0" cy="0"/>
+        </a:xfrm>
+      </p:grpSpPr>
+      <p:sp>
+        <p:nvSpPr>
+          <p:cNvPr id="2" name="标题 1"/>
+          <p:cNvSpPr>
+            <a:spLocks noGrp="1"/>
+          </p:cNvSpPr>
+          <p:nvPr>
+            <p:ph type="title"/>
+          </p:nvPr>
+        </p:nvSpPr>
+        <p:spPr>
+          <a:xfrm>
+            <a:off x="838200" y="2594978"/>
+            <a:ext cx="10515600" cy="1325563"/>
+          </a:xfrm>
+        </p:spPr>
+        <p:txBody>
+          <a:bodyPr/>
+          <a:lstStyle/>
+          <a:p>
+            <a:pPr algn="ctr"/>
+            <a:r>
+              <a:rPr lang="zh-CN" altLang="en-US" dirty="0" smtClean="0"/>
+              <a:t>第二部分，流程封装</a:t>
+            </a:r>
+            <a:endParaRPr lang="zh-CN" altLang="en-US" dirty="0"/>
+          </a:p>
+        </p:txBody>
+      </p:sp>
+    </p:spTree>
+    <p:extLst>
+      <p:ext uri="{BB962C8B-B14F-4D97-AF65-F5344CB8AC3E}">
+        <p14:creationId xmlns:p14="http://schemas.microsoft.com/office/powerpoint/2010/main" val="3622504137"/>
+      </p:ext>
+    </p:extLst>
+  </p:cSld>
+  <p:clrMapOvr>
+    <a:masterClrMapping/>
+  </p:clrMapOvr>
+</p:sld>
+</file>
+
+<file path=ppt/slides/slide19.xml><?xml version="1.0" encoding="utf-8"?>
+<p:sld xmlns:a="http://schemas.openxmlformats.org/drawingml/2006/main" xmlns:r="http://schemas.openxmlformats.org/officeDocument/2006/relationships" xmlns:p="http://schemas.openxmlformats.org/presentationml/2006/main">
+  <p:cSld>
+    <p:spTree>
+      <p:nvGrpSpPr>
+        <p:cNvPr id="1" name=""/>
+        <p:cNvGrpSpPr/>
+        <p:nvPr/>
+      </p:nvGrpSpPr>
+      <p:grpSpPr>
+        <a:xfrm>
+          <a:off x="0" y="0"/>
+          <a:ext cx="0" cy="0"/>
+          <a:chOff x="0" y="0"/>
+          <a:chExt cx="0" cy="0"/>
+        </a:xfrm>
+      </p:grpSpPr>
+      <p:sp>
+        <p:nvSpPr>
+          <p:cNvPr id="2" name="标题 1"/>
+          <p:cNvSpPr>
+            <a:spLocks noGrp="1"/>
+          </p:cNvSpPr>
+          <p:nvPr>
+            <p:ph type="title"/>
+          </p:nvPr>
+        </p:nvSpPr>
+        <p:spPr/>
+        <p:txBody>
+          <a:bodyPr/>
+          <a:lstStyle/>
+          <a:p>
+            <a:r>
+              <a:rPr lang="zh-CN" altLang="en-US" dirty="0" smtClean="0"/>
+              <a:t>开发流程</a:t>
+            </a:r>
+            <a:r>
+              <a:rPr lang="en-US" altLang="zh-CN" dirty="0" smtClean="0"/>
+              <a:t>1</a:t>
+            </a:r>
+            <a:r>
+              <a:rPr lang="zh-CN" altLang="en-US" dirty="0" smtClean="0"/>
+              <a:t>：</a:t>
+            </a:r>
+            <a:r>
+              <a:rPr lang="zh-CN" altLang="en-US" dirty="0"/>
+              <a:t>定义</a:t>
+            </a:r>
+            <a:r>
+              <a:rPr lang="zh-CN" altLang="en-US" dirty="0" smtClean="0"/>
+              <a:t>类</a:t>
+            </a:r>
+            <a:endParaRPr lang="zh-CN" altLang="en-US" dirty="0"/>
+          </a:p>
+        </p:txBody>
+      </p:sp>
+      <p:sp>
+        <p:nvSpPr>
+          <p:cNvPr id="3" name="内容占位符 2"/>
+          <p:cNvSpPr>
+            <a:spLocks noGrp="1"/>
+          </p:cNvSpPr>
+          <p:nvPr>
+            <p:ph idx="1"/>
+          </p:nvPr>
+        </p:nvSpPr>
+        <p:spPr/>
+        <p:txBody>
+          <a:bodyPr/>
+          <a:lstStyle/>
+          <a:p>
+            <a:r>
+              <a:rPr lang="zh-CN" altLang="en-US" dirty="0" smtClean="0"/>
+              <a:t>继承</a:t>
+            </a:r>
+            <a:r>
+              <a:rPr lang="zh-CN" altLang="en-US" dirty="0" smtClean="0"/>
+              <a:t>自</a:t>
+            </a:r>
+            <a:r>
+              <a:rPr lang="en-US" altLang="zh-CN" dirty="0" smtClean="0"/>
+              <a:t>Flow</a:t>
+            </a:r>
+            <a:r>
+              <a:rPr lang="zh-CN" altLang="en-US" dirty="0" smtClean="0"/>
+              <a:t>类</a:t>
+            </a:r>
+            <a:endParaRPr lang="en-US" altLang="zh-CN" dirty="0" smtClean="0"/>
+          </a:p>
+          <a:p>
+            <a:pPr marL="0" indent="0">
+              <a:buNone/>
+            </a:pPr>
+            <a:endParaRPr lang="en-US" altLang="zh-CN" dirty="0"/>
+          </a:p>
+          <a:p>
+            <a:pPr marL="0" indent="0">
+              <a:buNone/>
+            </a:pPr>
+            <a:r>
+              <a:rPr lang="en-US" altLang="zh-CN" dirty="0"/>
+              <a:t>class </a:t>
+            </a:r>
+            <a:r>
+              <a:rPr lang="en-US" altLang="zh-CN" dirty="0" err="1" smtClean="0"/>
+              <a:t>FlowExample</a:t>
+            </a:r>
+            <a:r>
+              <a:rPr lang="en-US" altLang="zh-CN" dirty="0" smtClean="0"/>
+              <a:t>(Flow):</a:t>
+            </a:r>
+            <a:endParaRPr lang="zh-CN" altLang="en-US" dirty="0"/>
+          </a:p>
+        </p:txBody>
+      </p:sp>
+    </p:spTree>
+    <p:extLst>
+      <p:ext uri="{BB962C8B-B14F-4D97-AF65-F5344CB8AC3E}">
+        <p14:creationId xmlns:p14="http://schemas.microsoft.com/office/powerpoint/2010/main" val="3280709019"/>
       </p:ext>
     </p:extLst>
   </p:cSld>
@@ -4925,83 +5396,20 @@
             <p:ph type="title"/>
           </p:nvPr>
         </p:nvSpPr>
-        <p:spPr/>
+        <p:spPr>
+          <a:xfrm>
+            <a:off x="838200" y="2594978"/>
+            <a:ext cx="10515600" cy="1325563"/>
+          </a:xfrm>
+        </p:spPr>
         <p:txBody>
           <a:bodyPr/>
           <a:lstStyle/>
           <a:p>
-            <a:endParaRPr lang="zh-CN" altLang="en-US"/>
-          </a:p>
-        </p:txBody>
-      </p:sp>
-      <p:sp>
-        <p:nvSpPr>
-          <p:cNvPr id="3" name="内容占位符 2"/>
-          <p:cNvSpPr>
-            <a:spLocks noGrp="1"/>
-          </p:cNvSpPr>
-          <p:nvPr>
-            <p:ph idx="1"/>
-          </p:nvPr>
-        </p:nvSpPr>
-        <p:spPr/>
-        <p:txBody>
-          <a:bodyPr/>
-          <a:lstStyle/>
-          <a:p>
-            <a:r>
-              <a:rPr lang="zh-CN" altLang="en-US" dirty="0" smtClean="0"/>
-              <a:t>默认在</a:t>
-            </a:r>
-            <a:r>
-              <a:rPr lang="en-US" altLang="zh-CN" dirty="0" err="1" smtClean="0"/>
-              <a:t>docker</a:t>
-            </a:r>
-            <a:r>
-              <a:rPr lang="zh-CN" altLang="en-US" dirty="0" smtClean="0"/>
-              <a:t>下运行</a:t>
-            </a:r>
-            <a:endParaRPr lang="en-US" altLang="zh-CN" dirty="0" smtClean="0"/>
-          </a:p>
-          <a:p>
-            <a:r>
-              <a:rPr lang="en-US" altLang="zh-CN" dirty="0" err="1" smtClean="0"/>
-              <a:t>Configure.setIdentity</a:t>
-            </a:r>
-            <a:r>
-              <a:rPr lang="en-US" altLang="zh-CN" dirty="0" smtClean="0"/>
-              <a:t>('</a:t>
-            </a:r>
-            <a:r>
-              <a:rPr lang="en-US" altLang="zh-CN" dirty="0" err="1" smtClean="0"/>
-              <a:t>zwei</a:t>
-            </a:r>
-            <a:r>
-              <a:rPr lang="en-US" altLang="zh-CN" dirty="0" smtClean="0"/>
-              <a:t>')</a:t>
-            </a:r>
-          </a:p>
-          <a:p>
-            <a:endParaRPr lang="en-US" altLang="zh-CN" dirty="0"/>
-          </a:p>
-          <a:p>
-            <a:endParaRPr lang="en-US" altLang="zh-CN" dirty="0" smtClean="0"/>
-          </a:p>
-          <a:p>
-            <a:r>
-              <a:rPr lang="zh-CN" altLang="en-US" dirty="0" smtClean="0"/>
-              <a:t>调试的时候</a:t>
-            </a:r>
-            <a:endParaRPr lang="en-US" altLang="zh-CN" dirty="0" smtClean="0"/>
-          </a:p>
-          <a:p>
-            <a:r>
-              <a:rPr lang="en-US" altLang="zh-CN" dirty="0" err="1" smtClean="0"/>
-              <a:t>Configure.enableDocker</a:t>
-            </a:r>
-            <a:r>
-              <a:rPr lang="en-US" altLang="zh-CN" dirty="0" smtClean="0"/>
-              <a:t>(False)</a:t>
+            <a:pPr algn="ctr"/>
+            <a:r>
+              <a:rPr lang="zh-CN" altLang="en-US" dirty="0" smtClean="0"/>
+              <a:t>第一部分，基本节点的开发</a:t>
             </a:r>
             <a:endParaRPr lang="zh-CN" altLang="en-US" dirty="0"/>
           </a:p>
@@ -5010,7 +5418,1488 @@
     </p:spTree>
     <p:extLst>
       <p:ext uri="{BB962C8B-B14F-4D97-AF65-F5344CB8AC3E}">
-        <p14:creationId xmlns:p14="http://schemas.microsoft.com/office/powerpoint/2010/main" val="1912355563"/>
+        <p14:creationId xmlns:p14="http://schemas.microsoft.com/office/powerpoint/2010/main" val="1223441203"/>
+      </p:ext>
+    </p:extLst>
+  </p:cSld>
+  <p:clrMapOvr>
+    <a:masterClrMapping/>
+  </p:clrMapOvr>
+</p:sld>
+</file>
+
+<file path=ppt/slides/slide20.xml><?xml version="1.0" encoding="utf-8"?>
+<p:sld xmlns:a="http://schemas.openxmlformats.org/drawingml/2006/main" xmlns:r="http://schemas.openxmlformats.org/officeDocument/2006/relationships" xmlns:p="http://schemas.openxmlformats.org/presentationml/2006/main">
+  <p:cSld>
+    <p:spTree>
+      <p:nvGrpSpPr>
+        <p:cNvPr id="1" name=""/>
+        <p:cNvGrpSpPr/>
+        <p:nvPr/>
+      </p:nvGrpSpPr>
+      <p:grpSpPr>
+        <a:xfrm>
+          <a:off x="0" y="0"/>
+          <a:ext cx="0" cy="0"/>
+          <a:chOff x="0" y="0"/>
+          <a:chExt cx="0" cy="0"/>
+        </a:xfrm>
+      </p:grpSpPr>
+      <p:pic>
+        <p:nvPicPr>
+          <p:cNvPr id="15" name="图片 14"/>
+          <p:cNvPicPr>
+            <a:picLocks noChangeAspect="1"/>
+          </p:cNvPicPr>
+          <p:nvPr/>
+        </p:nvPicPr>
+        <p:blipFill>
+          <a:blip r:embed="rId2"/>
+          <a:stretch>
+            <a:fillRect/>
+          </a:stretch>
+        </p:blipFill>
+        <p:spPr>
+          <a:xfrm>
+            <a:off x="1297470" y="2471817"/>
+            <a:ext cx="7454619" cy="3463762"/>
+          </a:xfrm>
+          <a:prstGeom prst="rect">
+            <a:avLst/>
+          </a:prstGeom>
+        </p:spPr>
+      </p:pic>
+      <p:sp>
+        <p:nvSpPr>
+          <p:cNvPr id="2" name="标题 1"/>
+          <p:cNvSpPr>
+            <a:spLocks noGrp="1"/>
+          </p:cNvSpPr>
+          <p:nvPr>
+            <p:ph type="title"/>
+          </p:nvPr>
+        </p:nvSpPr>
+        <p:spPr/>
+        <p:txBody>
+          <a:bodyPr/>
+          <a:lstStyle/>
+          <a:p>
+            <a:r>
+              <a:rPr lang="zh-CN" altLang="en-US" dirty="0"/>
+              <a:t>开发</a:t>
+            </a:r>
+            <a:r>
+              <a:rPr lang="zh-CN" altLang="en-US" dirty="0" smtClean="0"/>
+              <a:t>流程</a:t>
+            </a:r>
+            <a:r>
+              <a:rPr lang="en-US" altLang="zh-CN" dirty="0" smtClean="0"/>
+              <a:t>2</a:t>
+            </a:r>
+            <a:r>
+              <a:rPr lang="zh-CN" altLang="en-US" dirty="0" smtClean="0"/>
+              <a:t>：定义和实现构造函数</a:t>
+            </a:r>
+            <a:r>
+              <a:rPr lang="en-US" altLang="zh-CN" dirty="0" smtClean="0"/>
+              <a:t> </a:t>
+            </a:r>
+            <a:endParaRPr lang="zh-CN" altLang="en-US" dirty="0"/>
+          </a:p>
+        </p:txBody>
+      </p:sp>
+      <p:sp>
+        <p:nvSpPr>
+          <p:cNvPr id="3" name="内容占位符 2"/>
+          <p:cNvSpPr>
+            <a:spLocks noGrp="1"/>
+          </p:cNvSpPr>
+          <p:nvPr>
+            <p:ph idx="1"/>
+          </p:nvPr>
+        </p:nvSpPr>
+        <p:spPr>
+          <a:xfrm>
+            <a:off x="838200" y="1825625"/>
+            <a:ext cx="10515600" cy="836487"/>
+          </a:xfrm>
+        </p:spPr>
+        <p:txBody>
+          <a:bodyPr/>
+          <a:lstStyle/>
+          <a:p>
+            <a:r>
+              <a:rPr lang="zh-CN" altLang="en-US" dirty="0" smtClean="0"/>
+              <a:t>定义参数，调用父类构造函数</a:t>
+            </a:r>
+            <a:r>
+              <a:rPr lang="zh-CN" altLang="en-US" dirty="0"/>
+              <a:t>（必做）</a:t>
+            </a:r>
+          </a:p>
+        </p:txBody>
+      </p:sp>
+      <p:sp>
+        <p:nvSpPr>
+          <p:cNvPr id="5" name="矩形 4"/>
+          <p:cNvSpPr/>
+          <p:nvPr/>
+        </p:nvSpPr>
+        <p:spPr>
+          <a:xfrm>
+            <a:off x="3288631" y="3023938"/>
+            <a:ext cx="1556085" cy="430822"/>
+          </a:xfrm>
+          <a:prstGeom prst="rect">
+            <a:avLst/>
+          </a:prstGeom>
+          <a:noFill/>
+          <a:ln w="28575">
+            <a:solidFill>
+              <a:srgbClr val="FF0000"/>
+            </a:solidFill>
+          </a:ln>
+        </p:spPr>
+        <p:style>
+          <a:lnRef idx="2">
+            <a:schemeClr val="accent1">
+              <a:shade val="50000"/>
+            </a:schemeClr>
+          </a:lnRef>
+          <a:fillRef idx="1">
+            <a:schemeClr val="accent1"/>
+          </a:fillRef>
+          <a:effectRef idx="0">
+            <a:schemeClr val="accent1"/>
+          </a:effectRef>
+          <a:fontRef idx="minor">
+            <a:schemeClr val="lt1"/>
+          </a:fontRef>
+        </p:style>
+        <p:txBody>
+          <a:bodyPr rtlCol="0" anchor="ctr"/>
+          <a:lstStyle/>
+          <a:p>
+            <a:pPr algn="ctr"/>
+            <a:endParaRPr lang="zh-CN" altLang="en-US"/>
+          </a:p>
+        </p:txBody>
+      </p:sp>
+      <p:sp>
+        <p:nvSpPr>
+          <p:cNvPr id="6" name="矩形 5"/>
+          <p:cNvSpPr/>
+          <p:nvPr/>
+        </p:nvSpPr>
+        <p:spPr>
+          <a:xfrm>
+            <a:off x="3280607" y="3457075"/>
+            <a:ext cx="2638926" cy="916872"/>
+          </a:xfrm>
+          <a:prstGeom prst="rect">
+            <a:avLst/>
+          </a:prstGeom>
+          <a:noFill/>
+          <a:ln w="28575">
+            <a:solidFill>
+              <a:srgbClr val="FF0000"/>
+            </a:solidFill>
+          </a:ln>
+        </p:spPr>
+        <p:style>
+          <a:lnRef idx="2">
+            <a:schemeClr val="accent1">
+              <a:shade val="50000"/>
+            </a:schemeClr>
+          </a:lnRef>
+          <a:fillRef idx="1">
+            <a:schemeClr val="accent1"/>
+          </a:fillRef>
+          <a:effectRef idx="0">
+            <a:schemeClr val="accent1"/>
+          </a:effectRef>
+          <a:fontRef idx="minor">
+            <a:schemeClr val="lt1"/>
+          </a:fontRef>
+        </p:style>
+        <p:txBody>
+          <a:bodyPr rtlCol="0" anchor="ctr"/>
+          <a:lstStyle/>
+          <a:p>
+            <a:pPr algn="ctr"/>
+            <a:endParaRPr lang="zh-CN" altLang="en-US"/>
+          </a:p>
+        </p:txBody>
+      </p:sp>
+      <p:sp>
+        <p:nvSpPr>
+          <p:cNvPr id="7" name="矩形 6"/>
+          <p:cNvSpPr/>
+          <p:nvPr/>
+        </p:nvSpPr>
+        <p:spPr>
+          <a:xfrm>
+            <a:off x="2654969" y="4360031"/>
+            <a:ext cx="2638926" cy="668290"/>
+          </a:xfrm>
+          <a:prstGeom prst="rect">
+            <a:avLst/>
+          </a:prstGeom>
+          <a:noFill/>
+          <a:ln w="28575">
+            <a:solidFill>
+              <a:srgbClr val="FF0000"/>
+            </a:solidFill>
+          </a:ln>
+        </p:spPr>
+        <p:style>
+          <a:lnRef idx="2">
+            <a:schemeClr val="accent1">
+              <a:shade val="50000"/>
+            </a:schemeClr>
+          </a:lnRef>
+          <a:fillRef idx="1">
+            <a:schemeClr val="accent1"/>
+          </a:fillRef>
+          <a:effectRef idx="0">
+            <a:schemeClr val="accent1"/>
+          </a:effectRef>
+          <a:fontRef idx="minor">
+            <a:schemeClr val="lt1"/>
+          </a:fontRef>
+        </p:style>
+        <p:txBody>
+          <a:bodyPr rtlCol="0" anchor="ctr"/>
+          <a:lstStyle/>
+          <a:p>
+            <a:pPr algn="ctr"/>
+            <a:endParaRPr lang="zh-CN" altLang="en-US"/>
+          </a:p>
+        </p:txBody>
+      </p:sp>
+      <p:sp>
+        <p:nvSpPr>
+          <p:cNvPr id="9" name="文本框 8"/>
+          <p:cNvSpPr txBox="1"/>
+          <p:nvPr/>
+        </p:nvSpPr>
+        <p:spPr>
+          <a:xfrm>
+            <a:off x="4965944" y="2960672"/>
+            <a:ext cx="1957136" cy="376989"/>
+          </a:xfrm>
+          <a:prstGeom prst="rect">
+            <a:avLst/>
+          </a:prstGeom>
+          <a:noFill/>
+        </p:spPr>
+        <p:txBody>
+          <a:bodyPr wrap="square" rtlCol="0">
+            <a:spAutoFit/>
+          </a:bodyPr>
+          <a:lstStyle/>
+          <a:p>
+            <a:r>
+              <a:rPr lang="zh-CN" altLang="en-US" dirty="0" smtClean="0"/>
+              <a:t>输入变量</a:t>
+            </a:r>
+            <a:endParaRPr lang="zh-CN" altLang="en-US" dirty="0"/>
+          </a:p>
+        </p:txBody>
+      </p:sp>
+      <p:sp>
+        <p:nvSpPr>
+          <p:cNvPr id="10" name="文本框 9"/>
+          <p:cNvSpPr txBox="1"/>
+          <p:nvPr/>
+        </p:nvSpPr>
+        <p:spPr>
+          <a:xfrm>
+            <a:off x="5852128" y="3400083"/>
+            <a:ext cx="5799921" cy="923330"/>
+          </a:xfrm>
+          <a:prstGeom prst="rect">
+            <a:avLst/>
+          </a:prstGeom>
+          <a:noFill/>
+        </p:spPr>
+        <p:txBody>
+          <a:bodyPr wrap="square" rtlCol="0">
+            <a:spAutoFit/>
+          </a:bodyPr>
+          <a:lstStyle/>
+          <a:p>
+            <a:r>
+              <a:rPr lang="zh-CN" altLang="en-US" dirty="0" smtClean="0"/>
+              <a:t>仅仅</a:t>
+            </a:r>
+            <a:r>
+              <a:rPr lang="en-US" altLang="zh-CN" dirty="0" err="1" smtClean="0"/>
+              <a:t>resultDir</a:t>
+            </a:r>
+            <a:r>
+              <a:rPr lang="zh-CN" altLang="en-US" dirty="0" smtClean="0"/>
+              <a:t>为必须</a:t>
+            </a:r>
+            <a:endParaRPr lang="en-US" altLang="zh-CN" dirty="0" smtClean="0"/>
+          </a:p>
+          <a:p>
+            <a:r>
+              <a:rPr lang="zh-CN" altLang="en-US" dirty="0" smtClean="0"/>
+              <a:t>配置变量，根据情况设置，如果</a:t>
+            </a:r>
+            <a:r>
+              <a:rPr lang="en-US" altLang="zh-CN" dirty="0" smtClean="0"/>
+              <a:t>pipeline</a:t>
+            </a:r>
+            <a:r>
+              <a:rPr lang="zh-CN" altLang="en-US" dirty="0" smtClean="0"/>
+              <a:t>里面没有涉及，直接在下面的父类</a:t>
+            </a:r>
+            <a:r>
+              <a:rPr lang="en-US" altLang="zh-CN" dirty="0" smtClean="0"/>
+              <a:t>__</a:t>
+            </a:r>
+            <a:r>
+              <a:rPr lang="en-US" altLang="zh-CN" dirty="0" err="1" smtClean="0"/>
+              <a:t>init</a:t>
+            </a:r>
+            <a:r>
+              <a:rPr lang="en-US" altLang="zh-CN" dirty="0" smtClean="0"/>
+              <a:t>__</a:t>
+            </a:r>
+            <a:r>
+              <a:rPr lang="zh-CN" altLang="en-US" dirty="0" smtClean="0"/>
+              <a:t>填</a:t>
+            </a:r>
+            <a:r>
+              <a:rPr lang="en-US" altLang="zh-CN" dirty="0" smtClean="0"/>
+              <a:t>None</a:t>
+            </a:r>
+            <a:r>
+              <a:rPr lang="zh-CN" altLang="en-US" dirty="0" smtClean="0"/>
+              <a:t>，就不用设对应参数</a:t>
+            </a:r>
+            <a:endParaRPr lang="zh-CN" altLang="en-US" dirty="0"/>
+          </a:p>
+        </p:txBody>
+      </p:sp>
+      <p:sp>
+        <p:nvSpPr>
+          <p:cNvPr id="11" name="文本框 10"/>
+          <p:cNvSpPr txBox="1"/>
+          <p:nvPr/>
+        </p:nvSpPr>
+        <p:spPr>
+          <a:xfrm>
+            <a:off x="5229725" y="4483165"/>
+            <a:ext cx="2454443" cy="369332"/>
+          </a:xfrm>
+          <a:prstGeom prst="rect">
+            <a:avLst/>
+          </a:prstGeom>
+          <a:noFill/>
+        </p:spPr>
+        <p:txBody>
+          <a:bodyPr wrap="square" rtlCol="0">
+            <a:spAutoFit/>
+          </a:bodyPr>
+          <a:lstStyle/>
+          <a:p>
+            <a:r>
+              <a:rPr lang="zh-CN" altLang="en-US" dirty="0" smtClean="0"/>
+              <a:t>其它必要可调参数</a:t>
+            </a:r>
+            <a:endParaRPr lang="zh-CN" altLang="en-US" dirty="0"/>
+          </a:p>
+        </p:txBody>
+      </p:sp>
+    </p:spTree>
+    <p:extLst>
+      <p:ext uri="{BB962C8B-B14F-4D97-AF65-F5344CB8AC3E}">
+        <p14:creationId xmlns:p14="http://schemas.microsoft.com/office/powerpoint/2010/main" val="2384679535"/>
+      </p:ext>
+    </p:extLst>
+  </p:cSld>
+  <p:clrMapOvr>
+    <a:masterClrMapping/>
+  </p:clrMapOvr>
+</p:sld>
+</file>
+
+<file path=ppt/slides/slide21.xml><?xml version="1.0" encoding="utf-8"?>
+<p:sld xmlns:a="http://schemas.openxmlformats.org/drawingml/2006/main" xmlns:r="http://schemas.openxmlformats.org/officeDocument/2006/relationships" xmlns:p="http://schemas.openxmlformats.org/presentationml/2006/main">
+  <p:cSld>
+    <p:spTree>
+      <p:nvGrpSpPr>
+        <p:cNvPr id="1" name=""/>
+        <p:cNvGrpSpPr/>
+        <p:nvPr/>
+      </p:nvGrpSpPr>
+      <p:grpSpPr>
+        <a:xfrm>
+          <a:off x="0" y="0"/>
+          <a:ext cx="0" cy="0"/>
+          <a:chOff x="0" y="0"/>
+          <a:chExt cx="0" cy="0"/>
+        </a:xfrm>
+      </p:grpSpPr>
+      <p:sp>
+        <p:nvSpPr>
+          <p:cNvPr id="2" name="标题 1"/>
+          <p:cNvSpPr>
+            <a:spLocks noGrp="1"/>
+          </p:cNvSpPr>
+          <p:nvPr>
+            <p:ph type="title"/>
+          </p:nvPr>
+        </p:nvSpPr>
+        <p:spPr/>
+        <p:txBody>
+          <a:bodyPr/>
+          <a:lstStyle/>
+          <a:p>
+            <a:r>
+              <a:rPr lang="zh-CN" altLang="en-US" dirty="0"/>
+              <a:t>开发流程</a:t>
+            </a:r>
+            <a:r>
+              <a:rPr lang="en-US" altLang="zh-CN" dirty="0"/>
+              <a:t>2</a:t>
+            </a:r>
+            <a:r>
+              <a:rPr lang="zh-CN" altLang="en-US" dirty="0"/>
+              <a:t>：定义和实现构造函数</a:t>
+            </a:r>
+            <a:r>
+              <a:rPr lang="en-US" altLang="zh-CN" dirty="0"/>
+              <a:t> </a:t>
+            </a:r>
+            <a:endParaRPr lang="zh-CN" altLang="en-US" dirty="0"/>
+          </a:p>
+        </p:txBody>
+      </p:sp>
+      <p:sp>
+        <p:nvSpPr>
+          <p:cNvPr id="3" name="内容占位符 2"/>
+          <p:cNvSpPr>
+            <a:spLocks noGrp="1"/>
+          </p:cNvSpPr>
+          <p:nvPr>
+            <p:ph idx="1"/>
+          </p:nvPr>
+        </p:nvSpPr>
+        <p:spPr/>
+        <p:txBody>
+          <a:bodyPr/>
+          <a:lstStyle/>
+          <a:p>
+            <a:r>
+              <a:rPr lang="zh-CN" altLang="en-US" dirty="0" smtClean="0"/>
+              <a:t>填充参数</a:t>
+            </a:r>
+            <a:endParaRPr lang="zh-CN" altLang="en-US" dirty="0"/>
+          </a:p>
+        </p:txBody>
+      </p:sp>
+      <p:pic>
+        <p:nvPicPr>
+          <p:cNvPr id="4" name="图片 3"/>
+          <p:cNvPicPr>
+            <a:picLocks noChangeAspect="1"/>
+          </p:cNvPicPr>
+          <p:nvPr/>
+        </p:nvPicPr>
+        <p:blipFill>
+          <a:blip r:embed="rId2"/>
+          <a:stretch>
+            <a:fillRect/>
+          </a:stretch>
+        </p:blipFill>
+        <p:spPr>
+          <a:xfrm>
+            <a:off x="1332306" y="2372148"/>
+            <a:ext cx="7274283" cy="4055204"/>
+          </a:xfrm>
+          <a:prstGeom prst="rect">
+            <a:avLst/>
+          </a:prstGeom>
+        </p:spPr>
+      </p:pic>
+    </p:spTree>
+    <p:extLst>
+      <p:ext uri="{BB962C8B-B14F-4D97-AF65-F5344CB8AC3E}">
+        <p14:creationId xmlns:p14="http://schemas.microsoft.com/office/powerpoint/2010/main" val="3791658674"/>
+      </p:ext>
+    </p:extLst>
+  </p:cSld>
+  <p:clrMapOvr>
+    <a:masterClrMapping/>
+  </p:clrMapOvr>
+</p:sld>
+</file>
+
+<file path=ppt/slides/slide22.xml><?xml version="1.0" encoding="utf-8"?>
+<p:sld xmlns:a="http://schemas.openxmlformats.org/drawingml/2006/main" xmlns:r="http://schemas.openxmlformats.org/officeDocument/2006/relationships" xmlns:p="http://schemas.openxmlformats.org/presentationml/2006/main">
+  <p:cSld>
+    <p:spTree>
+      <p:nvGrpSpPr>
+        <p:cNvPr id="1" name=""/>
+        <p:cNvGrpSpPr/>
+        <p:nvPr/>
+      </p:nvGrpSpPr>
+      <p:grpSpPr>
+        <a:xfrm>
+          <a:off x="0" y="0"/>
+          <a:ext cx="0" cy="0"/>
+          <a:chOff x="0" y="0"/>
+          <a:chExt cx="0" cy="0"/>
+        </a:xfrm>
+      </p:grpSpPr>
+      <p:sp>
+        <p:nvSpPr>
+          <p:cNvPr id="2" name="标题 1"/>
+          <p:cNvSpPr>
+            <a:spLocks noGrp="1"/>
+          </p:cNvSpPr>
+          <p:nvPr>
+            <p:ph type="title"/>
+          </p:nvPr>
+        </p:nvSpPr>
+        <p:spPr/>
+        <p:txBody>
+          <a:bodyPr/>
+          <a:lstStyle/>
+          <a:p>
+            <a:r>
+              <a:rPr lang="zh-CN" altLang="en-US" dirty="0" smtClean="0"/>
+              <a:t>开发流程</a:t>
+            </a:r>
+            <a:r>
+              <a:rPr lang="en-US" altLang="zh-CN" dirty="0" smtClean="0"/>
+              <a:t>3</a:t>
+            </a:r>
+            <a:r>
+              <a:rPr lang="zh-CN" altLang="en-US" dirty="0" smtClean="0"/>
+              <a:t>：实现</a:t>
+            </a:r>
+            <a:r>
+              <a:rPr lang="en-US" altLang="zh-CN" dirty="0" smtClean="0"/>
+              <a:t>_call</a:t>
+            </a:r>
+            <a:r>
+              <a:rPr lang="zh-CN" altLang="en-US" dirty="0" smtClean="0"/>
+              <a:t>函数</a:t>
+            </a:r>
+            <a:endParaRPr lang="zh-CN" altLang="en-US" dirty="0"/>
+          </a:p>
+        </p:txBody>
+      </p:sp>
+      <p:sp>
+        <p:nvSpPr>
+          <p:cNvPr id="3" name="内容占位符 2"/>
+          <p:cNvSpPr>
+            <a:spLocks noGrp="1"/>
+          </p:cNvSpPr>
+          <p:nvPr>
+            <p:ph idx="1"/>
+          </p:nvPr>
+        </p:nvSpPr>
+        <p:spPr/>
+        <p:txBody>
+          <a:bodyPr/>
+          <a:lstStyle/>
+          <a:p>
+            <a:r>
+              <a:rPr lang="zh-CN" altLang="en-US" dirty="0" smtClean="0"/>
+              <a:t>如果没有上游，直接</a:t>
+            </a:r>
+            <a:r>
+              <a:rPr lang="en-US" altLang="zh-CN" dirty="0" smtClean="0"/>
+              <a:t>pass</a:t>
+            </a:r>
+          </a:p>
+          <a:p>
+            <a:endParaRPr lang="en-US" altLang="zh-CN" dirty="0"/>
+          </a:p>
+          <a:p>
+            <a:endParaRPr lang="en-US" altLang="zh-CN" dirty="0" smtClean="0"/>
+          </a:p>
+          <a:p>
+            <a:r>
+              <a:rPr lang="zh-CN" altLang="en-US" dirty="0" smtClean="0"/>
+              <a:t>如果有上游，通过获取上游对应对象的</a:t>
+            </a:r>
+            <a:r>
+              <a:rPr lang="en-US" altLang="zh-CN" dirty="0" smtClean="0"/>
+              <a:t>output</a:t>
+            </a:r>
+            <a:r>
+              <a:rPr lang="zh-CN" altLang="en-US" dirty="0" smtClean="0"/>
+              <a:t>填充参数</a:t>
+            </a:r>
+            <a:endParaRPr lang="en-US" altLang="zh-CN" dirty="0" smtClean="0"/>
+          </a:p>
+          <a:p>
+            <a:pPr lvl="1"/>
+            <a:r>
+              <a:rPr lang="en-US" altLang="zh-CN" dirty="0" err="1" smtClean="0"/>
+              <a:t>setParam</a:t>
+            </a:r>
+            <a:r>
+              <a:rPr lang="en-US" altLang="zh-CN" dirty="0" smtClean="0"/>
+              <a:t>()</a:t>
+            </a:r>
+            <a:endParaRPr lang="zh-CN" altLang="en-US" dirty="0"/>
+          </a:p>
+        </p:txBody>
+      </p:sp>
+      <p:pic>
+        <p:nvPicPr>
+          <p:cNvPr id="4" name="图片 3"/>
+          <p:cNvPicPr>
+            <a:picLocks noChangeAspect="1"/>
+          </p:cNvPicPr>
+          <p:nvPr/>
+        </p:nvPicPr>
+        <p:blipFill>
+          <a:blip r:embed="rId2"/>
+          <a:stretch>
+            <a:fillRect/>
+          </a:stretch>
+        </p:blipFill>
+        <p:spPr>
+          <a:xfrm>
+            <a:off x="1303482" y="2561008"/>
+            <a:ext cx="4980952" cy="580952"/>
+          </a:xfrm>
+          <a:prstGeom prst="rect">
+            <a:avLst/>
+          </a:prstGeom>
+        </p:spPr>
+      </p:pic>
+    </p:spTree>
+    <p:extLst>
+      <p:ext uri="{BB962C8B-B14F-4D97-AF65-F5344CB8AC3E}">
+        <p14:creationId xmlns:p14="http://schemas.microsoft.com/office/powerpoint/2010/main" val="1831996687"/>
+      </p:ext>
+    </p:extLst>
+  </p:cSld>
+  <p:clrMapOvr>
+    <a:masterClrMapping/>
+  </p:clrMapOvr>
+</p:sld>
+</file>
+
+<file path=ppt/slides/slide23.xml><?xml version="1.0" encoding="utf-8"?>
+<p:sld xmlns:a="http://schemas.openxmlformats.org/drawingml/2006/main" xmlns:r="http://schemas.openxmlformats.org/officeDocument/2006/relationships" xmlns:p="http://schemas.openxmlformats.org/presentationml/2006/main">
+  <p:cSld>
+    <p:spTree>
+      <p:nvGrpSpPr>
+        <p:cNvPr id="1" name=""/>
+        <p:cNvGrpSpPr/>
+        <p:nvPr/>
+      </p:nvGrpSpPr>
+      <p:grpSpPr>
+        <a:xfrm>
+          <a:off x="0" y="0"/>
+          <a:ext cx="0" cy="0"/>
+          <a:chOff x="0" y="0"/>
+          <a:chExt cx="0" cy="0"/>
+        </a:xfrm>
+      </p:grpSpPr>
+      <p:pic>
+        <p:nvPicPr>
+          <p:cNvPr id="4" name="图片 3"/>
+          <p:cNvPicPr>
+            <a:picLocks noChangeAspect="1"/>
+          </p:cNvPicPr>
+          <p:nvPr/>
+        </p:nvPicPr>
+        <p:blipFill>
+          <a:blip r:embed="rId2"/>
+          <a:stretch>
+            <a:fillRect/>
+          </a:stretch>
+        </p:blipFill>
+        <p:spPr>
+          <a:xfrm>
+            <a:off x="1628634" y="2506495"/>
+            <a:ext cx="8366561" cy="3894304"/>
+          </a:xfrm>
+          <a:prstGeom prst="rect">
+            <a:avLst/>
+          </a:prstGeom>
+        </p:spPr>
+      </p:pic>
+      <p:sp>
+        <p:nvSpPr>
+          <p:cNvPr id="2" name="标题 1"/>
+          <p:cNvSpPr>
+            <a:spLocks noGrp="1"/>
+          </p:cNvSpPr>
+          <p:nvPr>
+            <p:ph type="title"/>
+          </p:nvPr>
+        </p:nvSpPr>
+        <p:spPr/>
+        <p:txBody>
+          <a:bodyPr/>
+          <a:lstStyle/>
+          <a:p>
+            <a:r>
+              <a:rPr lang="zh-CN" altLang="en-US" dirty="0"/>
+              <a:t>开发流程</a:t>
+            </a:r>
+            <a:r>
+              <a:rPr lang="en-US" altLang="zh-CN" dirty="0"/>
+              <a:t>3</a:t>
+            </a:r>
+            <a:r>
+              <a:rPr lang="zh-CN" altLang="en-US" dirty="0"/>
+              <a:t>：</a:t>
+            </a:r>
+            <a:r>
+              <a:rPr lang="zh-CN" altLang="en-US" dirty="0" smtClean="0"/>
+              <a:t>实现</a:t>
+            </a:r>
+            <a:r>
+              <a:rPr lang="en-US" altLang="zh-CN" dirty="0"/>
+              <a:t>_build</a:t>
+            </a:r>
+            <a:r>
+              <a:rPr lang="zh-CN" altLang="en-US" dirty="0" smtClean="0"/>
+              <a:t>函数</a:t>
+            </a:r>
+            <a:endParaRPr lang="zh-CN" altLang="en-US" dirty="0"/>
+          </a:p>
+        </p:txBody>
+      </p:sp>
+      <p:sp>
+        <p:nvSpPr>
+          <p:cNvPr id="3" name="内容占位符 2"/>
+          <p:cNvSpPr>
+            <a:spLocks noGrp="1"/>
+          </p:cNvSpPr>
+          <p:nvPr>
+            <p:ph idx="1"/>
+          </p:nvPr>
+        </p:nvSpPr>
+        <p:spPr>
+          <a:xfrm>
+            <a:off x="838200" y="1825625"/>
+            <a:ext cx="10515600" cy="1663533"/>
+          </a:xfrm>
+        </p:spPr>
+        <p:txBody>
+          <a:bodyPr/>
+          <a:lstStyle/>
+          <a:p>
+            <a:r>
+              <a:rPr lang="zh-CN" altLang="en-US" dirty="0" smtClean="0"/>
+              <a:t>实现流程</a:t>
+            </a:r>
+            <a:endParaRPr lang="zh-CN" altLang="en-US" dirty="0"/>
+          </a:p>
+        </p:txBody>
+      </p:sp>
+      <p:sp>
+        <p:nvSpPr>
+          <p:cNvPr id="5" name="文本框 4"/>
+          <p:cNvSpPr txBox="1"/>
+          <p:nvPr/>
+        </p:nvSpPr>
+        <p:spPr>
+          <a:xfrm>
+            <a:off x="7130716" y="2991853"/>
+            <a:ext cx="1395663" cy="369332"/>
+          </a:xfrm>
+          <a:prstGeom prst="rect">
+            <a:avLst/>
+          </a:prstGeom>
+          <a:noFill/>
+        </p:spPr>
+        <p:txBody>
+          <a:bodyPr wrap="square" rtlCol="0">
+            <a:spAutoFit/>
+          </a:bodyPr>
+          <a:lstStyle/>
+          <a:p>
+            <a:r>
+              <a:rPr lang="zh-CN" altLang="en-US" dirty="0" smtClean="0"/>
+              <a:t>取出参数</a:t>
+            </a:r>
+            <a:endParaRPr lang="zh-CN" altLang="en-US" dirty="0"/>
+          </a:p>
+        </p:txBody>
+      </p:sp>
+      <p:sp>
+        <p:nvSpPr>
+          <p:cNvPr id="6" name="文本框 5"/>
+          <p:cNvSpPr txBox="1"/>
+          <p:nvPr/>
+        </p:nvSpPr>
+        <p:spPr>
+          <a:xfrm>
+            <a:off x="10138611" y="4026568"/>
+            <a:ext cx="1612231" cy="369332"/>
+          </a:xfrm>
+          <a:prstGeom prst="rect">
+            <a:avLst/>
+          </a:prstGeom>
+          <a:noFill/>
+        </p:spPr>
+        <p:txBody>
+          <a:bodyPr wrap="square" rtlCol="0">
+            <a:spAutoFit/>
+          </a:bodyPr>
+          <a:lstStyle/>
+          <a:p>
+            <a:r>
+              <a:rPr lang="zh-CN" altLang="en-US" dirty="0" smtClean="0"/>
+              <a:t>实现流程</a:t>
+            </a:r>
+            <a:endParaRPr lang="zh-CN" altLang="en-US" dirty="0"/>
+          </a:p>
+        </p:txBody>
+      </p:sp>
+      <p:sp>
+        <p:nvSpPr>
+          <p:cNvPr id="7" name="文本框 6"/>
+          <p:cNvSpPr txBox="1"/>
+          <p:nvPr/>
+        </p:nvSpPr>
+        <p:spPr>
+          <a:xfrm>
+            <a:off x="7130716" y="4989095"/>
+            <a:ext cx="1716505" cy="369332"/>
+          </a:xfrm>
+          <a:prstGeom prst="rect">
+            <a:avLst/>
+          </a:prstGeom>
+          <a:noFill/>
+        </p:spPr>
+        <p:txBody>
+          <a:bodyPr wrap="square" rtlCol="0">
+            <a:spAutoFit/>
+          </a:bodyPr>
+          <a:lstStyle/>
+          <a:p>
+            <a:r>
+              <a:rPr lang="zh-CN" altLang="en-US" dirty="0" smtClean="0"/>
+              <a:t>生成报告</a:t>
+            </a:r>
+            <a:endParaRPr lang="zh-CN" altLang="en-US" dirty="0"/>
+          </a:p>
+        </p:txBody>
+      </p:sp>
+      <p:sp>
+        <p:nvSpPr>
+          <p:cNvPr id="8" name="文本框 7"/>
+          <p:cNvSpPr txBox="1"/>
+          <p:nvPr/>
+        </p:nvSpPr>
+        <p:spPr>
+          <a:xfrm>
+            <a:off x="3906252" y="4780366"/>
+            <a:ext cx="1507959" cy="369332"/>
+          </a:xfrm>
+          <a:prstGeom prst="rect">
+            <a:avLst/>
+          </a:prstGeom>
+          <a:noFill/>
+        </p:spPr>
+        <p:txBody>
+          <a:bodyPr wrap="square" rtlCol="0">
+            <a:spAutoFit/>
+          </a:bodyPr>
+          <a:lstStyle/>
+          <a:p>
+            <a:r>
+              <a:rPr lang="en-US" altLang="zh-CN" dirty="0" smtClean="0"/>
+              <a:t>Section</a:t>
+            </a:r>
+            <a:r>
+              <a:rPr lang="zh-CN" altLang="en-US" dirty="0" smtClean="0"/>
+              <a:t>标题</a:t>
+            </a:r>
+            <a:endParaRPr lang="zh-CN" altLang="en-US" dirty="0"/>
+          </a:p>
+        </p:txBody>
+      </p:sp>
+      <p:sp>
+        <p:nvSpPr>
+          <p:cNvPr id="9" name="文本框 8"/>
+          <p:cNvSpPr txBox="1"/>
+          <p:nvPr/>
+        </p:nvSpPr>
+        <p:spPr>
+          <a:xfrm>
+            <a:off x="5669921" y="4676456"/>
+            <a:ext cx="1709087" cy="369332"/>
+          </a:xfrm>
+          <a:prstGeom prst="rect">
+            <a:avLst/>
+          </a:prstGeom>
+          <a:noFill/>
+        </p:spPr>
+        <p:txBody>
+          <a:bodyPr wrap="square" rtlCol="0">
+            <a:spAutoFit/>
+          </a:bodyPr>
+          <a:lstStyle/>
+          <a:p>
+            <a:r>
+              <a:rPr lang="zh-CN" altLang="en-US" dirty="0" smtClean="0"/>
+              <a:t>对应对象的</a:t>
+            </a:r>
+            <a:r>
+              <a:rPr lang="en-US" altLang="zh-CN" dirty="0" smtClean="0"/>
+              <a:t>list</a:t>
+            </a:r>
+            <a:endParaRPr lang="zh-CN" altLang="en-US" dirty="0"/>
+          </a:p>
+        </p:txBody>
+      </p:sp>
+      <p:sp>
+        <p:nvSpPr>
+          <p:cNvPr id="10" name="文本框 9"/>
+          <p:cNvSpPr txBox="1"/>
+          <p:nvPr/>
+        </p:nvSpPr>
+        <p:spPr>
+          <a:xfrm>
+            <a:off x="6524463" y="5863389"/>
+            <a:ext cx="2186399" cy="369332"/>
+          </a:xfrm>
+          <a:prstGeom prst="rect">
+            <a:avLst/>
+          </a:prstGeom>
+          <a:noFill/>
+        </p:spPr>
+        <p:txBody>
+          <a:bodyPr wrap="square" rtlCol="0">
+            <a:spAutoFit/>
+          </a:bodyPr>
+          <a:lstStyle/>
+          <a:p>
+            <a:r>
+              <a:rPr lang="zh-CN" altLang="en-US" dirty="0" smtClean="0"/>
+              <a:t>填充流程对象</a:t>
+            </a:r>
+            <a:endParaRPr lang="zh-CN" altLang="en-US" dirty="0"/>
+          </a:p>
+        </p:txBody>
+      </p:sp>
+    </p:spTree>
+    <p:extLst>
+      <p:ext uri="{BB962C8B-B14F-4D97-AF65-F5344CB8AC3E}">
+        <p14:creationId xmlns:p14="http://schemas.microsoft.com/office/powerpoint/2010/main" val="1091322231"/>
+      </p:ext>
+    </p:extLst>
+  </p:cSld>
+  <p:clrMapOvr>
+    <a:masterClrMapping/>
+  </p:clrMapOvr>
+</p:sld>
+</file>
+
+<file path=ppt/slides/slide24.xml><?xml version="1.0" encoding="utf-8"?>
+<p:sld xmlns:a="http://schemas.openxmlformats.org/drawingml/2006/main" xmlns:r="http://schemas.openxmlformats.org/officeDocument/2006/relationships" xmlns:p="http://schemas.openxmlformats.org/presentationml/2006/main">
+  <p:cSld>
+    <p:spTree>
+      <p:nvGrpSpPr>
+        <p:cNvPr id="1" name=""/>
+        <p:cNvGrpSpPr/>
+        <p:nvPr/>
+      </p:nvGrpSpPr>
+      <p:grpSpPr>
+        <a:xfrm>
+          <a:off x="0" y="0"/>
+          <a:ext cx="0" cy="0"/>
+          <a:chOff x="0" y="0"/>
+          <a:chExt cx="0" cy="0"/>
+        </a:xfrm>
+      </p:grpSpPr>
+      <p:sp>
+        <p:nvSpPr>
+          <p:cNvPr id="2" name="标题 1"/>
+          <p:cNvSpPr>
+            <a:spLocks noGrp="1"/>
+          </p:cNvSpPr>
+          <p:nvPr>
+            <p:ph type="title"/>
+          </p:nvPr>
+        </p:nvSpPr>
+        <p:spPr/>
+        <p:txBody>
+          <a:bodyPr/>
+          <a:lstStyle/>
+          <a:p>
+            <a:r>
+              <a:rPr lang="zh-CN" altLang="en-US" dirty="0"/>
+              <a:t>开发流程</a:t>
+            </a:r>
+            <a:r>
+              <a:rPr lang="en-US" altLang="zh-CN" dirty="0"/>
+              <a:t>3</a:t>
+            </a:r>
+            <a:r>
+              <a:rPr lang="zh-CN" altLang="en-US" dirty="0"/>
+              <a:t>：</a:t>
+            </a:r>
+            <a:r>
+              <a:rPr lang="zh-CN" altLang="en-US" dirty="0" smtClean="0"/>
+              <a:t>实现</a:t>
+            </a:r>
+            <a:r>
+              <a:rPr lang="en-US" altLang="zh-CN" dirty="0"/>
+              <a:t>_copy</a:t>
+            </a:r>
+            <a:r>
+              <a:rPr lang="zh-CN" altLang="en-US" dirty="0" smtClean="0"/>
+              <a:t>函数</a:t>
+            </a:r>
+            <a:endParaRPr lang="zh-CN" altLang="en-US" dirty="0"/>
+          </a:p>
+        </p:txBody>
+      </p:sp>
+      <p:sp>
+        <p:nvSpPr>
+          <p:cNvPr id="3" name="内容占位符 2"/>
+          <p:cNvSpPr>
+            <a:spLocks noGrp="1"/>
+          </p:cNvSpPr>
+          <p:nvPr>
+            <p:ph idx="1"/>
+          </p:nvPr>
+        </p:nvSpPr>
+        <p:spPr/>
+        <p:txBody>
+          <a:bodyPr/>
+          <a:lstStyle/>
+          <a:p>
+            <a:r>
+              <a:rPr lang="zh-CN" altLang="en-US" dirty="0" smtClean="0"/>
+              <a:t>将重要的输出拷贝</a:t>
+            </a:r>
+            <a:r>
+              <a:rPr lang="en-US" altLang="zh-CN" dirty="0" smtClean="0"/>
+              <a:t>(</a:t>
+            </a:r>
+            <a:r>
+              <a:rPr lang="zh-CN" altLang="en-US" dirty="0" smtClean="0"/>
+              <a:t>链接</a:t>
+            </a:r>
+            <a:r>
+              <a:rPr lang="en-US" altLang="zh-CN" dirty="0" smtClean="0"/>
+              <a:t>)</a:t>
+            </a:r>
+            <a:r>
+              <a:rPr lang="zh-CN" altLang="en-US" dirty="0" smtClean="0"/>
+              <a:t>到</a:t>
+            </a:r>
+            <a:r>
+              <a:rPr lang="en-US" altLang="zh-CN" dirty="0" err="1" smtClean="0"/>
+              <a:t>final_result</a:t>
+            </a:r>
+            <a:r>
+              <a:rPr lang="zh-CN" altLang="en-US" dirty="0" smtClean="0"/>
+              <a:t>目录下</a:t>
+            </a:r>
+            <a:endParaRPr lang="zh-CN" altLang="en-US" dirty="0"/>
+          </a:p>
+        </p:txBody>
+      </p:sp>
+      <p:pic>
+        <p:nvPicPr>
+          <p:cNvPr id="4" name="图片 3"/>
+          <p:cNvPicPr>
+            <a:picLocks noChangeAspect="1"/>
+          </p:cNvPicPr>
+          <p:nvPr/>
+        </p:nvPicPr>
+        <p:blipFill>
+          <a:blip r:embed="rId2"/>
+          <a:stretch>
+            <a:fillRect/>
+          </a:stretch>
+        </p:blipFill>
+        <p:spPr>
+          <a:xfrm>
+            <a:off x="1749185" y="3039773"/>
+            <a:ext cx="8762824" cy="1131174"/>
+          </a:xfrm>
+          <a:prstGeom prst="rect">
+            <a:avLst/>
+          </a:prstGeom>
+        </p:spPr>
+      </p:pic>
+      <p:sp>
+        <p:nvSpPr>
+          <p:cNvPr id="5" name="文本框 4"/>
+          <p:cNvSpPr txBox="1"/>
+          <p:nvPr/>
+        </p:nvSpPr>
+        <p:spPr>
+          <a:xfrm>
+            <a:off x="5855368" y="4090737"/>
+            <a:ext cx="2237874" cy="369332"/>
+          </a:xfrm>
+          <a:prstGeom prst="rect">
+            <a:avLst/>
+          </a:prstGeom>
+          <a:noFill/>
+        </p:spPr>
+        <p:txBody>
+          <a:bodyPr wrap="square" rtlCol="0">
+            <a:spAutoFit/>
+          </a:bodyPr>
+          <a:lstStyle/>
+          <a:p>
+            <a:r>
+              <a:rPr lang="en-US" altLang="zh-CN" dirty="0" err="1" smtClean="0"/>
+              <a:t>final_result</a:t>
+            </a:r>
+            <a:r>
+              <a:rPr lang="zh-CN" altLang="en-US" dirty="0"/>
+              <a:t>路径</a:t>
+            </a:r>
+          </a:p>
+        </p:txBody>
+      </p:sp>
+      <p:sp>
+        <p:nvSpPr>
+          <p:cNvPr id="6" name="文本框 5"/>
+          <p:cNvSpPr txBox="1"/>
+          <p:nvPr/>
+        </p:nvSpPr>
+        <p:spPr>
+          <a:xfrm>
+            <a:off x="5590674" y="3195923"/>
+            <a:ext cx="1299410" cy="369332"/>
+          </a:xfrm>
+          <a:prstGeom prst="rect">
+            <a:avLst/>
+          </a:prstGeom>
+          <a:noFill/>
+        </p:spPr>
+        <p:txBody>
+          <a:bodyPr wrap="square" rtlCol="0">
+            <a:spAutoFit/>
+          </a:bodyPr>
+          <a:lstStyle/>
+          <a:p>
+            <a:r>
+              <a:rPr lang="zh-CN" altLang="en-US" dirty="0" smtClean="0"/>
+              <a:t>获得对象</a:t>
+            </a:r>
+            <a:endParaRPr lang="zh-CN" altLang="en-US" dirty="0"/>
+          </a:p>
+        </p:txBody>
+      </p:sp>
+      <p:sp>
+        <p:nvSpPr>
+          <p:cNvPr id="7" name="文本框 6"/>
+          <p:cNvSpPr txBox="1"/>
+          <p:nvPr/>
+        </p:nvSpPr>
+        <p:spPr>
+          <a:xfrm>
+            <a:off x="8171656" y="2978615"/>
+            <a:ext cx="1798511" cy="646331"/>
+          </a:xfrm>
+          <a:prstGeom prst="rect">
+            <a:avLst/>
+          </a:prstGeom>
+          <a:noFill/>
+        </p:spPr>
+        <p:txBody>
+          <a:bodyPr wrap="square" rtlCol="0">
+            <a:spAutoFit/>
+          </a:bodyPr>
+          <a:lstStyle/>
+          <a:p>
+            <a:r>
+              <a:rPr lang="zh-CN" altLang="en-US" dirty="0" smtClean="0"/>
+              <a:t>获得输出路径，可以是</a:t>
+            </a:r>
+            <a:r>
+              <a:rPr lang="en-US" altLang="zh-CN" dirty="0" smtClean="0"/>
+              <a:t>list</a:t>
+            </a:r>
+            <a:endParaRPr lang="zh-CN" altLang="en-US" dirty="0"/>
+          </a:p>
+        </p:txBody>
+      </p:sp>
+      <p:sp>
+        <p:nvSpPr>
+          <p:cNvPr id="8" name="文本框 7"/>
+          <p:cNvSpPr txBox="1"/>
+          <p:nvPr/>
+        </p:nvSpPr>
+        <p:spPr>
+          <a:xfrm>
+            <a:off x="5011660" y="4575580"/>
+            <a:ext cx="2237874" cy="646331"/>
+          </a:xfrm>
+          <a:prstGeom prst="rect">
+            <a:avLst/>
+          </a:prstGeom>
+          <a:noFill/>
+        </p:spPr>
+        <p:txBody>
+          <a:bodyPr wrap="square" rtlCol="0">
+            <a:spAutoFit/>
+          </a:bodyPr>
+          <a:lstStyle/>
+          <a:p>
+            <a:r>
+              <a:rPr lang="en-US" altLang="zh-CN" dirty="0" err="1" smtClean="0"/>
+              <a:t>getFinalRsDir</a:t>
+            </a:r>
+            <a:r>
+              <a:rPr lang="en-US" altLang="zh-CN" dirty="0" smtClean="0"/>
+              <a:t>()</a:t>
+            </a:r>
+            <a:r>
+              <a:rPr lang="zh-CN" altLang="en-US" dirty="0" smtClean="0"/>
+              <a:t>是</a:t>
+            </a:r>
+            <a:r>
+              <a:rPr lang="en-US" altLang="zh-CN" dirty="0" err="1" smtClean="0"/>
+              <a:t>final_result</a:t>
+            </a:r>
+            <a:r>
+              <a:rPr lang="zh-CN" altLang="en-US" dirty="0" smtClean="0"/>
+              <a:t>文件夹</a:t>
+            </a:r>
+            <a:endParaRPr lang="zh-CN" altLang="en-US" dirty="0"/>
+          </a:p>
+        </p:txBody>
+      </p:sp>
+      <p:sp>
+        <p:nvSpPr>
+          <p:cNvPr id="9" name="文本框 8"/>
+          <p:cNvSpPr txBox="1"/>
+          <p:nvPr/>
+        </p:nvSpPr>
+        <p:spPr>
+          <a:xfrm>
+            <a:off x="5011659" y="5303378"/>
+            <a:ext cx="3159997" cy="923330"/>
+          </a:xfrm>
+          <a:prstGeom prst="rect">
+            <a:avLst/>
+          </a:prstGeom>
+          <a:noFill/>
+        </p:spPr>
+        <p:txBody>
+          <a:bodyPr wrap="square" rtlCol="0">
+            <a:spAutoFit/>
+          </a:bodyPr>
+          <a:lstStyle/>
+          <a:p>
+            <a:r>
+              <a:rPr lang="en-US" altLang="zh-CN" dirty="0" err="1" smtClean="0"/>
+              <a:t>getFinalRsPath</a:t>
+            </a:r>
+            <a:r>
+              <a:rPr lang="en-US" altLang="zh-CN" dirty="0" smtClean="0"/>
+              <a:t>(XXX)</a:t>
+            </a:r>
+            <a:r>
+              <a:rPr lang="zh-CN" altLang="en-US" dirty="0" smtClean="0"/>
+              <a:t>是</a:t>
+            </a:r>
+            <a:r>
+              <a:rPr lang="en-US" altLang="zh-CN" dirty="0" err="1" smtClean="0"/>
+              <a:t>final_result</a:t>
+            </a:r>
+            <a:r>
+              <a:rPr lang="zh-CN" altLang="en-US" dirty="0" smtClean="0"/>
+              <a:t>文件夹下的</a:t>
+            </a:r>
+            <a:r>
+              <a:rPr lang="en-US" altLang="zh-CN" dirty="0" smtClean="0"/>
+              <a:t>XXX</a:t>
+            </a:r>
+            <a:r>
+              <a:rPr lang="zh-CN" altLang="en-US" dirty="0" smtClean="0"/>
+              <a:t>文件或文件夹</a:t>
+            </a:r>
+            <a:endParaRPr lang="zh-CN" altLang="en-US" dirty="0"/>
+          </a:p>
+        </p:txBody>
+      </p:sp>
+    </p:spTree>
+    <p:extLst>
+      <p:ext uri="{BB962C8B-B14F-4D97-AF65-F5344CB8AC3E}">
+        <p14:creationId xmlns:p14="http://schemas.microsoft.com/office/powerpoint/2010/main" val="752074246"/>
+      </p:ext>
+    </p:extLst>
+  </p:cSld>
+  <p:clrMapOvr>
+    <a:masterClrMapping/>
+  </p:clrMapOvr>
+</p:sld>
+</file>
+
+<file path=ppt/slides/slide25.xml><?xml version="1.0" encoding="utf-8"?>
+<p:sld xmlns:a="http://schemas.openxmlformats.org/drawingml/2006/main" xmlns:r="http://schemas.openxmlformats.org/officeDocument/2006/relationships" xmlns:p="http://schemas.openxmlformats.org/presentationml/2006/main">
+  <p:cSld>
+    <p:spTree>
+      <p:nvGrpSpPr>
+        <p:cNvPr id="1" name=""/>
+        <p:cNvGrpSpPr/>
+        <p:nvPr/>
+      </p:nvGrpSpPr>
+      <p:grpSpPr>
+        <a:xfrm>
+          <a:off x="0" y="0"/>
+          <a:ext cx="0" cy="0"/>
+          <a:chOff x="0" y="0"/>
+          <a:chExt cx="0" cy="0"/>
+        </a:xfrm>
+      </p:grpSpPr>
+      <p:sp>
+        <p:nvSpPr>
+          <p:cNvPr id="2" name="标题 1"/>
+          <p:cNvSpPr>
+            <a:spLocks noGrp="1"/>
+          </p:cNvSpPr>
+          <p:nvPr>
+            <p:ph type="title"/>
+          </p:nvPr>
+        </p:nvSpPr>
+        <p:spPr/>
+        <p:txBody>
+          <a:bodyPr/>
+          <a:lstStyle/>
+          <a:p>
+            <a:r>
+              <a:rPr lang="zh-CN" altLang="en-US" dirty="0" smtClean="0"/>
+              <a:t>最终生成</a:t>
+            </a:r>
+            <a:r>
+              <a:rPr lang="en-US" altLang="zh-CN" dirty="0" smtClean="0"/>
+              <a:t>result</a:t>
+            </a:r>
+            <a:endParaRPr lang="zh-CN" altLang="en-US" dirty="0"/>
+          </a:p>
+        </p:txBody>
+      </p:sp>
+      <p:sp>
+        <p:nvSpPr>
+          <p:cNvPr id="3" name="内容占位符 2"/>
+          <p:cNvSpPr>
+            <a:spLocks noGrp="1"/>
+          </p:cNvSpPr>
+          <p:nvPr>
+            <p:ph idx="1"/>
+          </p:nvPr>
+        </p:nvSpPr>
+        <p:spPr>
+          <a:xfrm>
+            <a:off x="838200" y="1825624"/>
+            <a:ext cx="10515600" cy="4543091"/>
+          </a:xfrm>
+        </p:spPr>
+        <p:txBody>
+          <a:bodyPr>
+            <a:normAutofit fontScale="92500" lnSpcReduction="10000"/>
+          </a:bodyPr>
+          <a:lstStyle/>
+          <a:p>
+            <a:r>
+              <a:rPr lang="en-US" altLang="zh-CN" dirty="0" err="1" smtClean="0"/>
+              <a:t>final_results</a:t>
+            </a:r>
+            <a:endParaRPr lang="en-US" altLang="zh-CN" dirty="0" smtClean="0"/>
+          </a:p>
+          <a:p>
+            <a:pPr lvl="1"/>
+            <a:r>
+              <a:rPr lang="en-US" altLang="zh-CN" dirty="0" smtClean="0"/>
+              <a:t>Some folders</a:t>
+            </a:r>
+          </a:p>
+          <a:p>
+            <a:pPr lvl="1"/>
+            <a:r>
+              <a:rPr lang="en-US" altLang="zh-CN" dirty="0" smtClean="0"/>
+              <a:t>Some files</a:t>
+            </a:r>
+          </a:p>
+          <a:p>
+            <a:r>
+              <a:rPr lang="en-US" altLang="zh-CN" dirty="0" err="1" smtClean="0"/>
+              <a:t>intermediate_results</a:t>
+            </a:r>
+            <a:endParaRPr lang="en-US" altLang="zh-CN" dirty="0" smtClean="0"/>
+          </a:p>
+          <a:p>
+            <a:pPr lvl="1"/>
+            <a:r>
+              <a:rPr lang="en-US" altLang="zh-CN" dirty="0" smtClean="0"/>
+              <a:t>step_00_xx</a:t>
+            </a:r>
+          </a:p>
+          <a:p>
+            <a:pPr lvl="1"/>
+            <a:r>
+              <a:rPr lang="en-US" altLang="zh-CN" dirty="0" smtClean="0"/>
+              <a:t>step_01_xx</a:t>
+            </a:r>
+          </a:p>
+          <a:p>
+            <a:pPr lvl="1"/>
+            <a:r>
+              <a:rPr lang="en-US" altLang="zh-CN" dirty="0" smtClean="0"/>
+              <a:t>step_02_Report</a:t>
+            </a:r>
+          </a:p>
+          <a:p>
+            <a:r>
+              <a:rPr lang="en-US" altLang="zh-CN" dirty="0" smtClean="0"/>
+              <a:t>report</a:t>
+            </a:r>
+          </a:p>
+          <a:p>
+            <a:pPr lvl="1"/>
+            <a:r>
+              <a:rPr lang="en-US" altLang="zh-CN" dirty="0" smtClean="0"/>
+              <a:t>links</a:t>
+            </a:r>
+          </a:p>
+          <a:p>
+            <a:pPr lvl="1"/>
+            <a:r>
+              <a:rPr lang="en-US" altLang="zh-CN" dirty="0" smtClean="0"/>
+              <a:t>report0.html</a:t>
+            </a:r>
+          </a:p>
+          <a:p>
+            <a:pPr lvl="1"/>
+            <a:r>
+              <a:rPr lang="en-US" altLang="zh-CN" dirty="0" smtClean="0"/>
+              <a:t>report1.html</a:t>
+            </a:r>
+          </a:p>
+          <a:p>
+            <a:pPr lvl="1"/>
+            <a:r>
+              <a:rPr lang="en-US" altLang="zh-CN" dirty="0" smtClean="0"/>
+              <a:t>…</a:t>
+            </a:r>
+            <a:endParaRPr lang="zh-CN" altLang="en-US" dirty="0"/>
+          </a:p>
+        </p:txBody>
+      </p:sp>
+    </p:spTree>
+    <p:extLst>
+      <p:ext uri="{BB962C8B-B14F-4D97-AF65-F5344CB8AC3E}">
+        <p14:creationId xmlns:p14="http://schemas.microsoft.com/office/powerpoint/2010/main" val="3661950493"/>
       </p:ext>
     </p:extLst>
   </p:cSld>
@@ -5066,6 +6955,128 @@
             <p:ph idx="1"/>
           </p:nvPr>
         </p:nvSpPr>
+        <p:spPr/>
+        <p:txBody>
+          <a:bodyPr/>
+          <a:lstStyle/>
+          <a:p>
+            <a:r>
+              <a:rPr lang="zh-CN" altLang="en-US" dirty="0" smtClean="0"/>
+              <a:t>默认在</a:t>
+            </a:r>
+            <a:r>
+              <a:rPr lang="en-US" altLang="zh-CN" dirty="0" err="1" smtClean="0"/>
+              <a:t>docker</a:t>
+            </a:r>
+            <a:r>
+              <a:rPr lang="zh-CN" altLang="en-US" dirty="0" smtClean="0"/>
+              <a:t>下运行</a:t>
+            </a:r>
+            <a:endParaRPr lang="en-US" altLang="zh-CN" dirty="0" smtClean="0"/>
+          </a:p>
+          <a:p>
+            <a:r>
+              <a:rPr lang="en-US" altLang="zh-CN" dirty="0" err="1" smtClean="0"/>
+              <a:t>Configure.setIdentity</a:t>
+            </a:r>
+            <a:r>
+              <a:rPr lang="en-US" altLang="zh-CN" dirty="0" smtClean="0"/>
+              <a:t>('</a:t>
+            </a:r>
+            <a:r>
+              <a:rPr lang="en-US" altLang="zh-CN" dirty="0" err="1" smtClean="0"/>
+              <a:t>zwei</a:t>
+            </a:r>
+            <a:r>
+              <a:rPr lang="en-US" altLang="zh-CN" dirty="0" smtClean="0"/>
+              <a:t>')</a:t>
+            </a:r>
+          </a:p>
+          <a:p>
+            <a:endParaRPr lang="en-US" altLang="zh-CN" dirty="0"/>
+          </a:p>
+          <a:p>
+            <a:endParaRPr lang="en-US" altLang="zh-CN" dirty="0" smtClean="0"/>
+          </a:p>
+          <a:p>
+            <a:r>
+              <a:rPr lang="zh-CN" altLang="en-US" dirty="0" smtClean="0"/>
+              <a:t>调试的时候</a:t>
+            </a:r>
+            <a:endParaRPr lang="en-US" altLang="zh-CN" dirty="0" smtClean="0"/>
+          </a:p>
+          <a:p>
+            <a:r>
+              <a:rPr lang="en-US" altLang="zh-CN" dirty="0" err="1" smtClean="0"/>
+              <a:t>Configure.enableDocker</a:t>
+            </a:r>
+            <a:r>
+              <a:rPr lang="en-US" altLang="zh-CN" dirty="0" smtClean="0"/>
+              <a:t>(False)</a:t>
+            </a:r>
+            <a:endParaRPr lang="zh-CN" altLang="en-US" dirty="0"/>
+          </a:p>
+        </p:txBody>
+      </p:sp>
+    </p:spTree>
+    <p:extLst>
+      <p:ext uri="{BB962C8B-B14F-4D97-AF65-F5344CB8AC3E}">
+        <p14:creationId xmlns:p14="http://schemas.microsoft.com/office/powerpoint/2010/main" val="1912355563"/>
+      </p:ext>
+    </p:extLst>
+  </p:cSld>
+  <p:clrMapOvr>
+    <a:masterClrMapping/>
+  </p:clrMapOvr>
+</p:sld>
+</file>
+
+<file path=ppt/slides/slide4.xml><?xml version="1.0" encoding="utf-8"?>
+<p:sld xmlns:a="http://schemas.openxmlformats.org/drawingml/2006/main" xmlns:r="http://schemas.openxmlformats.org/officeDocument/2006/relationships" xmlns:p="http://schemas.openxmlformats.org/presentationml/2006/main">
+  <p:cSld>
+    <p:spTree>
+      <p:nvGrpSpPr>
+        <p:cNvPr id="1" name=""/>
+        <p:cNvGrpSpPr/>
+        <p:nvPr/>
+      </p:nvGrpSpPr>
+      <p:grpSpPr>
+        <a:xfrm>
+          <a:off x="0" y="0"/>
+          <a:ext cx="0" cy="0"/>
+          <a:chOff x="0" y="0"/>
+          <a:chExt cx="0" cy="0"/>
+        </a:xfrm>
+      </p:grpSpPr>
+      <p:sp>
+        <p:nvSpPr>
+          <p:cNvPr id="2" name="标题 1"/>
+          <p:cNvSpPr>
+            <a:spLocks noGrp="1"/>
+          </p:cNvSpPr>
+          <p:nvPr>
+            <p:ph type="title"/>
+          </p:nvPr>
+        </p:nvSpPr>
+        <p:spPr/>
+        <p:txBody>
+          <a:bodyPr/>
+          <a:lstStyle/>
+          <a:p>
+            <a:endParaRPr lang="zh-CN" altLang="en-US"/>
+          </a:p>
+        </p:txBody>
+      </p:sp>
+      <p:sp>
+        <p:nvSpPr>
+          <p:cNvPr id="3" name="内容占位符 2"/>
+          <p:cNvSpPr>
+            <a:spLocks noGrp="1"/>
+          </p:cNvSpPr>
+          <p:nvPr>
+            <p:ph idx="1"/>
+          </p:nvPr>
+        </p:nvSpPr>
         <p:spPr>
           <a:xfrm>
             <a:off x="838200" y="1825625"/>
@@ -5080,14 +7091,12 @@
               <a:rPr lang="en-US" altLang="zh-CN" dirty="0" smtClean="0"/>
               <a:t>V1</a:t>
             </a:r>
-            <a:endParaRPr lang="en-US" altLang="zh-CN" dirty="0" smtClean="0"/>
           </a:p>
           <a:p>
             <a:r>
               <a:rPr lang="en-US" altLang="zh-CN" dirty="0" smtClean="0"/>
               <a:t>V2</a:t>
             </a:r>
-            <a:endParaRPr lang="en-US" altLang="zh-CN" dirty="0" smtClean="0"/>
           </a:p>
         </p:txBody>
       </p:sp>
@@ -5312,7 +7321,6 @@
               <a:rPr lang="en-US" altLang="zh-CN" dirty="0" smtClean="0"/>
               <a:t>hca:py2</a:t>
             </a:r>
-            <a:endParaRPr lang="en-US" altLang="zh-CN" dirty="0" smtClean="0"/>
           </a:p>
         </p:txBody>
       </p:sp>
@@ -5329,7 +7337,7 @@
 </p:sld>
 </file>
 
-<file path=ppt/slides/slide4.xml><?xml version="1.0" encoding="utf-8"?>
+<file path=ppt/slides/slide5.xml><?xml version="1.0" encoding="utf-8"?>
 <p:sld xmlns:a="http://schemas.openxmlformats.org/drawingml/2006/main" xmlns:r="http://schemas.openxmlformats.org/officeDocument/2006/relationships" xmlns:p="http://schemas.openxmlformats.org/presentationml/2006/main">
   <p:cSld>
     <p:spTree>
@@ -5384,7 +7392,7 @@
 </p:sld>
 </file>
 
-<file path=ppt/slides/slide5.xml><?xml version="1.0" encoding="utf-8"?>
+<file path=ppt/slides/slide6.xml><?xml version="1.0" encoding="utf-8"?>
 <p:sld xmlns:a="http://schemas.openxmlformats.org/drawingml/2006/main" xmlns:r="http://schemas.openxmlformats.org/officeDocument/2006/relationships" xmlns:p="http://schemas.openxmlformats.org/presentationml/2006/main">
   <p:cSld>
     <p:spTree>
@@ -5982,7 +7990,7 @@
 </p:sld>
 </file>
 
-<file path=ppt/slides/slide6.xml><?xml version="1.0" encoding="utf-8"?>
+<file path=ppt/slides/slide7.xml><?xml version="1.0" encoding="utf-8"?>
 <p:sld xmlns:a="http://schemas.openxmlformats.org/drawingml/2006/main" xmlns:r="http://schemas.openxmlformats.org/officeDocument/2006/relationships" xmlns:p="http://schemas.openxmlformats.org/presentationml/2006/main">
   <p:cSld>
     <p:spTree>
@@ -6321,130 +8329,6 @@
 </p:sld>
 </file>
 
-<file path=ppt/slides/slide7.xml><?xml version="1.0" encoding="utf-8"?>
-<p:sld xmlns:a="http://schemas.openxmlformats.org/drawingml/2006/main" xmlns:r="http://schemas.openxmlformats.org/officeDocument/2006/relationships" xmlns:p="http://schemas.openxmlformats.org/presentationml/2006/main">
-  <p:cSld>
-    <p:spTree>
-      <p:nvGrpSpPr>
-        <p:cNvPr id="1" name=""/>
-        <p:cNvGrpSpPr/>
-        <p:nvPr/>
-      </p:nvGrpSpPr>
-      <p:grpSpPr>
-        <a:xfrm>
-          <a:off x="0" y="0"/>
-          <a:ext cx="0" cy="0"/>
-          <a:chOff x="0" y="0"/>
-          <a:chExt cx="0" cy="0"/>
-        </a:xfrm>
-      </p:grpSpPr>
-      <p:sp>
-        <p:nvSpPr>
-          <p:cNvPr id="2" name="标题 1"/>
-          <p:cNvSpPr>
-            <a:spLocks noGrp="1"/>
-          </p:cNvSpPr>
-          <p:nvPr>
-            <p:ph type="title"/>
-          </p:nvPr>
-        </p:nvSpPr>
-        <p:spPr/>
-        <p:txBody>
-          <a:bodyPr/>
-          <a:lstStyle/>
-          <a:p>
-            <a:r>
-              <a:rPr lang="zh-CN" altLang="en-US" dirty="0" smtClean="0"/>
-              <a:t>开发流程</a:t>
-            </a:r>
-            <a:r>
-              <a:rPr lang="en-US" altLang="zh-CN" dirty="0" smtClean="0"/>
-              <a:t>1</a:t>
-            </a:r>
-            <a:r>
-              <a:rPr lang="zh-CN" altLang="en-US" dirty="0" smtClean="0"/>
-              <a:t>：</a:t>
-            </a:r>
-            <a:r>
-              <a:rPr lang="zh-CN" altLang="en-US" dirty="0"/>
-              <a:t>定义</a:t>
-            </a:r>
-            <a:r>
-              <a:rPr lang="zh-CN" altLang="en-US" dirty="0" smtClean="0"/>
-              <a:t>类</a:t>
-            </a:r>
-            <a:endParaRPr lang="zh-CN" altLang="en-US" dirty="0"/>
-          </a:p>
-        </p:txBody>
-      </p:sp>
-      <p:sp>
-        <p:nvSpPr>
-          <p:cNvPr id="3" name="内容占位符 2"/>
-          <p:cNvSpPr>
-            <a:spLocks noGrp="1"/>
-          </p:cNvSpPr>
-          <p:nvPr>
-            <p:ph idx="1"/>
-          </p:nvPr>
-        </p:nvSpPr>
-        <p:spPr/>
-        <p:txBody>
-          <a:bodyPr/>
-          <a:lstStyle/>
-          <a:p>
-            <a:r>
-              <a:rPr lang="zh-CN" altLang="en-US" dirty="0" smtClean="0"/>
-              <a:t>继承自</a:t>
-            </a:r>
-            <a:r>
-              <a:rPr lang="en-US" altLang="zh-CN" dirty="0" smtClean="0"/>
-              <a:t>Step</a:t>
-            </a:r>
-            <a:r>
-              <a:rPr lang="zh-CN" altLang="en-US" dirty="0" smtClean="0"/>
-              <a:t>类</a:t>
-            </a:r>
-            <a:endParaRPr lang="en-US" altLang="zh-CN" dirty="0" smtClean="0"/>
-          </a:p>
-          <a:p>
-            <a:pPr marL="0" indent="0">
-              <a:buNone/>
-            </a:pPr>
-            <a:endParaRPr lang="en-US" altLang="zh-CN" dirty="0"/>
-          </a:p>
-          <a:p>
-            <a:pPr marL="0" indent="0">
-              <a:buNone/>
-            </a:pPr>
-            <a:r>
-              <a:rPr lang="en-US" altLang="zh-CN" dirty="0"/>
-              <a:t>class Bowtie2(Step</a:t>
-            </a:r>
-            <a:r>
-              <a:rPr lang="en-US" altLang="zh-CN" dirty="0" smtClean="0"/>
-              <a:t>)</a:t>
-            </a:r>
-            <a:r>
-              <a:rPr lang="en-US" altLang="zh-CN" dirty="0"/>
-              <a:t>:</a:t>
-            </a:r>
-            <a:endParaRPr lang="zh-CN" altLang="en-US" dirty="0"/>
-          </a:p>
-        </p:txBody>
-      </p:sp>
-    </p:spTree>
-    <p:extLst>
-      <p:ext uri="{BB962C8B-B14F-4D97-AF65-F5344CB8AC3E}">
-        <p14:creationId xmlns:p14="http://schemas.microsoft.com/office/powerpoint/2010/main" val="800176354"/>
-      </p:ext>
-    </p:extLst>
-  </p:cSld>
-  <p:clrMapOvr>
-    <a:masterClrMapping/>
-  </p:clrMapOvr>
-</p:sld>
-</file>
-
 <file path=ppt/slides/slide8.xml><?xml version="1.0" encoding="utf-8"?>
 <p:sld xmlns:a="http://schemas.openxmlformats.org/drawingml/2006/main" xmlns:r="http://schemas.openxmlformats.org/officeDocument/2006/relationships" xmlns:p="http://schemas.openxmlformats.org/presentationml/2006/main">
   <p:cSld>
@@ -6478,387 +8362,170 @@
           <a:lstStyle/>
           <a:p>
             <a:r>
+              <a:rPr lang="zh-CN" altLang="en-US" dirty="0" smtClean="0"/>
+              <a:t>开发流程</a:t>
+            </a:r>
+            <a:r>
+              <a:rPr lang="en-US" altLang="zh-CN" dirty="0" smtClean="0"/>
+              <a:t>1</a:t>
+            </a:r>
+            <a:r>
+              <a:rPr lang="zh-CN" altLang="en-US" dirty="0" smtClean="0"/>
+              <a:t>：</a:t>
+            </a:r>
+            <a:r>
               <a:rPr lang="zh-CN" altLang="en-US" dirty="0"/>
-              <a:t>开发</a:t>
-            </a:r>
-            <a:r>
-              <a:rPr lang="zh-CN" altLang="en-US" dirty="0" smtClean="0"/>
-              <a:t>流程</a:t>
-            </a:r>
-            <a:r>
-              <a:rPr lang="en-US" altLang="zh-CN" dirty="0" smtClean="0"/>
-              <a:t>2</a:t>
-            </a:r>
-            <a:r>
-              <a:rPr lang="zh-CN" altLang="en-US" dirty="0" smtClean="0"/>
-              <a:t>：定义和实现构造函数</a:t>
-            </a:r>
-            <a:r>
-              <a:rPr lang="en-US" altLang="zh-CN" dirty="0" smtClean="0"/>
+              <a:t>定义</a:t>
+            </a:r>
+            <a:r>
+              <a:rPr lang="zh-CN" altLang="en-US" dirty="0" smtClean="0"/>
+              <a:t>类</a:t>
+            </a:r>
+            <a:endParaRPr lang="zh-CN" altLang="en-US" dirty="0"/>
+          </a:p>
+        </p:txBody>
+      </p:sp>
+      <p:sp>
+        <p:nvSpPr>
+          <p:cNvPr id="3" name="内容占位符 2"/>
+          <p:cNvSpPr>
+            <a:spLocks noGrp="1"/>
+          </p:cNvSpPr>
+          <p:nvPr>
+            <p:ph idx="1"/>
+          </p:nvPr>
+        </p:nvSpPr>
+        <p:spPr>
+          <a:xfrm>
+            <a:off x="380999" y="1777499"/>
+            <a:ext cx="11065043" cy="4351338"/>
+          </a:xfrm>
+        </p:spPr>
+        <p:txBody>
+          <a:bodyPr/>
+          <a:lstStyle/>
+          <a:p>
+            <a:r>
+              <a:rPr lang="zh-CN" altLang="en-US" dirty="0" smtClean="0"/>
+              <a:t>继承自</a:t>
+            </a:r>
+            <a:r>
+              <a:rPr lang="en-US" altLang="zh-CN" dirty="0" smtClean="0"/>
+              <a:t>Step</a:t>
+            </a:r>
+            <a:r>
+              <a:rPr lang="zh-CN" altLang="en-US" dirty="0" smtClean="0"/>
+              <a:t>类</a:t>
+            </a:r>
+            <a:endParaRPr lang="en-US" altLang="zh-CN" dirty="0" smtClean="0"/>
+          </a:p>
+          <a:p>
+            <a:pPr marL="0" indent="0">
+              <a:buNone/>
+            </a:pPr>
+            <a:endParaRPr lang="en-US" altLang="zh-CN" dirty="0"/>
+          </a:p>
+          <a:p>
+            <a:pPr marL="0" indent="0">
+              <a:buNone/>
+            </a:pPr>
+            <a:r>
+              <a:rPr lang="en-US" altLang="zh-CN" dirty="0"/>
+              <a:t>class Bowtie2(Step</a:t>
+            </a:r>
+            <a:r>
+              <a:rPr lang="en-US" altLang="zh-CN" dirty="0" smtClean="0"/>
+              <a:t>):</a:t>
+            </a:r>
+          </a:p>
+          <a:p>
+            <a:r>
+              <a:rPr lang="zh-CN" altLang="en-US" dirty="0" smtClean="0"/>
+              <a:t>类内配置基因组相关依赖</a:t>
+            </a:r>
+            <a:r>
+              <a:rPr lang="en-US" altLang="zh-CN" dirty="0" smtClean="0"/>
+              <a:t>(</a:t>
+            </a:r>
+            <a:r>
+              <a:rPr lang="zh-CN" altLang="en-US" dirty="0" smtClean="0"/>
+              <a:t>后缀</a:t>
+            </a:r>
+            <a:r>
+              <a:rPr lang="en-US" altLang="zh-CN" dirty="0" smtClean="0"/>
+              <a:t>)</a:t>
+            </a:r>
+          </a:p>
+          <a:p>
+            <a:pPr marL="0" indent="0">
+              <a:buNone/>
+            </a:pPr>
+            <a:r>
+              <a:rPr lang="en-US" altLang="zh-CN" sz="2000" dirty="0" err="1" smtClean="0"/>
+              <a:t>Configure.setRefSuffix</a:t>
+            </a:r>
+            <a:r>
+              <a:rPr lang="en-US" altLang="zh-CN" sz="2000" dirty="0" smtClean="0"/>
+              <a:t>(‘bt2Idx’,‘’,</a:t>
+            </a:r>
+            <a:r>
+              <a:rPr lang="en-US" altLang="zh-CN" sz="2000" dirty="0"/>
+              <a:t>check=False</a:t>
+            </a:r>
+            <a:r>
+              <a:rPr lang="en-US" altLang="zh-CN" sz="2000" dirty="0" smtClean="0"/>
+              <a:t>)   #</a:t>
+            </a:r>
+            <a:r>
+              <a:rPr lang="zh-CN" altLang="en-US" sz="2000" dirty="0" smtClean="0"/>
+              <a:t>前缀，不检查是否存在</a:t>
+            </a:r>
+            <a:r>
+              <a:rPr lang="en-US" altLang="zh-CN" sz="2000" dirty="0" smtClean="0"/>
               <a:t> </a:t>
             </a:r>
-            <a:endParaRPr lang="zh-CN" altLang="en-US" dirty="0"/>
-          </a:p>
-        </p:txBody>
-      </p:sp>
-      <p:sp>
-        <p:nvSpPr>
-          <p:cNvPr id="3" name="内容占位符 2"/>
-          <p:cNvSpPr>
-            <a:spLocks noGrp="1"/>
-          </p:cNvSpPr>
-          <p:nvPr>
-            <p:ph idx="1"/>
-          </p:nvPr>
-        </p:nvSpPr>
-        <p:spPr/>
-        <p:txBody>
-          <a:bodyPr/>
-          <a:lstStyle/>
-          <a:p>
-            <a:r>
-              <a:rPr lang="zh-CN" altLang="en-US" dirty="0" smtClean="0"/>
-              <a:t>定义参数，调用父类构造函数</a:t>
-            </a:r>
-            <a:r>
-              <a:rPr lang="zh-CN" altLang="en-US" dirty="0"/>
-              <a:t>（必做）</a:t>
-            </a:r>
-          </a:p>
-        </p:txBody>
-      </p:sp>
-      <p:pic>
-        <p:nvPicPr>
-          <p:cNvPr id="4" name="图片 3"/>
-          <p:cNvPicPr>
-            <a:picLocks noChangeAspect="1"/>
-          </p:cNvPicPr>
-          <p:nvPr/>
-        </p:nvPicPr>
-        <p:blipFill>
-          <a:blip r:embed="rId2"/>
-          <a:stretch>
-            <a:fillRect/>
-          </a:stretch>
-        </p:blipFill>
-        <p:spPr>
-          <a:xfrm>
-            <a:off x="838200" y="2528764"/>
-            <a:ext cx="5858534" cy="3093994"/>
-          </a:xfrm>
-          <a:prstGeom prst="rect">
-            <a:avLst/>
-          </a:prstGeom>
-        </p:spPr>
-      </p:pic>
-      <p:sp>
-        <p:nvSpPr>
-          <p:cNvPr id="5" name="矩形 4"/>
-          <p:cNvSpPr/>
-          <p:nvPr/>
-        </p:nvSpPr>
-        <p:spPr>
-          <a:xfrm>
-            <a:off x="2406316" y="2767263"/>
-            <a:ext cx="2237874" cy="641685"/>
-          </a:xfrm>
-          <a:prstGeom prst="rect">
-            <a:avLst/>
-          </a:prstGeom>
-          <a:noFill/>
-          <a:ln w="28575">
-            <a:solidFill>
-              <a:srgbClr val="FF0000"/>
-            </a:solidFill>
-          </a:ln>
-        </p:spPr>
-        <p:style>
-          <a:lnRef idx="2">
-            <a:schemeClr val="accent1">
-              <a:shade val="50000"/>
-            </a:schemeClr>
-          </a:lnRef>
-          <a:fillRef idx="1">
-            <a:schemeClr val="accent1"/>
-          </a:fillRef>
-          <a:effectRef idx="0">
-            <a:schemeClr val="accent1"/>
-          </a:effectRef>
-          <a:fontRef idx="minor">
-            <a:schemeClr val="lt1"/>
-          </a:fontRef>
-        </p:style>
-        <p:txBody>
-          <a:bodyPr rtlCol="0" anchor="ctr"/>
-          <a:lstStyle/>
-          <a:p>
-            <a:pPr algn="ctr"/>
-            <a:endParaRPr lang="zh-CN" altLang="en-US"/>
-          </a:p>
-        </p:txBody>
-      </p:sp>
-      <p:sp>
-        <p:nvSpPr>
-          <p:cNvPr id="6" name="矩形 5"/>
-          <p:cNvSpPr/>
-          <p:nvPr/>
-        </p:nvSpPr>
-        <p:spPr>
-          <a:xfrm>
-            <a:off x="2406316" y="3424991"/>
-            <a:ext cx="2638926" cy="449178"/>
-          </a:xfrm>
-          <a:prstGeom prst="rect">
-            <a:avLst/>
-          </a:prstGeom>
-          <a:noFill/>
-          <a:ln w="28575">
-            <a:solidFill>
-              <a:srgbClr val="FF0000"/>
-            </a:solidFill>
-          </a:ln>
-        </p:spPr>
-        <p:style>
-          <a:lnRef idx="2">
-            <a:schemeClr val="accent1">
-              <a:shade val="50000"/>
-            </a:schemeClr>
-          </a:lnRef>
-          <a:fillRef idx="1">
-            <a:schemeClr val="accent1"/>
-          </a:fillRef>
-          <a:effectRef idx="0">
-            <a:schemeClr val="accent1"/>
-          </a:effectRef>
-          <a:fontRef idx="minor">
-            <a:schemeClr val="lt1"/>
-          </a:fontRef>
-        </p:style>
-        <p:txBody>
-          <a:bodyPr rtlCol="0" anchor="ctr"/>
-          <a:lstStyle/>
-          <a:p>
-            <a:pPr algn="ctr"/>
-            <a:endParaRPr lang="zh-CN" altLang="en-US"/>
-          </a:p>
-        </p:txBody>
-      </p:sp>
-      <p:sp>
-        <p:nvSpPr>
-          <p:cNvPr id="7" name="矩形 6"/>
-          <p:cNvSpPr/>
-          <p:nvPr/>
-        </p:nvSpPr>
-        <p:spPr>
-          <a:xfrm>
-            <a:off x="2406316" y="3903540"/>
-            <a:ext cx="2638926" cy="1037428"/>
-          </a:xfrm>
-          <a:prstGeom prst="rect">
-            <a:avLst/>
-          </a:prstGeom>
-          <a:noFill/>
-          <a:ln w="28575">
-            <a:solidFill>
-              <a:srgbClr val="FF0000"/>
-            </a:solidFill>
-          </a:ln>
-        </p:spPr>
-        <p:style>
-          <a:lnRef idx="2">
-            <a:schemeClr val="accent1">
-              <a:shade val="50000"/>
-            </a:schemeClr>
-          </a:lnRef>
-          <a:fillRef idx="1">
-            <a:schemeClr val="accent1"/>
-          </a:fillRef>
-          <a:effectRef idx="0">
-            <a:schemeClr val="accent1"/>
-          </a:effectRef>
-          <a:fontRef idx="minor">
-            <a:schemeClr val="lt1"/>
-          </a:fontRef>
-        </p:style>
-        <p:txBody>
-          <a:bodyPr rtlCol="0" anchor="ctr"/>
-          <a:lstStyle/>
-          <a:p>
-            <a:pPr algn="ctr"/>
-            <a:endParaRPr lang="zh-CN" altLang="en-US"/>
-          </a:p>
-        </p:txBody>
-      </p:sp>
-      <p:sp>
-        <p:nvSpPr>
-          <p:cNvPr id="8" name="矩形 7"/>
-          <p:cNvSpPr/>
-          <p:nvPr/>
-        </p:nvSpPr>
-        <p:spPr>
-          <a:xfrm>
-            <a:off x="2406316" y="4961716"/>
-            <a:ext cx="1828800" cy="428431"/>
-          </a:xfrm>
-          <a:prstGeom prst="rect">
-            <a:avLst/>
-          </a:prstGeom>
-          <a:noFill/>
-          <a:ln w="28575">
-            <a:solidFill>
-              <a:srgbClr val="FF0000"/>
-            </a:solidFill>
-          </a:ln>
-        </p:spPr>
-        <p:style>
-          <a:lnRef idx="2">
-            <a:schemeClr val="accent1">
-              <a:shade val="50000"/>
-            </a:schemeClr>
-          </a:lnRef>
-          <a:fillRef idx="1">
-            <a:schemeClr val="accent1"/>
-          </a:fillRef>
-          <a:effectRef idx="0">
-            <a:schemeClr val="accent1"/>
-          </a:effectRef>
-          <a:fontRef idx="minor">
-            <a:schemeClr val="lt1"/>
-          </a:fontRef>
-        </p:style>
-        <p:txBody>
-          <a:bodyPr rtlCol="0" anchor="ctr"/>
-          <a:lstStyle/>
-          <a:p>
-            <a:pPr algn="ctr"/>
-            <a:endParaRPr lang="zh-CN" altLang="en-US"/>
-          </a:p>
-        </p:txBody>
-      </p:sp>
-      <p:sp>
-        <p:nvSpPr>
-          <p:cNvPr id="9" name="文本框 8"/>
-          <p:cNvSpPr txBox="1"/>
-          <p:nvPr/>
-        </p:nvSpPr>
-        <p:spPr>
-          <a:xfrm>
-            <a:off x="4965032" y="2895600"/>
-            <a:ext cx="1957136" cy="376989"/>
-          </a:xfrm>
-          <a:prstGeom prst="rect">
-            <a:avLst/>
-          </a:prstGeom>
-          <a:noFill/>
-        </p:spPr>
-        <p:txBody>
-          <a:bodyPr wrap="square" rtlCol="0">
-            <a:spAutoFit/>
-          </a:bodyPr>
-          <a:lstStyle/>
-          <a:p>
-            <a:r>
-              <a:rPr lang="zh-CN" altLang="en-US" dirty="0" smtClean="0"/>
-              <a:t>输入变量</a:t>
-            </a:r>
-            <a:endParaRPr lang="zh-CN" altLang="en-US" dirty="0"/>
-          </a:p>
-        </p:txBody>
-      </p:sp>
-      <p:sp>
-        <p:nvSpPr>
-          <p:cNvPr id="10" name="文本框 9"/>
-          <p:cNvSpPr txBox="1"/>
-          <p:nvPr/>
-        </p:nvSpPr>
-        <p:spPr>
-          <a:xfrm>
-            <a:off x="5141494" y="3454759"/>
-            <a:ext cx="1458987" cy="369332"/>
-          </a:xfrm>
-          <a:prstGeom prst="rect">
-            <a:avLst/>
-          </a:prstGeom>
-          <a:noFill/>
-        </p:spPr>
-        <p:txBody>
-          <a:bodyPr wrap="square" rtlCol="0">
-            <a:spAutoFit/>
-          </a:bodyPr>
-          <a:lstStyle/>
-          <a:p>
-            <a:r>
-              <a:rPr lang="zh-CN" altLang="en-US" dirty="0" smtClean="0"/>
-              <a:t>输出变量</a:t>
-            </a:r>
-            <a:endParaRPr lang="zh-CN" altLang="en-US" dirty="0"/>
-          </a:p>
-        </p:txBody>
-      </p:sp>
-      <p:sp>
-        <p:nvSpPr>
-          <p:cNvPr id="11" name="文本框 10"/>
-          <p:cNvSpPr txBox="1"/>
-          <p:nvPr/>
-        </p:nvSpPr>
-        <p:spPr>
-          <a:xfrm>
-            <a:off x="5141493" y="4237588"/>
-            <a:ext cx="1900991" cy="369332"/>
-          </a:xfrm>
-          <a:prstGeom prst="rect">
-            <a:avLst/>
-          </a:prstGeom>
-          <a:noFill/>
-        </p:spPr>
-        <p:txBody>
-          <a:bodyPr wrap="square" rtlCol="0">
-            <a:spAutoFit/>
-          </a:bodyPr>
-          <a:lstStyle/>
-          <a:p>
-            <a:r>
-              <a:rPr lang="zh-CN" altLang="en-US" dirty="0" smtClean="0"/>
-              <a:t>控制参数变量</a:t>
-            </a:r>
-            <a:endParaRPr lang="zh-CN" altLang="en-US" dirty="0"/>
-          </a:p>
-        </p:txBody>
-      </p:sp>
-      <p:sp>
-        <p:nvSpPr>
-          <p:cNvPr id="12" name="文本框 11"/>
-          <p:cNvSpPr txBox="1"/>
-          <p:nvPr/>
-        </p:nvSpPr>
-        <p:spPr>
-          <a:xfrm>
-            <a:off x="4515429" y="4985133"/>
-            <a:ext cx="5783603" cy="369332"/>
-          </a:xfrm>
-          <a:prstGeom prst="rect">
-            <a:avLst/>
-          </a:prstGeom>
-          <a:noFill/>
-        </p:spPr>
-        <p:txBody>
-          <a:bodyPr wrap="square" rtlCol="0">
-            <a:spAutoFit/>
-          </a:bodyPr>
-          <a:lstStyle/>
-          <a:p>
-            <a:r>
-              <a:rPr lang="zh-CN" altLang="en-US" dirty="0" smtClean="0"/>
-              <a:t>其它参数变量，根据命令行个数决定有多少组参数</a:t>
-            </a:r>
-            <a:endParaRPr lang="zh-CN" altLang="en-US" dirty="0"/>
+            <a:r>
+              <a:rPr lang="en-US" altLang="zh-CN" sz="2000" dirty="0" err="1"/>
+              <a:t>Configure.setRefSuffix</a:t>
+            </a:r>
+            <a:r>
+              <a:rPr lang="en-US" altLang="zh-CN" sz="2000" dirty="0" smtClean="0"/>
+              <a:t>(‘bt2IdxFiles’,[‘.1.bt2’,‘.2.bt2’,‘.3.bt2’,‘.4.bt2’,‘.rev.1.bt2’,‘.rev.2.bt2’]) #</a:t>
+            </a:r>
+            <a:r>
+              <a:rPr lang="zh-CN" altLang="en-US" sz="2000" dirty="0" smtClean="0"/>
+              <a:t>所有文件</a:t>
+            </a:r>
+            <a:endParaRPr lang="en-US" altLang="zh-CN" sz="2000" dirty="0" smtClean="0"/>
+          </a:p>
+          <a:p>
+            <a:pPr marL="0" indent="0">
+              <a:buNone/>
+            </a:pPr>
+            <a:r>
+              <a:rPr lang="zh-CN" altLang="en-US" sz="2000" dirty="0" smtClean="0"/>
+              <a:t>可以为单个或者</a:t>
+            </a:r>
+            <a:r>
+              <a:rPr lang="en-US" altLang="zh-CN" sz="2000" dirty="0" smtClean="0"/>
+              <a:t>list</a:t>
+            </a:r>
+            <a:r>
+              <a:rPr lang="zh-CN" altLang="en-US" sz="2000" dirty="0" smtClean="0"/>
+              <a:t>均可</a:t>
+            </a:r>
+            <a:r>
+              <a:rPr lang="en-US" altLang="zh-CN" sz="2000" dirty="0"/>
+              <a:t>	</a:t>
+            </a:r>
+            <a:endParaRPr lang="zh-CN" altLang="en-US" sz="2000" dirty="0"/>
           </a:p>
         </p:txBody>
       </p:sp>
     </p:spTree>
     <p:extLst>
       <p:ext uri="{BB962C8B-B14F-4D97-AF65-F5344CB8AC3E}">
-        <p14:creationId xmlns:p14="http://schemas.microsoft.com/office/powerpoint/2010/main" val="1906261107"/>
+        <p14:creationId xmlns:p14="http://schemas.microsoft.com/office/powerpoint/2010/main" val="800176354"/>
       </p:ext>
     </p:extLst>
   </p:cSld>
@@ -6918,15 +8585,7 @@
             </a:r>
             <a:r>
               <a:rPr lang="en-US" altLang="zh-CN" dirty="0" smtClean="0"/>
-              <a:t>__</a:t>
-            </a:r>
-            <a:r>
-              <a:rPr lang="en-US" altLang="zh-CN" dirty="0" err="1" smtClean="0"/>
-              <a:t>init</a:t>
-            </a:r>
-            <a:r>
-              <a:rPr lang="en-US" altLang="zh-CN" dirty="0" smtClean="0"/>
-              <a:t>__ </a:t>
+              <a:t> </a:t>
             </a:r>
             <a:endParaRPr lang="zh-CN" altLang="en-US" dirty="0"/>
           </a:p>
@@ -6949,42 +8608,18 @@
           <a:p>
             <a:r>
               <a:rPr lang="zh-CN" altLang="en-US" dirty="0" smtClean="0"/>
-              <a:t>实现设置输入输出参数，调用初始化输入输出函数</a:t>
-            </a:r>
-            <a:r>
-              <a:rPr lang="en-US" altLang="zh-CN" dirty="0" err="1" smtClean="0"/>
-              <a:t>initIO</a:t>
-            </a:r>
-            <a:r>
-              <a:rPr lang="zh-CN" altLang="en-US" dirty="0" smtClean="0"/>
+              <a:t>定义参数，调用父类构造函数</a:t>
+            </a:r>
+            <a:r>
+              <a:rPr lang="zh-CN" altLang="en-US" dirty="0"/>
               <a:t>（必做）</a:t>
             </a:r>
-            <a:endParaRPr lang="en-US" altLang="zh-CN" dirty="0" smtClean="0"/>
-          </a:p>
-          <a:p>
-            <a:endParaRPr lang="en-US" altLang="zh-CN" dirty="0"/>
-          </a:p>
-          <a:p>
-            <a:endParaRPr lang="en-US" altLang="zh-CN" dirty="0" smtClean="0"/>
-          </a:p>
-          <a:p>
-            <a:endParaRPr lang="en-US" altLang="zh-CN" dirty="0"/>
-          </a:p>
-          <a:p>
-            <a:endParaRPr lang="en-US" altLang="zh-CN" dirty="0" smtClean="0"/>
-          </a:p>
-          <a:p>
-            <a:r>
-              <a:rPr lang="zh-CN" altLang="en-US" dirty="0" smtClean="0"/>
-              <a:t>实现设置其它控制参数（必做）</a:t>
-            </a:r>
-            <a:endParaRPr lang="zh-CN" altLang="en-US" dirty="0"/>
           </a:p>
         </p:txBody>
       </p:sp>
       <p:pic>
         <p:nvPicPr>
-          <p:cNvPr id="13" name="图片 12"/>
+          <p:cNvPr id="4" name="图片 3"/>
           <p:cNvPicPr>
             <a:picLocks noChangeAspect="1"/>
           </p:cNvPicPr>
@@ -6998,103 +8633,213 @@
         </p:blipFill>
         <p:spPr>
           <a:xfrm>
-            <a:off x="908637" y="2339227"/>
-            <a:ext cx="5243510" cy="1830282"/>
+            <a:off x="838200" y="2528764"/>
+            <a:ext cx="5858534" cy="3093994"/>
           </a:xfrm>
           <a:prstGeom prst="rect">
             <a:avLst/>
           </a:prstGeom>
         </p:spPr>
       </p:pic>
-      <p:pic>
-        <p:nvPicPr>
-          <p:cNvPr id="14" name="图片 13"/>
-          <p:cNvPicPr>
-            <a:picLocks noChangeAspect="1"/>
-          </p:cNvPicPr>
+      <p:sp>
+        <p:nvSpPr>
+          <p:cNvPr id="5" name="矩形 4"/>
+          <p:cNvSpPr/>
           <p:nvPr/>
-        </p:nvPicPr>
-        <p:blipFill>
-          <a:blip r:embed="rId3"/>
-          <a:stretch>
-            <a:fillRect/>
-          </a:stretch>
-        </p:blipFill>
-        <p:spPr>
-          <a:xfrm>
-            <a:off x="1027430" y="4738584"/>
-            <a:ext cx="3752381" cy="1238095"/>
-          </a:xfrm>
-          <a:prstGeom prst="rect">
-            <a:avLst/>
-          </a:prstGeom>
-        </p:spPr>
-      </p:pic>
-      <p:sp>
-        <p:nvSpPr>
-          <p:cNvPr id="15" name="文本框 14"/>
-          <p:cNvSpPr txBox="1"/>
-          <p:nvPr/>
-        </p:nvSpPr>
-        <p:spPr>
-          <a:xfrm>
-            <a:off x="6376737" y="2638926"/>
-            <a:ext cx="5149516" cy="369332"/>
+        </p:nvSpPr>
+        <p:spPr>
+          <a:xfrm>
+            <a:off x="2406316" y="2767263"/>
+            <a:ext cx="2237874" cy="641685"/>
           </a:xfrm>
           <a:prstGeom prst="rect">
             <a:avLst/>
           </a:prstGeom>
           <a:noFill/>
-        </p:spPr>
-        <p:txBody>
-          <a:bodyPr wrap="square" rtlCol="0">
-            <a:spAutoFit/>
-          </a:bodyPr>
-          <a:lstStyle/>
-          <a:p>
-            <a:r>
-              <a:rPr lang="en-US" altLang="zh-CN" dirty="0" err="1" smtClean="0"/>
-              <a:t>self.setParamIO</a:t>
-            </a:r>
-            <a:r>
-              <a:rPr lang="en-US" altLang="zh-CN" dirty="0" smtClean="0"/>
-              <a:t>(‘</a:t>
-            </a:r>
-            <a:r>
-              <a:rPr lang="zh-CN" altLang="en-US" dirty="0" smtClean="0"/>
-              <a:t>输入或输出名</a:t>
-            </a:r>
-            <a:r>
-              <a:rPr lang="en-US" altLang="zh-CN" dirty="0" smtClean="0"/>
-              <a:t>’,</a:t>
-            </a:r>
-            <a:r>
-              <a:rPr lang="zh-CN" altLang="en-US" dirty="0" smtClean="0"/>
-              <a:t>输入或输出变量值</a:t>
-            </a:r>
-            <a:r>
-              <a:rPr lang="en-US" altLang="zh-CN" dirty="0" smtClean="0"/>
-              <a:t>)</a:t>
-            </a:r>
-            <a:endParaRPr lang="zh-CN" altLang="en-US" dirty="0"/>
-          </a:p>
-        </p:txBody>
-      </p:sp>
-      <p:sp>
-        <p:nvSpPr>
-          <p:cNvPr id="16" name="文本框 15"/>
-          <p:cNvSpPr txBox="1"/>
+          <a:ln w="28575">
+            <a:solidFill>
+              <a:srgbClr val="FF0000"/>
+            </a:solidFill>
+          </a:ln>
+        </p:spPr>
+        <p:style>
+          <a:lnRef idx="2">
+            <a:schemeClr val="accent1">
+              <a:shade val="50000"/>
+            </a:schemeClr>
+          </a:lnRef>
+          <a:fillRef idx="1">
+            <a:schemeClr val="accent1"/>
+          </a:fillRef>
+          <a:effectRef idx="0">
+            <a:schemeClr val="accent1"/>
+          </a:effectRef>
+          <a:fontRef idx="minor">
+            <a:schemeClr val="lt1"/>
+          </a:fontRef>
+        </p:style>
+        <p:txBody>
+          <a:bodyPr rtlCol="0" anchor="ctr"/>
+          <a:lstStyle/>
+          <a:p>
+            <a:pPr algn="ctr"/>
+            <a:endParaRPr lang="zh-CN" altLang="en-US"/>
+          </a:p>
+        </p:txBody>
+      </p:sp>
+      <p:sp>
+        <p:nvSpPr>
+          <p:cNvPr id="6" name="矩形 5"/>
+          <p:cNvSpPr/>
           <p:nvPr/>
         </p:nvSpPr>
         <p:spPr>
           <a:xfrm>
-            <a:off x="6376737" y="4852736"/>
-            <a:ext cx="5149516" cy="369332"/>
+            <a:off x="2406316" y="3424991"/>
+            <a:ext cx="2638926" cy="449178"/>
           </a:xfrm>
           <a:prstGeom prst="rect">
             <a:avLst/>
           </a:prstGeom>
           <a:noFill/>
+          <a:ln w="28575">
+            <a:solidFill>
+              <a:srgbClr val="FF0000"/>
+            </a:solidFill>
+          </a:ln>
+        </p:spPr>
+        <p:style>
+          <a:lnRef idx="2">
+            <a:schemeClr val="accent1">
+              <a:shade val="50000"/>
+            </a:schemeClr>
+          </a:lnRef>
+          <a:fillRef idx="1">
+            <a:schemeClr val="accent1"/>
+          </a:fillRef>
+          <a:effectRef idx="0">
+            <a:schemeClr val="accent1"/>
+          </a:effectRef>
+          <a:fontRef idx="minor">
+            <a:schemeClr val="lt1"/>
+          </a:fontRef>
+        </p:style>
+        <p:txBody>
+          <a:bodyPr rtlCol="0" anchor="ctr"/>
+          <a:lstStyle/>
+          <a:p>
+            <a:pPr algn="ctr"/>
+            <a:endParaRPr lang="zh-CN" altLang="en-US"/>
+          </a:p>
+        </p:txBody>
+      </p:sp>
+      <p:sp>
+        <p:nvSpPr>
+          <p:cNvPr id="7" name="矩形 6"/>
+          <p:cNvSpPr/>
+          <p:nvPr/>
+        </p:nvSpPr>
+        <p:spPr>
+          <a:xfrm>
+            <a:off x="2406316" y="3903540"/>
+            <a:ext cx="2638926" cy="1037428"/>
+          </a:xfrm>
+          <a:prstGeom prst="rect">
+            <a:avLst/>
+          </a:prstGeom>
+          <a:noFill/>
+          <a:ln w="28575">
+            <a:solidFill>
+              <a:srgbClr val="FF0000"/>
+            </a:solidFill>
+          </a:ln>
+        </p:spPr>
+        <p:style>
+          <a:lnRef idx="2">
+            <a:schemeClr val="accent1">
+              <a:shade val="50000"/>
+            </a:schemeClr>
+          </a:lnRef>
+          <a:fillRef idx="1">
+            <a:schemeClr val="accent1"/>
+          </a:fillRef>
+          <a:effectRef idx="0">
+            <a:schemeClr val="accent1"/>
+          </a:effectRef>
+          <a:fontRef idx="minor">
+            <a:schemeClr val="lt1"/>
+          </a:fontRef>
+        </p:style>
+        <p:txBody>
+          <a:bodyPr rtlCol="0" anchor="ctr"/>
+          <a:lstStyle/>
+          <a:p>
+            <a:pPr algn="ctr"/>
+            <a:endParaRPr lang="zh-CN" altLang="en-US"/>
+          </a:p>
+        </p:txBody>
+      </p:sp>
+      <p:sp>
+        <p:nvSpPr>
+          <p:cNvPr id="8" name="矩形 7"/>
+          <p:cNvSpPr/>
+          <p:nvPr/>
+        </p:nvSpPr>
+        <p:spPr>
+          <a:xfrm>
+            <a:off x="2406316" y="4961716"/>
+            <a:ext cx="1828800" cy="428431"/>
+          </a:xfrm>
+          <a:prstGeom prst="rect">
+            <a:avLst/>
+          </a:prstGeom>
+          <a:noFill/>
+          <a:ln w="28575">
+            <a:solidFill>
+              <a:srgbClr val="FF0000"/>
+            </a:solidFill>
+          </a:ln>
+        </p:spPr>
+        <p:style>
+          <a:lnRef idx="2">
+            <a:schemeClr val="accent1">
+              <a:shade val="50000"/>
+            </a:schemeClr>
+          </a:lnRef>
+          <a:fillRef idx="1">
+            <a:schemeClr val="accent1"/>
+          </a:fillRef>
+          <a:effectRef idx="0">
+            <a:schemeClr val="accent1"/>
+          </a:effectRef>
+          <a:fontRef idx="minor">
+            <a:schemeClr val="lt1"/>
+          </a:fontRef>
+        </p:style>
+        <p:txBody>
+          <a:bodyPr rtlCol="0" anchor="ctr"/>
+          <a:lstStyle/>
+          <a:p>
+            <a:pPr algn="ctr"/>
+            <a:endParaRPr lang="zh-CN" altLang="en-US"/>
+          </a:p>
+        </p:txBody>
+      </p:sp>
+      <p:sp>
+        <p:nvSpPr>
+          <p:cNvPr id="9" name="文本框 8"/>
+          <p:cNvSpPr txBox="1"/>
+          <p:nvPr/>
+        </p:nvSpPr>
+        <p:spPr>
+          <a:xfrm>
+            <a:off x="4965032" y="2895600"/>
+            <a:ext cx="1957136" cy="376989"/>
+          </a:xfrm>
+          <a:prstGeom prst="rect">
+            <a:avLst/>
+          </a:prstGeom>
+          <a:noFill/>
         </p:spPr>
         <p:txBody>
           <a:bodyPr wrap="square" rtlCol="0">
@@ -7103,28 +8848,98 @@
           <a:lstStyle/>
           <a:p>
             <a:r>
-              <a:rPr lang="en-US" altLang="zh-CN" dirty="0" err="1" smtClean="0"/>
-              <a:t>self.setParam</a:t>
-            </a:r>
-            <a:r>
-              <a:rPr lang="en-US" altLang="zh-CN" dirty="0" smtClean="0"/>
-              <a:t>(‘</a:t>
-            </a:r>
-            <a:r>
-              <a:rPr lang="zh-CN" altLang="en-US" dirty="0" smtClean="0"/>
-              <a:t>参数名</a:t>
-            </a:r>
-            <a:r>
-              <a:rPr lang="en-US" altLang="zh-CN" dirty="0" smtClean="0"/>
-              <a:t>’,</a:t>
-            </a:r>
-            <a:r>
-              <a:rPr lang="zh-CN" altLang="en-US" dirty="0" smtClean="0"/>
-              <a:t>参数值</a:t>
-            </a:r>
-            <a:r>
-              <a:rPr lang="en-US" altLang="zh-CN" dirty="0" smtClean="0"/>
-              <a:t>)</a:t>
+              <a:rPr lang="zh-CN" altLang="en-US" dirty="0" smtClean="0"/>
+              <a:t>输入变量</a:t>
+            </a:r>
+            <a:endParaRPr lang="zh-CN" altLang="en-US" dirty="0"/>
+          </a:p>
+        </p:txBody>
+      </p:sp>
+      <p:sp>
+        <p:nvSpPr>
+          <p:cNvPr id="10" name="文本框 9"/>
+          <p:cNvSpPr txBox="1"/>
+          <p:nvPr/>
+        </p:nvSpPr>
+        <p:spPr>
+          <a:xfrm>
+            <a:off x="5141494" y="3454759"/>
+            <a:ext cx="1458987" cy="369332"/>
+          </a:xfrm>
+          <a:prstGeom prst="rect">
+            <a:avLst/>
+          </a:prstGeom>
+          <a:noFill/>
+        </p:spPr>
+        <p:txBody>
+          <a:bodyPr wrap="square" rtlCol="0">
+            <a:spAutoFit/>
+          </a:bodyPr>
+          <a:lstStyle/>
+          <a:p>
+            <a:r>
+              <a:rPr lang="zh-CN" altLang="en-US" dirty="0" smtClean="0"/>
+              <a:t>输出变量</a:t>
+            </a:r>
+            <a:endParaRPr lang="zh-CN" altLang="en-US" dirty="0"/>
+          </a:p>
+        </p:txBody>
+      </p:sp>
+      <p:sp>
+        <p:nvSpPr>
+          <p:cNvPr id="11" name="文本框 10"/>
+          <p:cNvSpPr txBox="1"/>
+          <p:nvPr/>
+        </p:nvSpPr>
+        <p:spPr>
+          <a:xfrm>
+            <a:off x="5141493" y="4237588"/>
+            <a:ext cx="1900991" cy="369332"/>
+          </a:xfrm>
+          <a:prstGeom prst="rect">
+            <a:avLst/>
+          </a:prstGeom>
+          <a:noFill/>
+        </p:spPr>
+        <p:txBody>
+          <a:bodyPr wrap="square" rtlCol="0">
+            <a:spAutoFit/>
+          </a:bodyPr>
+          <a:lstStyle/>
+          <a:p>
+            <a:r>
+              <a:rPr lang="zh-CN" altLang="en-US" dirty="0" smtClean="0"/>
+              <a:t>控制参数变量</a:t>
+            </a:r>
+            <a:endParaRPr lang="zh-CN" altLang="en-US" dirty="0"/>
+          </a:p>
+        </p:txBody>
+      </p:sp>
+      <p:sp>
+        <p:nvSpPr>
+          <p:cNvPr id="12" name="文本框 11"/>
+          <p:cNvSpPr txBox="1"/>
+          <p:nvPr/>
+        </p:nvSpPr>
+        <p:spPr>
+          <a:xfrm>
+            <a:off x="4515429" y="4985133"/>
+            <a:ext cx="5783603" cy="369332"/>
+          </a:xfrm>
+          <a:prstGeom prst="rect">
+            <a:avLst/>
+          </a:prstGeom>
+          <a:noFill/>
+        </p:spPr>
+        <p:txBody>
+          <a:bodyPr wrap="square" rtlCol="0">
+            <a:spAutoFit/>
+          </a:bodyPr>
+          <a:lstStyle/>
+          <a:p>
+            <a:r>
+              <a:rPr lang="zh-CN" altLang="en-US" dirty="0" smtClean="0"/>
+              <a:t>其它参数变量，根据命令行个数决定有多少组参数</a:t>
             </a:r>
             <a:endParaRPr lang="zh-CN" altLang="en-US" dirty="0"/>
           </a:p>
@@ -7133,7 +8948,7 @@
     </p:spTree>
     <p:extLst>
       <p:ext uri="{BB962C8B-B14F-4D97-AF65-F5344CB8AC3E}">
-        <p14:creationId xmlns:p14="http://schemas.microsoft.com/office/powerpoint/2010/main" val="2091719736"/>
+        <p14:creationId xmlns:p14="http://schemas.microsoft.com/office/powerpoint/2010/main" val="1906261107"/>
       </p:ext>
     </p:extLst>
   </p:cSld>
